--- a/references/BTNB/Slides/BTNB_Lesson3_Exception Handling & Utility Classes.pptx
+++ b/references/BTNB/Slides/BTNB_Lesson3_Exception Handling & Utility Classes.pptx
@@ -200,6 +200,10 @@
 </p:presentation>
 </file>
 
+<file path=ppt/revisionInfo.xml><?xml version="1.0" encoding="utf-8"?>
+<p1510:revInfo xmlns:a="http://schemas.openxmlformats.org/drawingml/2006/main" xmlns:r="http://schemas.openxmlformats.org/officeDocument/2006/relationships" xmlns:p1510="http://schemas.microsoft.com/office/powerpoint/2015/10/main"/>
+</file>
+
 <file path=ppt/notesMasters/notesMaster1.xml><?xml version="1.0" encoding="utf-8"?>
 <p:notesMaster xmlns:a="http://schemas.openxmlformats.org/drawingml/2006/main" xmlns:r="http://schemas.openxmlformats.org/officeDocument/2006/relationships" xmlns:p="http://schemas.openxmlformats.org/presentationml/2006/main">
   <p:cSld>
@@ -297,7 +301,7 @@
               <a:pPr>
                 <a:defRPr/>
               </a:pPr>
-              <a:t>10/03/2015</a:t>
+              <a:t>19/07/2017</a:t>
             </a:fld>
             <a:endParaRPr lang="vi-VN"/>
           </a:p>
@@ -364,35 +368,35 @@
           <a:p>
             <a:pPr lvl="0"/>
             <a:r>
-              <a:rPr lang="en-US" noProof="0" smtClean="0"/>
+              <a:rPr lang="en-US" noProof="0"/>
               <a:t>Click to edit Master text styles</a:t>
             </a:r>
           </a:p>
           <a:p>
             <a:pPr lvl="1"/>
             <a:r>
-              <a:rPr lang="en-US" noProof="0" smtClean="0"/>
+              <a:rPr lang="en-US" noProof="0"/>
               <a:t>Second level</a:t>
             </a:r>
           </a:p>
           <a:p>
             <a:pPr lvl="2"/>
             <a:r>
-              <a:rPr lang="en-US" noProof="0" smtClean="0"/>
+              <a:rPr lang="en-US" noProof="0"/>
               <a:t>Third level</a:t>
             </a:r>
           </a:p>
           <a:p>
             <a:pPr lvl="3"/>
             <a:r>
-              <a:rPr lang="en-US" noProof="0" smtClean="0"/>
+              <a:rPr lang="en-US" noProof="0"/>
               <a:t>Fourth level</a:t>
             </a:r>
           </a:p>
           <a:p>
             <a:pPr lvl="4"/>
             <a:r>
-              <a:rPr lang="en-US" noProof="0" smtClean="0"/>
+              <a:rPr lang="en-US" noProof="0"/>
               <a:t>Fifth level</a:t>
             </a:r>
             <a:endParaRPr lang="vi-VN" noProof="0"/>
@@ -652,7 +656,7 @@
               <a:pPr/>
               <a:t>2</a:t>
             </a:fld>
-            <a:endParaRPr lang="en-US" smtClean="0"/>
+            <a:endParaRPr lang="en-US"/>
           </a:p>
         </p:txBody>
       </p:sp>
@@ -688,7 +692,7 @@
           <a:bodyPr/>
           <a:lstStyle/>
           <a:p>
-            <a:endParaRPr lang="en-US" smtClean="0"/>
+            <a:endParaRPr lang="en-US"/>
           </a:p>
         </p:txBody>
       </p:sp>
@@ -769,90 +773,90 @@
               <a:defRPr/>
             </a:pPr>
             <a:r>
-              <a:rPr lang="en-US" dirty="0" smtClean="0"/>
+              <a:rPr lang="en-US" dirty="0"/>
               <a:t>Notice that </a:t>
             </a:r>
             <a:r>
-              <a:rPr lang="en-US" b="1" dirty="0" smtClean="0"/>
+              <a:rPr lang="en-US" b="1" dirty="0"/>
               <a:t>Close</a:t>
             </a:r>
             <a:r>
-              <a:rPr lang="en-US" dirty="0" smtClean="0"/>
+              <a:rPr lang="en-US" dirty="0"/>
               <a:t> is called inside the </a:t>
             </a:r>
             <a:r>
-              <a:rPr lang="en-US" b="1" dirty="0" smtClean="0"/>
+              <a:rPr lang="en-US" b="1" dirty="0"/>
               <a:t>try</a:t>
             </a:r>
             <a:r>
-              <a:rPr lang="en-US" dirty="0" smtClean="0"/>
+              <a:rPr lang="en-US" dirty="0"/>
               <a:t> block and in the </a:t>
             </a:r>
             <a:r>
-              <a:rPr lang="en-US" b="1" dirty="0" smtClean="0"/>
+              <a:rPr lang="en-US" b="1" dirty="0"/>
               <a:t>finally</a:t>
             </a:r>
             <a:r>
-              <a:rPr lang="en-US" dirty="0" smtClean="0"/>
+              <a:rPr lang="en-US" dirty="0"/>
               <a:t> block. Calling </a:t>
             </a:r>
             <a:r>
-              <a:rPr lang="en-US" b="1" dirty="0" smtClean="0"/>
+              <a:rPr lang="en-US" b="1" dirty="0"/>
               <a:t>Close</a:t>
             </a:r>
             <a:r>
-              <a:rPr lang="en-US" dirty="0" smtClean="0"/>
+              <a:rPr lang="en-US" dirty="0"/>
               <a:t> twice does not cause an exception. Calling </a:t>
             </a:r>
             <a:r>
-              <a:rPr lang="en-US" b="1" dirty="0" smtClean="0"/>
+              <a:rPr lang="en-US" b="1" dirty="0"/>
               <a:t>Close</a:t>
             </a:r>
             <a:r>
-              <a:rPr lang="en-US" dirty="0" smtClean="0"/>
+              <a:rPr lang="en-US" dirty="0"/>
               <a:t> inside the </a:t>
             </a:r>
             <a:r>
-              <a:rPr lang="en-US" b="1" dirty="0" smtClean="0"/>
+              <a:rPr lang="en-US" b="1" dirty="0"/>
               <a:t>try</a:t>
             </a:r>
             <a:r>
-              <a:rPr lang="en-US" dirty="0" smtClean="0"/>
+              <a:rPr lang="en-US" dirty="0"/>
               <a:t> block allows the connection to be released quickly so that the underlying resources can be reused. The </a:t>
             </a:r>
             <a:r>
-              <a:rPr lang="en-US" b="1" dirty="0" smtClean="0"/>
+              <a:rPr lang="en-US" b="1" dirty="0"/>
               <a:t>finally</a:t>
             </a:r>
             <a:r>
-              <a:rPr lang="en-US" dirty="0" smtClean="0"/>
+              <a:rPr lang="en-US" dirty="0"/>
               <a:t> block ensures that the connection closes if an exception is thrown and the </a:t>
             </a:r>
             <a:r>
-              <a:rPr lang="en-US" b="1" dirty="0" smtClean="0"/>
+              <a:rPr lang="en-US" b="1" dirty="0"/>
               <a:t>try</a:t>
             </a:r>
             <a:r>
-              <a:rPr lang="en-US" dirty="0" smtClean="0"/>
+              <a:rPr lang="en-US" dirty="0"/>
               <a:t> block fails to complete. The duplicated call to </a:t>
             </a:r>
             <a:r>
-              <a:rPr lang="en-US" b="1" dirty="0" smtClean="0"/>
+              <a:rPr lang="en-US" b="1" dirty="0"/>
               <a:t>Close</a:t>
             </a:r>
             <a:r>
-              <a:rPr lang="en-US" dirty="0" smtClean="0"/>
+              <a:rPr lang="en-US" dirty="0"/>
               <a:t> is a good idea if there is other significant work in the </a:t>
             </a:r>
             <a:r>
-              <a:rPr lang="en-US" b="1" dirty="0" smtClean="0"/>
+              <a:rPr lang="en-US" b="1" dirty="0"/>
               <a:t>try</a:t>
             </a:r>
             <a:r>
-              <a:rPr lang="en-US" dirty="0" smtClean="0"/>
+              <a:rPr lang="en-US" dirty="0"/>
               <a:t> block, as in this example.</a:t>
             </a:r>
-            <a:endParaRPr lang="en-US" smtClean="0"/>
+            <a:endParaRPr lang="en-US"/>
           </a:p>
           <a:p>
             <a:endParaRPr lang="en-US"/>
@@ -990,27 +994,27 @@
           <a:lstStyle/>
           <a:p>
             <a:r>
-              <a:rPr lang="en-US" smtClean="0"/>
+              <a:rPr lang="en-US"/>
               <a:t>LINQ A query is executed in a foreach statement, and foreach requires </a:t>
             </a:r>
             <a:r>
-              <a:rPr lang="en-US" smtClean="0">
+              <a:rPr lang="en-US">
                 <a:hlinkClick r:id="rId3"/>
               </a:rPr>
               <a:t>IEnumerable</a:t>
             </a:r>
             <a:r>
-              <a:rPr lang="en-US" smtClean="0"/>
+              <a:rPr lang="en-US"/>
               <a:t> or </a:t>
             </a:r>
             <a:r>
-              <a:rPr lang="en-US" smtClean="0">
+              <a:rPr lang="en-US">
                 <a:hlinkClick r:id="rId4"/>
               </a:rPr>
               <a:t>IEnumerable&lt;T&gt;</a:t>
             </a:r>
             <a:r>
-              <a:rPr lang="en-US" smtClean="0"/>
+              <a:rPr lang="en-US"/>
               <a:t>.</a:t>
             </a:r>
           </a:p>
@@ -1168,7 +1172,7 @@
               <a:pPr eaLnBrk="1" hangingPunct="1"/>
               <a:t>20</a:t>
             </a:fld>
-            <a:endParaRPr lang="vi-VN" smtClean="0"/>
+            <a:endParaRPr lang="vi-VN"/>
           </a:p>
         </p:txBody>
       </p:sp>
@@ -1245,7 +1249,7 @@
           </a:bodyPr>
           <a:lstStyle/>
           <a:p>
-            <a:endParaRPr lang="en-US" smtClean="0"/>
+            <a:endParaRPr lang="en-US"/>
           </a:p>
         </p:txBody>
       </p:sp>
@@ -1283,7 +1287,7 @@
               <a:pPr/>
               <a:t>31</a:t>
             </a:fld>
-            <a:endParaRPr lang="en-US" smtClean="0">
+            <a:endParaRPr lang="en-US">
               <a:latin typeface="Arial" charset="0"/>
               <a:cs typeface="Arial" charset="0"/>
             </a:endParaRPr>
@@ -1347,7 +1351,7 @@
               <a:pPr/>
               <a:t>3</a:t>
             </a:fld>
-            <a:endParaRPr lang="en-US" smtClean="0"/>
+            <a:endParaRPr lang="en-US"/>
           </a:p>
         </p:txBody>
       </p:sp>
@@ -1405,7 +1409,7 @@
               <a:defRPr/>
             </a:pPr>
             <a:r>
-              <a:rPr lang="en-US" dirty="0" smtClean="0"/>
+              <a:rPr lang="en-US" dirty="0"/>
               <a:t>Exception handling is an in built mechanism in .NET framework to detect and handle run time errors. </a:t>
             </a:r>
           </a:p>
@@ -1419,7 +1423,7 @@
               <a:defRPr/>
             </a:pPr>
             <a:r>
-              <a:rPr lang="en-US" dirty="0" smtClean="0"/>
+              <a:rPr lang="en-US" dirty="0"/>
               <a:t>The .NET framework contains lots of standard exceptions. </a:t>
             </a:r>
           </a:p>
@@ -1433,7 +1437,7 @@
               <a:defRPr/>
             </a:pPr>
             <a:r>
-              <a:rPr lang="en-US" dirty="0" smtClean="0"/>
+              <a:rPr lang="en-US" dirty="0"/>
               <a:t>The exceptions are anomalies that occur during the execution of a program. </a:t>
             </a:r>
           </a:p>
@@ -1447,7 +1451,7 @@
               <a:defRPr/>
             </a:pPr>
             <a:r>
-              <a:rPr lang="en-US" dirty="0" smtClean="0"/>
+              <a:rPr lang="en-US" dirty="0"/>
               <a:t>They can be because of user, logic or system errors. </a:t>
             </a:r>
           </a:p>
@@ -1461,34 +1465,34 @@
               <a:defRPr/>
             </a:pPr>
             <a:r>
-              <a:rPr lang="en-US" dirty="0" smtClean="0"/>
+              <a:rPr lang="en-US" dirty="0"/>
               <a:t>If a user (programmer) do not provide a mechanism to handle these anomalies, the .NET run time environment provide a default mechanism, which terminates the program execution.  </a:t>
             </a:r>
-            <a:endParaRPr lang="en-CA" dirty="0" smtClean="0"/>
-          </a:p>
-          <a:p>
-            <a:endParaRPr lang="en-US" dirty="0" smtClean="0"/>
-          </a:p>
-          <a:p>
-            <a:r>
-              <a:rPr lang="en-US" dirty="0" smtClean="0"/>
+            <a:endParaRPr lang="en-CA" dirty="0"/>
+          </a:p>
+          <a:p>
+            <a:endParaRPr lang="en-US" dirty="0"/>
+          </a:p>
+          <a:p>
+            <a:r>
+              <a:rPr lang="en-US" dirty="0"/>
               <a:t>C# provides three keywords try, catch and finally to do exception handling. </a:t>
             </a:r>
           </a:p>
           <a:p>
             <a:r>
-              <a:rPr lang="en-US" dirty="0" smtClean="0"/>
+              <a:rPr lang="en-US" dirty="0"/>
               <a:t>The try encloses the statements that might throw an exception whereas catch handles an exception if one exists. </a:t>
             </a:r>
           </a:p>
           <a:p>
             <a:r>
-              <a:rPr lang="en-US" dirty="0" smtClean="0"/>
+              <a:rPr lang="en-US" dirty="0"/>
               <a:t>The finally can be used for doing any clean up process.</a:t>
             </a:r>
           </a:p>
           <a:p>
-            <a:endParaRPr lang="en-US" dirty="0" smtClean="0"/>
+            <a:endParaRPr lang="en-US" dirty="0"/>
           </a:p>
           <a:p>
             <a:pPr fontAlgn="auto">
@@ -1500,7 +1504,7 @@
               <a:defRPr/>
             </a:pPr>
             <a:r>
-              <a:rPr lang="en-US" sz="1200" dirty="0" smtClean="0"/>
+              <a:rPr lang="en-US" sz="1200" dirty="0"/>
               <a:t>If any exception occurs inside the try block, the control transfers to the appropriate catch block and later to the finally block. </a:t>
             </a:r>
           </a:p>
@@ -1514,7 +1518,7 @@
               <a:defRPr/>
             </a:pPr>
             <a:r>
-              <a:rPr lang="en-US" sz="1200" dirty="0" smtClean="0"/>
+              <a:rPr lang="en-US" sz="1200" dirty="0"/>
               <a:t>But in C#, both catch and finally blocks are optional. </a:t>
             </a:r>
           </a:p>
@@ -1528,12 +1532,12 @@
               <a:defRPr/>
             </a:pPr>
             <a:r>
-              <a:rPr lang="en-US" sz="1200" dirty="0" smtClean="0"/>
+              <a:rPr lang="en-US" sz="1200" dirty="0"/>
               <a:t>The try block can exist either with one or more catch blocks or a finally block or with both catch and finally blocks. </a:t>
             </a:r>
           </a:p>
           <a:p>
-            <a:endParaRPr lang="en-US" dirty="0" smtClean="0"/>
+            <a:endParaRPr lang="en-US" dirty="0"/>
           </a:p>
         </p:txBody>
       </p:sp>
@@ -1704,7 +1708,7 @@
               <a:defRPr/>
             </a:pPr>
             <a:r>
-              <a:rPr lang="en-US" dirty="0" smtClean="0"/>
+              <a:rPr lang="en-US" dirty="0"/>
               <a:t>Program will compile but will show an error during execution</a:t>
             </a:r>
           </a:p>
@@ -1727,90 +1731,86 @@
               <a:defRPr/>
             </a:pPr>
             <a:r>
-              <a:rPr lang="en-US" sz="1200" dirty="0" smtClean="0"/>
+              <a:rPr lang="en-US" sz="1200" dirty="0"/>
               <a:t>using System;</a:t>
             </a:r>
             <a:br>
-              <a:rPr lang="en-US" sz="1200" dirty="0" smtClean="0"/>
+              <a:rPr lang="en-US" sz="1200" dirty="0"/>
             </a:br>
             <a:r>
-              <a:rPr lang="en-US" sz="1200" dirty="0" smtClean="0"/>
+              <a:rPr lang="en-US" sz="1200" dirty="0"/>
               <a:t>class </a:t>
             </a:r>
             <a:r>
-              <a:rPr lang="en-US" sz="1200" dirty="0" err="1" smtClean="0"/>
+              <a:rPr lang="en-US" sz="1200" dirty="0" err="1"/>
               <a:t>MyClient</a:t>
             </a:r>
-            <a:r>
-              <a:rPr lang="en-US" sz="1200" dirty="0" smtClean="0"/>
-              <a:t/>
-            </a:r>
             <a:br>
-              <a:rPr lang="en-US" sz="1200" dirty="0" smtClean="0"/>
+              <a:rPr lang="en-US" sz="1200" dirty="0"/>
             </a:br>
             <a:r>
-              <a:rPr lang="en-US" sz="1200" dirty="0" smtClean="0"/>
+              <a:rPr lang="en-US" sz="1200" dirty="0"/>
               <a:t>{</a:t>
             </a:r>
             <a:br>
-              <a:rPr lang="en-US" sz="1200" dirty="0" smtClean="0"/>
+              <a:rPr lang="en-US" sz="1200" dirty="0"/>
             </a:br>
             <a:r>
-              <a:rPr lang="en-US" sz="1200" dirty="0" smtClean="0"/>
+              <a:rPr lang="en-US" sz="1200" dirty="0"/>
               <a:t>public static void Main()</a:t>
             </a:r>
             <a:br>
-              <a:rPr lang="en-US" sz="1200" dirty="0" smtClean="0"/>
+              <a:rPr lang="en-US" sz="1200" dirty="0"/>
             </a:br>
             <a:r>
-              <a:rPr lang="en-US" sz="1200" dirty="0" smtClean="0"/>
+              <a:rPr lang="en-US" sz="1200" dirty="0"/>
               <a:t>{</a:t>
             </a:r>
             <a:br>
-              <a:rPr lang="en-US" sz="1200" dirty="0" smtClean="0"/>
+              <a:rPr lang="en-US" sz="1200" dirty="0"/>
             </a:br>
             <a:r>
-              <a:rPr lang="en-US" sz="1200" dirty="0" err="1" smtClean="0"/>
+              <a:rPr lang="en-US" sz="1200" dirty="0" err="1"/>
               <a:t>int</a:t>
             </a:r>
             <a:r>
-              <a:rPr lang="en-US" sz="1200" dirty="0" smtClean="0"/>
+              <a:rPr lang="en-US" sz="1200" dirty="0"/>
               <a:t> x = 0;</a:t>
             </a:r>
             <a:br>
-              <a:rPr lang="en-US" sz="1200" dirty="0" smtClean="0"/>
+              <a:rPr lang="en-US" sz="1200" dirty="0"/>
             </a:br>
             <a:r>
-              <a:rPr lang="en-US" sz="1200" dirty="0" err="1" smtClean="0"/>
+              <a:rPr lang="en-US" sz="1200" dirty="0" err="1"/>
               <a:t>int</a:t>
             </a:r>
             <a:r>
-              <a:rPr lang="en-US" sz="1200" dirty="0" smtClean="0"/>
+              <a:rPr lang="en-US" sz="1200" dirty="0"/>
               <a:t> div = 100/x;</a:t>
             </a:r>
             <a:br>
-              <a:rPr lang="en-US" sz="1200" dirty="0" smtClean="0"/>
+              <a:rPr lang="en-US" sz="1200" dirty="0"/>
             </a:br>
             <a:r>
-              <a:rPr lang="en-US" sz="1200" dirty="0" err="1" smtClean="0"/>
+              <a:rPr lang="en-US" sz="1200" dirty="0" err="1"/>
               <a:t>Console.WriteLine</a:t>
             </a:r>
             <a:r>
-              <a:rPr lang="en-US" sz="1200" dirty="0" smtClean="0"/>
+              <a:rPr lang="en-US" sz="1200" dirty="0"/>
               <a:t>(div);</a:t>
             </a:r>
             <a:br>
-              <a:rPr lang="en-US" sz="1200" dirty="0" smtClean="0"/>
+              <a:rPr lang="en-US" sz="1200" dirty="0"/>
             </a:br>
             <a:r>
-              <a:rPr lang="en-US" sz="1200" dirty="0" smtClean="0"/>
+              <a:rPr lang="en-US" sz="1200" dirty="0"/>
               <a:t>}</a:t>
             </a:r>
             <a:br>
-              <a:rPr lang="en-US" sz="1200" dirty="0" smtClean="0"/>
+              <a:rPr lang="en-US" sz="1200" dirty="0"/>
             </a:br>
             <a:r>
-              <a:rPr lang="en-US" sz="1200" dirty="0" smtClean="0"/>
+              <a:rPr lang="en-US" sz="1200" dirty="0"/>
               <a:t>} </a:t>
             </a:r>
           </a:p>
@@ -1832,7 +1832,7 @@
               <a:tabLst/>
               <a:defRPr/>
             </a:pPr>
-            <a:endParaRPr lang="en-US" dirty="0" smtClean="0"/>
+            <a:endParaRPr lang="en-US" dirty="0"/>
           </a:p>
           <a:p>
             <a:pPr marL="228600" marR="0" indent="-228600" algn="l" defTabSz="914400" rtl="0" eaLnBrk="0" fontAlgn="base" latinLnBrk="0" hangingPunct="0">
@@ -1853,7 +1853,7 @@
               <a:defRPr/>
             </a:pPr>
             <a:r>
-              <a:rPr lang="en-US" sz="1200" dirty="0" smtClean="0"/>
+              <a:rPr lang="en-US" sz="1200" dirty="0"/>
               <a:t>The same program with exception handling</a:t>
             </a:r>
           </a:p>
@@ -1876,12 +1876,12 @@
               <a:defRPr/>
             </a:pPr>
             <a:r>
-              <a:rPr lang="en-US" dirty="0" smtClean="0">
+              <a:rPr lang="en-US" dirty="0">
                 <a:latin typeface="+mn-lt"/>
               </a:rPr>
               <a:t>Finally block is present: the code inside the finally block will get also be executed.   </a:t>
             </a:r>
-            <a:endParaRPr lang="en-CA" dirty="0" smtClean="0">
+            <a:endParaRPr lang="en-CA" dirty="0">
               <a:latin typeface="+mn-lt"/>
             </a:endParaRPr>
           </a:p>
@@ -1903,7 +1903,7 @@
               <a:tabLst/>
               <a:defRPr/>
             </a:pPr>
-            <a:endParaRPr lang="en-US" dirty="0" smtClean="0"/>
+            <a:endParaRPr lang="en-US" dirty="0"/>
           </a:p>
           <a:p>
             <a:endParaRPr lang="en-GB" dirty="0"/>
@@ -2016,15 +2016,15 @@
               <a:defRPr/>
             </a:pPr>
             <a:r>
-              <a:rPr lang="en-US" dirty="0" smtClean="0"/>
+              <a:rPr lang="en-US" dirty="0"/>
               <a:t>Catch block can be optional:</a:t>
             </a:r>
             <a:r>
-              <a:rPr lang="en-US" baseline="0" dirty="0" smtClean="0"/>
+              <a:rPr lang="en-US" baseline="0" dirty="0"/>
               <a:t> </a:t>
             </a:r>
             <a:r>
-              <a:rPr lang="en-US" dirty="0" smtClean="0">
+              <a:rPr lang="en-US" dirty="0">
                 <a:latin typeface="+mn-lt"/>
               </a:rPr>
               <a:t>In this case, since there is no exception handling catch block, the execution will get terminated. But before the termination of the program statements inside the finally block will get executed. In C#, a try block must be followed by either a catch or finally block. </a:t>
@@ -2048,7 +2048,7 @@
               <a:tabLst/>
               <a:defRPr/>
             </a:pPr>
-            <a:endParaRPr lang="en-US" dirty="0" smtClean="0"/>
+            <a:endParaRPr lang="en-US" dirty="0"/>
           </a:p>
           <a:p>
             <a:pPr fontAlgn="auto">
@@ -2061,16 +2061,16 @@
               <a:defRPr/>
             </a:pPr>
             <a:r>
-              <a:rPr lang="en-US" dirty="0" smtClean="0"/>
+              <a:rPr lang="en-US" dirty="0"/>
               <a:t>There can be multiple catch blocks: </a:t>
             </a:r>
             <a:r>
-              <a:rPr lang="en-US" dirty="0" smtClean="0">
+              <a:rPr lang="en-US" dirty="0">
                 <a:latin typeface="+mn-lt"/>
               </a:rPr>
               <a:t>A try block can throw multiple exceptions, which can handle by using multiple catch blocks. Remember that more specialized catch block should come before a generalized one. Otherwise the compiler will show a compilation error.  </a:t>
             </a:r>
-            <a:endParaRPr lang="en-CA" dirty="0" smtClean="0">
+            <a:endParaRPr lang="en-CA" dirty="0">
               <a:latin typeface="+mn-lt"/>
             </a:endParaRPr>
           </a:p>
@@ -2092,7 +2092,7 @@
               <a:tabLst/>
               <a:defRPr/>
             </a:pPr>
-            <a:endParaRPr lang="en-US" dirty="0" smtClean="0"/>
+            <a:endParaRPr lang="en-US" dirty="0"/>
           </a:p>
           <a:p>
             <a:pPr marL="0" marR="0" indent="0" algn="l" defTabSz="914400" rtl="0" eaLnBrk="0" fontAlgn="auto" latinLnBrk="0" hangingPunct="0">
@@ -2113,7 +2113,7 @@
               <a:defRPr/>
             </a:pPr>
             <a:r>
-              <a:rPr lang="en-US" dirty="0" smtClean="0"/>
+              <a:rPr lang="en-US" dirty="0"/>
               <a:t>Handling all exceptions with the Exception object:</a:t>
             </a:r>
           </a:p>
@@ -2126,7 +2126,7 @@
               <a:defRPr/>
             </a:pPr>
             <a:r>
-              <a:rPr lang="en-CA" sz="1200" dirty="0" smtClean="0"/>
+              <a:rPr lang="en-CA" sz="1200" dirty="0"/>
               <a:t>using System;</a:t>
             </a:r>
           </a:p>
@@ -2139,14 +2139,14 @@
               <a:defRPr/>
             </a:pPr>
             <a:r>
-              <a:rPr lang="en-CA" sz="1200" dirty="0" smtClean="0"/>
+              <a:rPr lang="en-CA" sz="1200" dirty="0"/>
               <a:t>class </a:t>
             </a:r>
             <a:r>
-              <a:rPr lang="en-CA" sz="1200" dirty="0" err="1" smtClean="0"/>
+              <a:rPr lang="en-CA" sz="1200" dirty="0" err="1"/>
               <a:t>MyClient</a:t>
             </a:r>
-            <a:endParaRPr lang="en-CA" sz="1200" dirty="0" smtClean="0"/>
+            <a:endParaRPr lang="en-CA" sz="1200" dirty="0"/>
           </a:p>
           <a:p>
             <a:pPr fontAlgn="auto">
@@ -2157,7 +2157,7 @@
               <a:defRPr/>
             </a:pPr>
             <a:r>
-              <a:rPr lang="en-CA" sz="1200" dirty="0" smtClean="0"/>
+              <a:rPr lang="en-CA" sz="1200" dirty="0"/>
               <a:t>{</a:t>
             </a:r>
           </a:p>
@@ -2170,7 +2170,7 @@
               <a:defRPr/>
             </a:pPr>
             <a:r>
-              <a:rPr lang="en-CA" sz="1200" dirty="0" smtClean="0"/>
+              <a:rPr lang="en-CA" sz="1200" dirty="0"/>
               <a:t>    public static void Main()</a:t>
             </a:r>
           </a:p>
@@ -2183,7 +2183,7 @@
               <a:defRPr/>
             </a:pPr>
             <a:r>
-              <a:rPr lang="en-CA" sz="1200" dirty="0" smtClean="0"/>
+              <a:rPr lang="en-CA" sz="1200" dirty="0"/>
               <a:t>    {</a:t>
             </a:r>
           </a:p>
@@ -2196,15 +2196,15 @@
               <a:defRPr/>
             </a:pPr>
             <a:r>
-              <a:rPr lang="en-CA" sz="1200" dirty="0" smtClean="0"/>
+              <a:rPr lang="en-CA" sz="1200" dirty="0"/>
               <a:t>        </a:t>
             </a:r>
             <a:r>
-              <a:rPr lang="en-CA" sz="1200" dirty="0" err="1" smtClean="0"/>
+              <a:rPr lang="en-CA" sz="1200" dirty="0" err="1"/>
               <a:t>int</a:t>
             </a:r>
             <a:r>
-              <a:rPr lang="en-CA" sz="1200" dirty="0" smtClean="0"/>
+              <a:rPr lang="en-CA" sz="1200" dirty="0"/>
               <a:t> x = 0;</a:t>
             </a:r>
           </a:p>
@@ -2217,15 +2217,15 @@
               <a:defRPr/>
             </a:pPr>
             <a:r>
-              <a:rPr lang="en-CA" sz="1200" dirty="0" smtClean="0"/>
+              <a:rPr lang="en-CA" sz="1200" dirty="0"/>
               <a:t>        </a:t>
             </a:r>
             <a:r>
-              <a:rPr lang="en-CA" sz="1200" dirty="0" err="1" smtClean="0"/>
+              <a:rPr lang="en-CA" sz="1200" dirty="0" err="1"/>
               <a:t>int</a:t>
             </a:r>
             <a:r>
-              <a:rPr lang="en-CA" sz="1200" dirty="0" smtClean="0"/>
+              <a:rPr lang="en-CA" sz="1200" dirty="0"/>
               <a:t> div = 0;</a:t>
             </a:r>
           </a:p>
@@ -2238,7 +2238,7 @@
               <a:defRPr/>
             </a:pPr>
             <a:r>
-              <a:rPr lang="en-CA" sz="1200" dirty="0" smtClean="0"/>
+              <a:rPr lang="en-CA" sz="1200" dirty="0"/>
               <a:t>        try</a:t>
             </a:r>
           </a:p>
@@ -2251,7 +2251,7 @@
               <a:defRPr/>
             </a:pPr>
             <a:r>
-              <a:rPr lang="en-CA" sz="1200" dirty="0" smtClean="0"/>
+              <a:rPr lang="en-CA" sz="1200" dirty="0"/>
               <a:t>        {</a:t>
             </a:r>
           </a:p>
@@ -2264,7 +2264,7 @@
               <a:defRPr/>
             </a:pPr>
             <a:r>
-              <a:rPr lang="en-CA" sz="1200" dirty="0" smtClean="0"/>
+              <a:rPr lang="en-CA" sz="1200" dirty="0"/>
               <a:t>            div = 100 / x;</a:t>
             </a:r>
           </a:p>
@@ -2277,15 +2277,15 @@
               <a:defRPr/>
             </a:pPr>
             <a:r>
-              <a:rPr lang="en-CA" sz="1200" dirty="0" smtClean="0"/>
+              <a:rPr lang="en-CA" sz="1200" dirty="0"/>
               <a:t>            </a:t>
             </a:r>
             <a:r>
-              <a:rPr lang="en-CA" sz="1200" dirty="0" err="1" smtClean="0"/>
+              <a:rPr lang="en-CA" sz="1200" dirty="0" err="1"/>
               <a:t>Console.WriteLine</a:t>
             </a:r>
             <a:r>
-              <a:rPr lang="en-CA" sz="1200" dirty="0" smtClean="0"/>
+              <a:rPr lang="en-CA" sz="1200" dirty="0"/>
               <a:t>("Not executed line");</a:t>
             </a:r>
           </a:p>
@@ -2298,7 +2298,7 @@
               <a:defRPr/>
             </a:pPr>
             <a:r>
-              <a:rPr lang="en-CA" sz="1200" dirty="0" smtClean="0"/>
+              <a:rPr lang="en-CA" sz="1200" dirty="0"/>
               <a:t>        }</a:t>
             </a:r>
           </a:p>
@@ -2311,7 +2311,7 @@
               <a:defRPr/>
             </a:pPr>
             <a:r>
-              <a:rPr lang="en-CA" sz="1200" dirty="0" smtClean="0"/>
+              <a:rPr lang="en-CA" sz="1200" dirty="0"/>
               <a:t>        catch (Exception e)</a:t>
             </a:r>
           </a:p>
@@ -2324,7 +2324,7 @@
               <a:defRPr/>
             </a:pPr>
             <a:r>
-              <a:rPr lang="en-CA" sz="1200" dirty="0" smtClean="0"/>
+              <a:rPr lang="en-CA" sz="1200" dirty="0"/>
               <a:t>        {</a:t>
             </a:r>
           </a:p>
@@ -2337,15 +2337,15 @@
               <a:defRPr/>
             </a:pPr>
             <a:r>
-              <a:rPr lang="en-CA" sz="1200" dirty="0" smtClean="0"/>
+              <a:rPr lang="en-CA" sz="1200" dirty="0"/>
               <a:t>            </a:t>
             </a:r>
             <a:r>
-              <a:rPr lang="en-CA" sz="1200" dirty="0" err="1" smtClean="0"/>
+              <a:rPr lang="en-CA" sz="1200" dirty="0" err="1"/>
               <a:t>Console.WriteLine</a:t>
             </a:r>
             <a:r>
-              <a:rPr lang="en-CA" sz="1200" dirty="0" smtClean="0"/>
+              <a:rPr lang="en-CA" sz="1200" dirty="0"/>
               <a:t>(e);</a:t>
             </a:r>
           </a:p>
@@ -2358,7 +2358,7 @@
               <a:defRPr/>
             </a:pPr>
             <a:r>
-              <a:rPr lang="en-CA" sz="1200" dirty="0" smtClean="0"/>
+              <a:rPr lang="en-CA" sz="1200" dirty="0"/>
               <a:t>        }</a:t>
             </a:r>
           </a:p>
@@ -2371,25 +2371,21 @@
               <a:defRPr/>
             </a:pPr>
             <a:r>
-              <a:rPr lang="en-US" sz="1200" dirty="0" smtClean="0"/>
+              <a:rPr lang="en-US" sz="1200" dirty="0"/>
               <a:t>        </a:t>
             </a:r>
             <a:r>
-              <a:rPr lang="en-US" sz="1200" dirty="0" err="1" smtClean="0"/>
+              <a:rPr lang="en-US" sz="1200" dirty="0" err="1"/>
               <a:t>Console.WriteLine</a:t>
             </a:r>
             <a:r>
-              <a:rPr lang="en-US" sz="1200" dirty="0" smtClean="0"/>
+              <a:rPr lang="en-US" sz="1200" dirty="0"/>
               <a:t>("Result is {0}", div);</a:t>
             </a:r>
-            <a:r>
-              <a:rPr lang="en-CA" sz="1200" dirty="0" smtClean="0"/>
-              <a:t/>
-            </a:r>
             <a:br>
-              <a:rPr lang="en-CA" sz="1200" dirty="0" smtClean="0"/>
+              <a:rPr lang="en-CA" sz="1200" dirty="0"/>
             </a:br>
-            <a:endParaRPr lang="en-CA" sz="1200" dirty="0" smtClean="0"/>
+            <a:endParaRPr lang="en-CA" sz="1200" dirty="0"/>
           </a:p>
           <a:p>
             <a:pPr fontAlgn="auto">
@@ -2399,7 +2395,7 @@
               <a:buNone/>
               <a:defRPr/>
             </a:pPr>
-            <a:endParaRPr lang="en-CA" sz="1200" dirty="0" smtClean="0"/>
+            <a:endParaRPr lang="en-CA" sz="1200" dirty="0"/>
           </a:p>
           <a:p>
             <a:pPr marL="0" marR="0" indent="0" algn="l" defTabSz="914400" rtl="0" eaLnBrk="0" fontAlgn="auto" latinLnBrk="0" hangingPunct="0">
@@ -2419,7 +2415,7 @@
               <a:tabLst/>
               <a:defRPr/>
             </a:pPr>
-            <a:endParaRPr lang="en-US" dirty="0" smtClean="0"/>
+            <a:endParaRPr lang="en-US" dirty="0"/>
           </a:p>
           <a:p>
             <a:pPr marL="0" marR="0" indent="0" algn="l" defTabSz="914400" rtl="0" eaLnBrk="0" fontAlgn="auto" latinLnBrk="0" hangingPunct="0">
@@ -2439,7 +2435,7 @@
               <a:tabLst/>
               <a:defRPr/>
             </a:pPr>
-            <a:endParaRPr lang="en-US" dirty="0" smtClean="0"/>
+            <a:endParaRPr lang="en-US" dirty="0"/>
           </a:p>
           <a:p>
             <a:pPr marL="0" marR="0" indent="0" algn="l" defTabSz="914400" rtl="0" eaLnBrk="0" fontAlgn="auto" latinLnBrk="0" hangingPunct="0">
@@ -2459,7 +2455,7 @@
               <a:tabLst/>
               <a:defRPr/>
             </a:pPr>
-            <a:endParaRPr lang="en-US" dirty="0" smtClean="0"/>
+            <a:endParaRPr lang="en-US" dirty="0"/>
           </a:p>
           <a:p>
             <a:pPr marL="0" marR="0" indent="0" algn="l" defTabSz="914400" rtl="0" eaLnBrk="0" fontAlgn="auto" latinLnBrk="0" hangingPunct="0">
@@ -2479,7 +2475,7 @@
               <a:tabLst/>
               <a:defRPr/>
             </a:pPr>
-            <a:endParaRPr lang="en-CA" dirty="0" smtClean="0">
+            <a:endParaRPr lang="en-CA" dirty="0">
               <a:latin typeface="+mn-lt"/>
             </a:endParaRPr>
           </a:p>
@@ -2761,105 +2757,105 @@
           <a:lstStyle/>
           <a:p>
             <a:r>
-              <a:rPr lang="en-US" dirty="0" smtClean="0"/>
+              <a:rPr lang="en-US" dirty="0"/>
               <a:t>Throwing exceptions is expensive. Do not use exceptions to control application flow. If you can reasonably expect a sequence of events to happen in the normal course of running code, you probably should not throw any exceptions in that scenario.</a:t>
             </a:r>
           </a:p>
           <a:p>
             <a:r>
-              <a:rPr lang="en-US" dirty="0" smtClean="0"/>
+              <a:rPr lang="en-US" dirty="0"/>
               <a:t>The following code throws an exception inappropriately, when a supplied product is not found.</a:t>
             </a:r>
           </a:p>
           <a:p>
             <a:r>
-              <a:rPr lang="en-US" dirty="0" smtClean="0"/>
+              <a:rPr lang="en-US" dirty="0"/>
               <a:t>static void </a:t>
             </a:r>
             <a:r>
-              <a:rPr lang="en-US" dirty="0" err="1" smtClean="0"/>
+              <a:rPr lang="en-US" dirty="0" err="1"/>
               <a:t>ProductExists</a:t>
             </a:r>
             <a:r>
-              <a:rPr lang="en-US" dirty="0" smtClean="0"/>
+              <a:rPr lang="en-US" dirty="0"/>
               <a:t>( string </a:t>
             </a:r>
             <a:r>
-              <a:rPr lang="en-US" dirty="0" err="1" smtClean="0"/>
+              <a:rPr lang="en-US" dirty="0" err="1"/>
               <a:t>ProductId</a:t>
             </a:r>
             <a:r>
-              <a:rPr lang="en-US" dirty="0" smtClean="0"/>
+              <a:rPr lang="en-US" dirty="0"/>
               <a:t>) { //... search for Product if ( </a:t>
             </a:r>
             <a:r>
-              <a:rPr lang="en-US" dirty="0" err="1" smtClean="0"/>
+              <a:rPr lang="en-US" dirty="0" err="1"/>
               <a:t>dr.Read</a:t>
             </a:r>
             <a:r>
-              <a:rPr lang="en-US" dirty="0" smtClean="0"/>
+              <a:rPr lang="en-US" dirty="0"/>
               <a:t>(</a:t>
             </a:r>
             <a:r>
-              <a:rPr lang="en-US" dirty="0" err="1" smtClean="0"/>
+              <a:rPr lang="en-US" dirty="0" err="1"/>
               <a:t>ProductId</a:t>
             </a:r>
             <a:r>
-              <a:rPr lang="en-US" dirty="0" smtClean="0"/>
+              <a:rPr lang="en-US" dirty="0"/>
               <a:t>) ==0 ) // no record found, ask to create { throw( new Exception("Product Not found")); } } Because not finding a product is an expected condition, </a:t>
             </a:r>
             <a:r>
-              <a:rPr lang="en-US" dirty="0" err="1" smtClean="0"/>
+              <a:rPr lang="en-US" dirty="0" err="1"/>
               <a:t>refactor</a:t>
             </a:r>
             <a:r>
-              <a:rPr lang="en-US" dirty="0" smtClean="0"/>
+              <a:rPr lang="en-US" dirty="0"/>
               <a:t> the code to return a value that indicates the result of the method's execution. The following code uses a return value to indicate whether the customer account was found.</a:t>
             </a:r>
           </a:p>
           <a:p>
             <a:r>
-              <a:rPr lang="en-US" dirty="0" smtClean="0"/>
+              <a:rPr lang="en-US" dirty="0"/>
               <a:t>static </a:t>
             </a:r>
             <a:r>
-              <a:rPr lang="en-US" dirty="0" err="1" smtClean="0"/>
+              <a:rPr lang="en-US" dirty="0" err="1"/>
               <a:t>bool</a:t>
             </a:r>
             <a:r>
-              <a:rPr lang="en-US" dirty="0" smtClean="0"/>
+              <a:rPr lang="en-US" dirty="0"/>
               <a:t> </a:t>
             </a:r>
             <a:r>
-              <a:rPr lang="en-US" dirty="0" err="1" smtClean="0"/>
+              <a:rPr lang="en-US" dirty="0" err="1"/>
               <a:t>ProductExists</a:t>
             </a:r>
             <a:r>
-              <a:rPr lang="en-US" dirty="0" smtClean="0"/>
+              <a:rPr lang="en-US" dirty="0"/>
               <a:t>( string </a:t>
             </a:r>
             <a:r>
-              <a:rPr lang="en-US" dirty="0" err="1" smtClean="0"/>
+              <a:rPr lang="en-US" dirty="0" err="1"/>
               <a:t>ProductId</a:t>
             </a:r>
             <a:r>
-              <a:rPr lang="en-US" dirty="0" smtClean="0"/>
+              <a:rPr lang="en-US" dirty="0"/>
               <a:t>) { //... search for Product if ( </a:t>
             </a:r>
             <a:r>
-              <a:rPr lang="en-US" dirty="0" err="1" smtClean="0"/>
+              <a:rPr lang="en-US" dirty="0" err="1"/>
               <a:t>dr.Read</a:t>
             </a:r>
             <a:r>
-              <a:rPr lang="en-US" dirty="0" smtClean="0"/>
+              <a:rPr lang="en-US" dirty="0"/>
               <a:t>(</a:t>
             </a:r>
             <a:r>
-              <a:rPr lang="en-US" dirty="0" err="1" smtClean="0"/>
+              <a:rPr lang="en-US" dirty="0" err="1"/>
               <a:t>ProductId</a:t>
             </a:r>
             <a:r>
-              <a:rPr lang="en-US" dirty="0" smtClean="0"/>
+              <a:rPr lang="en-US" dirty="0"/>
               <a:t>) ==0 ) // no record found, ask to create { return false; } . . . } Returning error information using an enumerated type instead of throwing an exception is another commonly used programming technique in performance-critical code paths and methods.</a:t>
             </a:r>
           </a:p>
@@ -2974,87 +2970,87 @@
               <a:defRPr/>
             </a:pPr>
             <a:r>
-              <a:rPr lang="en-US" dirty="0" smtClean="0"/>
+              <a:rPr lang="en-US" dirty="0"/>
               <a:t>Notice that </a:t>
             </a:r>
             <a:r>
-              <a:rPr lang="en-US" b="1" dirty="0" smtClean="0"/>
+              <a:rPr lang="en-US" b="1" dirty="0"/>
               <a:t>Close</a:t>
             </a:r>
             <a:r>
-              <a:rPr lang="en-US" dirty="0" smtClean="0"/>
+              <a:rPr lang="en-US" dirty="0"/>
               <a:t> is called inside the </a:t>
             </a:r>
             <a:r>
-              <a:rPr lang="en-US" b="1" dirty="0" smtClean="0"/>
+              <a:rPr lang="en-US" b="1" dirty="0"/>
               <a:t>try</a:t>
             </a:r>
             <a:r>
-              <a:rPr lang="en-US" dirty="0" smtClean="0"/>
+              <a:rPr lang="en-US" dirty="0"/>
               <a:t> block and in the </a:t>
             </a:r>
             <a:r>
-              <a:rPr lang="en-US" b="1" dirty="0" smtClean="0"/>
+              <a:rPr lang="en-US" b="1" dirty="0"/>
               <a:t>finally</a:t>
             </a:r>
             <a:r>
-              <a:rPr lang="en-US" dirty="0" smtClean="0"/>
+              <a:rPr lang="en-US" dirty="0"/>
               <a:t> block. Calling </a:t>
             </a:r>
             <a:r>
-              <a:rPr lang="en-US" b="1" dirty="0" smtClean="0"/>
+              <a:rPr lang="en-US" b="1" dirty="0"/>
               <a:t>Close</a:t>
             </a:r>
             <a:r>
-              <a:rPr lang="en-US" dirty="0" smtClean="0"/>
+              <a:rPr lang="en-US" dirty="0"/>
               <a:t> twice does not cause an exception. Calling </a:t>
             </a:r>
             <a:r>
-              <a:rPr lang="en-US" b="1" dirty="0" smtClean="0"/>
+              <a:rPr lang="en-US" b="1" dirty="0"/>
               <a:t>Close</a:t>
             </a:r>
             <a:r>
-              <a:rPr lang="en-US" dirty="0" smtClean="0"/>
+              <a:rPr lang="en-US" dirty="0"/>
               <a:t> inside the </a:t>
             </a:r>
             <a:r>
-              <a:rPr lang="en-US" b="1" dirty="0" smtClean="0"/>
+              <a:rPr lang="en-US" b="1" dirty="0"/>
               <a:t>try</a:t>
             </a:r>
             <a:r>
-              <a:rPr lang="en-US" dirty="0" smtClean="0"/>
+              <a:rPr lang="en-US" dirty="0"/>
               <a:t> block allows the connection to be released quickly so that the underlying resources can be reused. The </a:t>
             </a:r>
             <a:r>
-              <a:rPr lang="en-US" b="1" dirty="0" smtClean="0"/>
+              <a:rPr lang="en-US" b="1" dirty="0"/>
               <a:t>finally</a:t>
             </a:r>
             <a:r>
-              <a:rPr lang="en-US" dirty="0" smtClean="0"/>
+              <a:rPr lang="en-US" dirty="0"/>
               <a:t> block ensures that the connection closes if an exception is thrown and the </a:t>
             </a:r>
             <a:r>
-              <a:rPr lang="en-US" b="1" dirty="0" smtClean="0"/>
+              <a:rPr lang="en-US" b="1" dirty="0"/>
               <a:t>try</a:t>
             </a:r>
             <a:r>
-              <a:rPr lang="en-US" dirty="0" smtClean="0"/>
+              <a:rPr lang="en-US" dirty="0"/>
               <a:t> block fails to complete. The duplicated call to </a:t>
             </a:r>
             <a:r>
-              <a:rPr lang="en-US" b="1" dirty="0" smtClean="0"/>
+              <a:rPr lang="en-US" b="1" dirty="0"/>
               <a:t>Close</a:t>
             </a:r>
             <a:r>
-              <a:rPr lang="en-US" dirty="0" smtClean="0"/>
+              <a:rPr lang="en-US" dirty="0"/>
               <a:t> is a good idea if there is other significant work in the </a:t>
             </a:r>
             <a:r>
-              <a:rPr lang="en-US" b="1" dirty="0" smtClean="0"/>
+              <a:rPr lang="en-US" b="1" dirty="0"/>
               <a:t>try</a:t>
             </a:r>
             <a:r>
-              <a:rPr lang="en-US" dirty="0" smtClean="0"/>
+              <a:rPr lang="en-US" dirty="0"/>
               <a:t> block, as in this example.</a:t>
             </a:r>
           </a:p>
@@ -3156,7 +3152,7 @@
           </a:lstStyle>
           <a:p>
             <a:r>
-              <a:rPr lang="en-US" smtClean="0"/>
+              <a:rPr lang="en-US"/>
               <a:t>Click to edit Master title style</a:t>
             </a:r>
             <a:endParaRPr lang="vi-VN" dirty="0"/>
@@ -3275,7 +3271,7 @@
           </a:lstStyle>
           <a:p>
             <a:r>
-              <a:rPr lang="en-US" smtClean="0"/>
+              <a:rPr lang="en-US"/>
               <a:t>Click to edit Master subtitle style</a:t>
             </a:r>
             <a:endParaRPr lang="vi-VN" dirty="0"/>
@@ -3356,7 +3352,7 @@
           <a:lstStyle/>
           <a:p>
             <a:r>
-              <a:rPr lang="en-US" smtClean="0"/>
+              <a:rPr lang="en-US"/>
               <a:t>Click to edit Master title style</a:t>
             </a:r>
             <a:endParaRPr lang="vi-VN" dirty="0"/>
@@ -3380,35 +3376,35 @@
           <a:p>
             <a:pPr lvl="0"/>
             <a:r>
-              <a:rPr lang="en-US" smtClean="0"/>
+              <a:rPr lang="en-US"/>
               <a:t>Click to edit Master text styles</a:t>
             </a:r>
           </a:p>
           <a:p>
             <a:pPr lvl="1"/>
             <a:r>
-              <a:rPr lang="en-US" smtClean="0"/>
+              <a:rPr lang="en-US"/>
               <a:t>Second level</a:t>
             </a:r>
           </a:p>
           <a:p>
             <a:pPr lvl="2"/>
             <a:r>
-              <a:rPr lang="en-US" smtClean="0"/>
+              <a:rPr lang="en-US"/>
               <a:t>Third level</a:t>
             </a:r>
           </a:p>
           <a:p>
             <a:pPr lvl="3"/>
             <a:r>
-              <a:rPr lang="en-US" smtClean="0"/>
+              <a:rPr lang="en-US"/>
               <a:t>Fourth level</a:t>
             </a:r>
           </a:p>
           <a:p>
             <a:pPr lvl="4"/>
             <a:r>
-              <a:rPr lang="en-US" smtClean="0"/>
+              <a:rPr lang="en-US"/>
               <a:t>Fifth level</a:t>
             </a:r>
             <a:endParaRPr lang="vi-VN"/>
@@ -3459,7 +3455,7 @@
               <a:pPr>
                 <a:defRPr/>
               </a:pPr>
-              <a:t>10/03/2015</a:t>
+              <a:t>19/07/2017</a:t>
             </a:fld>
             <a:endParaRPr lang="vi-VN"/>
           </a:p>
@@ -3587,7 +3583,7 @@
           <a:lstStyle/>
           <a:p>
             <a:r>
-              <a:rPr lang="en-US" smtClean="0"/>
+              <a:rPr lang="en-US"/>
               <a:t>Click to edit Master title style</a:t>
             </a:r>
             <a:endParaRPr lang="vi-VN"/>
@@ -3616,35 +3612,35 @@
           <a:p>
             <a:pPr lvl="0"/>
             <a:r>
-              <a:rPr lang="en-US" smtClean="0"/>
+              <a:rPr lang="en-US"/>
               <a:t>Click to edit Master text styles</a:t>
             </a:r>
           </a:p>
           <a:p>
             <a:pPr lvl="1"/>
             <a:r>
-              <a:rPr lang="en-US" smtClean="0"/>
+              <a:rPr lang="en-US"/>
               <a:t>Second level</a:t>
             </a:r>
           </a:p>
           <a:p>
             <a:pPr lvl="2"/>
             <a:r>
-              <a:rPr lang="en-US" smtClean="0"/>
+              <a:rPr lang="en-US"/>
               <a:t>Third level</a:t>
             </a:r>
           </a:p>
           <a:p>
             <a:pPr lvl="3"/>
             <a:r>
-              <a:rPr lang="en-US" smtClean="0"/>
+              <a:rPr lang="en-US"/>
               <a:t>Fourth level</a:t>
             </a:r>
           </a:p>
           <a:p>
             <a:pPr lvl="4"/>
             <a:r>
-              <a:rPr lang="en-US" smtClean="0"/>
+              <a:rPr lang="en-US"/>
               <a:t>Fifth level</a:t>
             </a:r>
             <a:endParaRPr lang="vi-VN"/>
@@ -3695,7 +3691,7 @@
               <a:pPr>
                 <a:defRPr/>
               </a:pPr>
-              <a:t>10/03/2015</a:t>
+              <a:t>19/07/2017</a:t>
             </a:fld>
             <a:endParaRPr lang="vi-VN"/>
           </a:p>
@@ -3818,7 +3814,7 @@
           <a:lstStyle/>
           <a:p>
             <a:r>
-              <a:rPr lang="en-US" smtClean="0"/>
+              <a:rPr lang="en-US"/>
               <a:t>Click to edit Master title style</a:t>
             </a:r>
             <a:endParaRPr lang="vi-VN" dirty="0"/>
@@ -3842,35 +3838,35 @@
           <a:p>
             <a:pPr lvl="0"/>
             <a:r>
-              <a:rPr lang="en-US" smtClean="0"/>
+              <a:rPr lang="en-US"/>
               <a:t>Click to edit Master text styles</a:t>
             </a:r>
           </a:p>
           <a:p>
             <a:pPr lvl="1"/>
             <a:r>
-              <a:rPr lang="en-US" smtClean="0"/>
+              <a:rPr lang="en-US"/>
               <a:t>Second level</a:t>
             </a:r>
           </a:p>
           <a:p>
             <a:pPr lvl="2"/>
             <a:r>
-              <a:rPr lang="en-US" smtClean="0"/>
+              <a:rPr lang="en-US"/>
               <a:t>Third level</a:t>
             </a:r>
           </a:p>
           <a:p>
             <a:pPr lvl="3"/>
             <a:r>
-              <a:rPr lang="en-US" smtClean="0"/>
+              <a:rPr lang="en-US"/>
               <a:t>Fourth level</a:t>
             </a:r>
           </a:p>
           <a:p>
             <a:pPr lvl="4"/>
             <a:r>
-              <a:rPr lang="en-US" smtClean="0"/>
+              <a:rPr lang="en-US"/>
               <a:t>Fifth level</a:t>
             </a:r>
             <a:endParaRPr lang="vi-VN"/>
@@ -3960,7 +3956,7 @@
           </a:lstStyle>
           <a:p>
             <a:r>
-              <a:rPr lang="en-US" smtClean="0"/>
+              <a:rPr lang="en-US"/>
               <a:t>Click to edit Master title style</a:t>
             </a:r>
             <a:endParaRPr lang="vi-VN"/>
@@ -4080,7 +4076,7 @@
           <a:p>
             <a:pPr lvl="0"/>
             <a:r>
-              <a:rPr lang="en-US" smtClean="0"/>
+              <a:rPr lang="en-US"/>
               <a:t>Click to edit Master text styles</a:t>
             </a:r>
           </a:p>
@@ -4130,7 +4126,7 @@
               <a:pPr>
                 <a:defRPr/>
               </a:pPr>
-              <a:t>10/03/2015</a:t>
+              <a:t>19/07/2017</a:t>
             </a:fld>
             <a:endParaRPr lang="vi-VN"/>
           </a:p>
@@ -4253,7 +4249,7 @@
           <a:lstStyle/>
           <a:p>
             <a:r>
-              <a:rPr lang="en-US" smtClean="0"/>
+              <a:rPr lang="en-US"/>
               <a:t>Click to edit Master title style</a:t>
             </a:r>
             <a:endParaRPr lang="vi-VN"/>
@@ -4310,35 +4306,35 @@
           <a:p>
             <a:pPr lvl="0"/>
             <a:r>
-              <a:rPr lang="en-US" smtClean="0"/>
+              <a:rPr lang="en-US"/>
               <a:t>Click to edit Master text styles</a:t>
             </a:r>
           </a:p>
           <a:p>
             <a:pPr lvl="1"/>
             <a:r>
-              <a:rPr lang="en-US" smtClean="0"/>
+              <a:rPr lang="en-US"/>
               <a:t>Second level</a:t>
             </a:r>
           </a:p>
           <a:p>
             <a:pPr lvl="2"/>
             <a:r>
-              <a:rPr lang="en-US" smtClean="0"/>
+              <a:rPr lang="en-US"/>
               <a:t>Third level</a:t>
             </a:r>
           </a:p>
           <a:p>
             <a:pPr lvl="3"/>
             <a:r>
-              <a:rPr lang="en-US" smtClean="0"/>
+              <a:rPr lang="en-US"/>
               <a:t>Fourth level</a:t>
             </a:r>
           </a:p>
           <a:p>
             <a:pPr lvl="4"/>
             <a:r>
-              <a:rPr lang="en-US" smtClean="0"/>
+              <a:rPr lang="en-US"/>
               <a:t>Fifth level</a:t>
             </a:r>
             <a:endParaRPr lang="vi-VN"/>
@@ -4395,35 +4391,35 @@
           <a:p>
             <a:pPr lvl="0"/>
             <a:r>
-              <a:rPr lang="en-US" smtClean="0"/>
+              <a:rPr lang="en-US"/>
               <a:t>Click to edit Master text styles</a:t>
             </a:r>
           </a:p>
           <a:p>
             <a:pPr lvl="1"/>
             <a:r>
-              <a:rPr lang="en-US" smtClean="0"/>
+              <a:rPr lang="en-US"/>
               <a:t>Second level</a:t>
             </a:r>
           </a:p>
           <a:p>
             <a:pPr lvl="2"/>
             <a:r>
-              <a:rPr lang="en-US" smtClean="0"/>
+              <a:rPr lang="en-US"/>
               <a:t>Third level</a:t>
             </a:r>
           </a:p>
           <a:p>
             <a:pPr lvl="3"/>
             <a:r>
-              <a:rPr lang="en-US" smtClean="0"/>
+              <a:rPr lang="en-US"/>
               <a:t>Fourth level</a:t>
             </a:r>
           </a:p>
           <a:p>
             <a:pPr lvl="4"/>
             <a:r>
-              <a:rPr lang="en-US" smtClean="0"/>
+              <a:rPr lang="en-US"/>
               <a:t>Fifth level</a:t>
             </a:r>
             <a:endParaRPr lang="vi-VN"/>
@@ -4474,7 +4470,7 @@
               <a:pPr>
                 <a:defRPr/>
               </a:pPr>
-              <a:t>10/03/2015</a:t>
+              <a:t>19/07/2017</a:t>
             </a:fld>
             <a:endParaRPr lang="vi-VN"/>
           </a:p>
@@ -4601,7 +4597,7 @@
           </a:lstStyle>
           <a:p>
             <a:r>
-              <a:rPr lang="en-US" smtClean="0"/>
+              <a:rPr lang="en-US"/>
               <a:t>Click to edit Master title style</a:t>
             </a:r>
             <a:endParaRPr lang="vi-VN"/>
@@ -4667,7 +4663,7 @@
           <a:p>
             <a:pPr lvl="0"/>
             <a:r>
-              <a:rPr lang="en-US" smtClean="0"/>
+              <a:rPr lang="en-US"/>
               <a:t>Click to edit Master text styles</a:t>
             </a:r>
           </a:p>
@@ -4723,35 +4719,35 @@
           <a:p>
             <a:pPr lvl="0"/>
             <a:r>
-              <a:rPr lang="en-US" smtClean="0"/>
+              <a:rPr lang="en-US"/>
               <a:t>Click to edit Master text styles</a:t>
             </a:r>
           </a:p>
           <a:p>
             <a:pPr lvl="1"/>
             <a:r>
-              <a:rPr lang="en-US" smtClean="0"/>
+              <a:rPr lang="en-US"/>
               <a:t>Second level</a:t>
             </a:r>
           </a:p>
           <a:p>
             <a:pPr lvl="2"/>
             <a:r>
-              <a:rPr lang="en-US" smtClean="0"/>
+              <a:rPr lang="en-US"/>
               <a:t>Third level</a:t>
             </a:r>
           </a:p>
           <a:p>
             <a:pPr lvl="3"/>
             <a:r>
-              <a:rPr lang="en-US" smtClean="0"/>
+              <a:rPr lang="en-US"/>
               <a:t>Fourth level</a:t>
             </a:r>
           </a:p>
           <a:p>
             <a:pPr lvl="4"/>
             <a:r>
-              <a:rPr lang="en-US" smtClean="0"/>
+              <a:rPr lang="en-US"/>
               <a:t>Fifth level</a:t>
             </a:r>
             <a:endParaRPr lang="vi-VN"/>
@@ -4817,7 +4813,7 @@
           <a:p>
             <a:pPr lvl="0"/>
             <a:r>
-              <a:rPr lang="en-US" smtClean="0"/>
+              <a:rPr lang="en-US"/>
               <a:t>Click to edit Master text styles</a:t>
             </a:r>
           </a:p>
@@ -4873,35 +4869,35 @@
           <a:p>
             <a:pPr lvl="0"/>
             <a:r>
-              <a:rPr lang="en-US" smtClean="0"/>
+              <a:rPr lang="en-US"/>
               <a:t>Click to edit Master text styles</a:t>
             </a:r>
           </a:p>
           <a:p>
             <a:pPr lvl="1"/>
             <a:r>
-              <a:rPr lang="en-US" smtClean="0"/>
+              <a:rPr lang="en-US"/>
               <a:t>Second level</a:t>
             </a:r>
           </a:p>
           <a:p>
             <a:pPr lvl="2"/>
             <a:r>
-              <a:rPr lang="en-US" smtClean="0"/>
+              <a:rPr lang="en-US"/>
               <a:t>Third level</a:t>
             </a:r>
           </a:p>
           <a:p>
             <a:pPr lvl="3"/>
             <a:r>
-              <a:rPr lang="en-US" smtClean="0"/>
+              <a:rPr lang="en-US"/>
               <a:t>Fourth level</a:t>
             </a:r>
           </a:p>
           <a:p>
             <a:pPr lvl="4"/>
             <a:r>
-              <a:rPr lang="en-US" smtClean="0"/>
+              <a:rPr lang="en-US"/>
               <a:t>Fifth level</a:t>
             </a:r>
             <a:endParaRPr lang="vi-VN"/>
@@ -4952,7 +4948,7 @@
               <a:pPr>
                 <a:defRPr/>
               </a:pPr>
-              <a:t>10/03/2015</a:t>
+              <a:t>19/07/2017</a:t>
             </a:fld>
             <a:endParaRPr lang="vi-VN"/>
           </a:p>
@@ -5075,7 +5071,7 @@
           <a:lstStyle/>
           <a:p>
             <a:r>
-              <a:rPr lang="en-US" smtClean="0"/>
+              <a:rPr lang="en-US"/>
               <a:t>Click to edit Master title style</a:t>
             </a:r>
             <a:endParaRPr lang="vi-VN"/>
@@ -5126,7 +5122,7 @@
               <a:pPr>
                 <a:defRPr/>
               </a:pPr>
-              <a:t>10/03/2015</a:t>
+              <a:t>19/07/2017</a:t>
             </a:fld>
             <a:endParaRPr lang="vi-VN"/>
           </a:p>
@@ -5277,7 +5273,7 @@
               <a:pPr>
                 <a:defRPr/>
               </a:pPr>
-              <a:t>10/03/2015</a:t>
+              <a:t>19/07/2017</a:t>
             </a:fld>
             <a:endParaRPr lang="vi-VN"/>
           </a:p>
@@ -5409,7 +5405,7 @@
           </a:lstStyle>
           <a:p>
             <a:r>
-              <a:rPr lang="en-US" smtClean="0"/>
+              <a:rPr lang="en-US"/>
               <a:t>Click to edit Master title style</a:t>
             </a:r>
             <a:endParaRPr lang="vi-VN"/>
@@ -5466,35 +5462,35 @@
           <a:p>
             <a:pPr lvl="0"/>
             <a:r>
-              <a:rPr lang="en-US" smtClean="0"/>
+              <a:rPr lang="en-US"/>
               <a:t>Click to edit Master text styles</a:t>
             </a:r>
           </a:p>
           <a:p>
             <a:pPr lvl="1"/>
             <a:r>
-              <a:rPr lang="en-US" smtClean="0"/>
+              <a:rPr lang="en-US"/>
               <a:t>Second level</a:t>
             </a:r>
           </a:p>
           <a:p>
             <a:pPr lvl="2"/>
             <a:r>
-              <a:rPr lang="en-US" smtClean="0"/>
+              <a:rPr lang="en-US"/>
               <a:t>Third level</a:t>
             </a:r>
           </a:p>
           <a:p>
             <a:pPr lvl="3"/>
             <a:r>
-              <a:rPr lang="en-US" smtClean="0"/>
+              <a:rPr lang="en-US"/>
               <a:t>Fourth level</a:t>
             </a:r>
           </a:p>
           <a:p>
             <a:pPr lvl="4"/>
             <a:r>
-              <a:rPr lang="en-US" smtClean="0"/>
+              <a:rPr lang="en-US"/>
               <a:t>Fifth level</a:t>
             </a:r>
             <a:endParaRPr lang="vi-VN"/>
@@ -5560,7 +5556,7 @@
           <a:p>
             <a:pPr lvl="0"/>
             <a:r>
-              <a:rPr lang="en-US" smtClean="0"/>
+              <a:rPr lang="en-US"/>
               <a:t>Click to edit Master text styles</a:t>
             </a:r>
           </a:p>
@@ -5610,7 +5606,7 @@
               <a:pPr>
                 <a:defRPr/>
               </a:pPr>
-              <a:t>10/03/2015</a:t>
+              <a:t>19/07/2017</a:t>
             </a:fld>
             <a:endParaRPr lang="vi-VN"/>
           </a:p>
@@ -5742,7 +5738,7 @@
           </a:lstStyle>
           <a:p>
             <a:r>
-              <a:rPr lang="en-US" smtClean="0"/>
+              <a:rPr lang="en-US"/>
               <a:t>Click to edit Master title style</a:t>
             </a:r>
             <a:endParaRPr lang="vi-VN"/>
@@ -5810,10 +5806,10 @@
           <a:p>
             <a:pPr lvl="0"/>
             <a:r>
-              <a:rPr lang="en-US" noProof="0" smtClean="0"/>
+              <a:rPr lang="en-US" noProof="0"/>
               <a:t>Click icon to add picture</a:t>
             </a:r>
-            <a:endParaRPr lang="vi-VN" noProof="0" smtClean="0"/>
+            <a:endParaRPr lang="vi-VN" noProof="0"/>
           </a:p>
         </p:txBody>
       </p:sp>
@@ -5876,7 +5872,7 @@
           <a:p>
             <a:pPr lvl="0"/>
             <a:r>
-              <a:rPr lang="en-US" smtClean="0"/>
+              <a:rPr lang="en-US"/>
               <a:t>Click to edit Master text styles</a:t>
             </a:r>
           </a:p>
@@ -5926,7 +5922,7 @@
               <a:pPr>
                 <a:defRPr/>
               </a:pPr>
-              <a:t>10/03/2015</a:t>
+              <a:t>19/07/2017</a:t>
             </a:fld>
             <a:endParaRPr lang="vi-VN"/>
           </a:p>
@@ -6106,10 +6102,10 @@
           <a:p>
             <a:pPr lvl="0"/>
             <a:r>
-              <a:rPr lang="en-US" smtClean="0"/>
+              <a:rPr lang="en-US"/>
               <a:t>Click to edit Master title style</a:t>
             </a:r>
-            <a:endParaRPr lang="vi-VN" smtClean="0"/>
+            <a:endParaRPr lang="vi-VN"/>
           </a:p>
         </p:txBody>
       </p:sp>
@@ -6149,38 +6145,38 @@
           <a:p>
             <a:pPr lvl="0"/>
             <a:r>
-              <a:rPr lang="en-US" smtClean="0"/>
+              <a:rPr lang="en-US"/>
               <a:t>Click to edit Master text styles</a:t>
             </a:r>
           </a:p>
           <a:p>
             <a:pPr lvl="1"/>
             <a:r>
-              <a:rPr lang="en-US" smtClean="0"/>
+              <a:rPr lang="en-US"/>
               <a:t>Second level</a:t>
             </a:r>
           </a:p>
           <a:p>
             <a:pPr lvl="2"/>
             <a:r>
-              <a:rPr lang="en-US" smtClean="0"/>
+              <a:rPr lang="en-US"/>
               <a:t>Third level</a:t>
             </a:r>
           </a:p>
           <a:p>
             <a:pPr lvl="3"/>
             <a:r>
-              <a:rPr lang="en-US" smtClean="0"/>
+              <a:rPr lang="en-US"/>
               <a:t>Fourth level</a:t>
             </a:r>
           </a:p>
           <a:p>
             <a:pPr lvl="4"/>
             <a:r>
-              <a:rPr lang="en-US" smtClean="0"/>
+              <a:rPr lang="en-US"/>
               <a:t>Fifth level</a:t>
             </a:r>
-            <a:endParaRPr lang="vi-VN" smtClean="0"/>
+            <a:endParaRPr lang="vi-VN"/>
           </a:p>
         </p:txBody>
       </p:sp>
@@ -6937,7 +6933,7 @@
               <a:defRPr/>
             </a:pPr>
             <a:r>
-              <a:rPr lang="en-US" cap="none" dirty="0" smtClean="0">
+              <a:rPr lang="en-US" cap="none" dirty="0">
                 <a:solidFill>
                   <a:srgbClr val="DC0081"/>
                 </a:solidFill>
@@ -6946,7 +6942,7 @@
               </a:rPr>
               <a:t>Exception &amp; Utility Classes</a:t>
             </a:r>
-            <a:endParaRPr lang="vi-VN" cap="none" dirty="0" smtClean="0">
+            <a:endParaRPr lang="vi-VN" cap="none" dirty="0">
               <a:solidFill>
                 <a:srgbClr val="DC0081"/>
               </a:solidFill>
@@ -6995,13 +6991,6 @@
   <p:clrMapOvr>
     <a:masterClrMapping/>
   </p:clrMapOvr>
-  <p:timing>
-    <p:tnLst>
-      <p:par>
-        <p:cTn id="1" dur="indefinite" restart="never" nodeType="tmRoot"/>
-      </p:par>
-    </p:tnLst>
-  </p:timing>
 </p:sld>
 </file>
 
@@ -7051,16 +7040,8 @@
               </a:rPr>
             </a:br>
             <a:r>
-              <a:rPr lang="en-CA" sz="2800" dirty="0" smtClean="0"/>
-              <a:t>Exception </a:t>
-            </a:r>
-            <a:r>
               <a:rPr lang="en-CA" sz="2800" dirty="0"/>
-              <a:t>Handling Guidelines </a:t>
-            </a:r>
-            <a:r>
-              <a:rPr lang="en-CA" sz="2800" dirty="0" smtClean="0"/>
-              <a:t>2/6</a:t>
+              <a:t>Exception Handling Guidelines 2/6</a:t>
             </a:r>
           </a:p>
         </p:txBody>
@@ -7091,14 +7072,13 @@
               <a:buNone/>
             </a:pPr>
             <a:r>
-              <a:rPr lang="en-US" sz="2800" i="1" dirty="0" smtClean="0"/>
+              <a:rPr lang="en-US" sz="2800" i="1" dirty="0"/>
               <a:t>Do Not Catch Exceptions That You Cannot Handle</a:t>
             </a:r>
             <a:r>
-              <a:rPr lang="en-US" sz="2800" dirty="0" smtClean="0"/>
+              <a:rPr lang="en-US" sz="2800" dirty="0"/>
               <a:t>.</a:t>
             </a:r>
-            <a:endParaRPr lang="en-US" sz="2800" dirty="0"/>
           </a:p>
         </p:txBody>
       </p:sp>
@@ -7138,80 +7118,67 @@
           <a:lstStyle/>
           <a:p>
             <a:r>
-              <a:rPr lang="en-US" dirty="0" smtClean="0"/>
+              <a:rPr lang="en-US" dirty="0"/>
               <a:t>try { </a:t>
             </a:r>
             <a:r>
-              <a:rPr lang="en-US" dirty="0" err="1" smtClean="0"/>
+              <a:rPr lang="en-US" dirty="0" err="1"/>
               <a:t>intNumber</a:t>
             </a:r>
             <a:r>
-              <a:rPr lang="en-US" dirty="0" smtClean="0"/>
+              <a:rPr lang="en-US" dirty="0"/>
               <a:t> = </a:t>
             </a:r>
             <a:r>
-              <a:rPr lang="en-US" dirty="0" err="1" smtClean="0"/>
+              <a:rPr lang="en-US" dirty="0" err="1"/>
               <a:t>int.Parse</a:t>
             </a:r>
             <a:r>
-              <a:rPr lang="en-US" dirty="0" smtClean="0"/>
+              <a:rPr lang="en-US" dirty="0"/>
               <a:t>(</a:t>
             </a:r>
             <a:r>
-              <a:rPr lang="en-US" dirty="0" err="1" smtClean="0"/>
+              <a:rPr lang="en-US" dirty="0" err="1"/>
               <a:t>strNumber</a:t>
             </a:r>
             <a:r>
-              <a:rPr lang="en-US" dirty="0" smtClean="0"/>
+              <a:rPr lang="en-US" dirty="0"/>
               <a:t>);</a:t>
             </a:r>
           </a:p>
           <a:p>
             <a:r>
               <a:rPr lang="en-US" dirty="0"/>
-              <a:t> </a:t>
-            </a:r>
-            <a:r>
-              <a:rPr lang="en-US" dirty="0" smtClean="0"/>
-              <a:t>      } </a:t>
+              <a:t>       } </a:t>
             </a:r>
           </a:p>
           <a:p>
             <a:r>
               <a:rPr lang="en-US" dirty="0"/>
-              <a:t> </a:t>
-            </a:r>
-            <a:r>
-              <a:rPr lang="en-US" dirty="0" smtClean="0"/>
-              <a:t>  catch (Exception ex) </a:t>
+              <a:t>   catch (Exception ex) </a:t>
             </a:r>
           </a:p>
           <a:p>
             <a:r>
               <a:rPr lang="en-US" dirty="0"/>
-              <a:t> </a:t>
-            </a:r>
-            <a:r>
-              <a:rPr lang="en-US" dirty="0" smtClean="0"/>
-              <a:t>{    </a:t>
-            </a:r>
-            <a:r>
-              <a:rPr lang="en-US" dirty="0" err="1" smtClean="0"/>
+              <a:t> {    </a:t>
+            </a:r>
+            <a:r>
+              <a:rPr lang="en-US" dirty="0" err="1"/>
               <a:t>Console.WriteLine</a:t>
             </a:r>
             <a:r>
-              <a:rPr lang="en-US" dirty="0" smtClean="0"/>
+              <a:rPr lang="en-US" dirty="0"/>
               <a:t>("Can't convert the string to " + "a number: " + </a:t>
             </a:r>
             <a:r>
-              <a:rPr lang="en-US" dirty="0" err="1" smtClean="0"/>
+              <a:rPr lang="en-US" dirty="0" err="1"/>
               <a:t>ex.Message</a:t>
             </a:r>
             <a:r>
-              <a:rPr lang="en-US" dirty="0" smtClean="0"/>
+              <a:rPr lang="en-US" dirty="0"/>
               <a:t>);}   </a:t>
             </a:r>
-            <a:endParaRPr lang="en-US" dirty="0"/>
           </a:p>
         </p:txBody>
       </p:sp>
@@ -7241,26 +7208,25 @@
               <a:buChar char="ü"/>
             </a:pPr>
             <a:r>
-              <a:rPr lang="en-US" dirty="0" smtClean="0"/>
+              <a:rPr lang="en-US" dirty="0"/>
               <a:t>You should never catch </a:t>
             </a:r>
             <a:r>
-              <a:rPr lang="en-US" dirty="0" err="1" smtClean="0"/>
+              <a:rPr lang="en-US" dirty="0" err="1"/>
               <a:t>System.Exception</a:t>
             </a:r>
             <a:r>
-              <a:rPr lang="en-US" dirty="0" smtClean="0"/>
+              <a:rPr lang="en-US" dirty="0"/>
               <a:t> or </a:t>
             </a:r>
             <a:r>
-              <a:rPr lang="en-US" dirty="0" err="1" smtClean="0"/>
+              <a:rPr lang="en-US" dirty="0" err="1"/>
               <a:t>System.SystemException</a:t>
             </a:r>
             <a:r>
-              <a:rPr lang="en-US" dirty="0" smtClean="0"/>
+              <a:rPr lang="en-US" dirty="0"/>
               <a:t> in a catch block because you could inadvertently hide run-time problems like Out Of Memory.</a:t>
             </a:r>
-            <a:endParaRPr lang="en-US" dirty="0"/>
           </a:p>
         </p:txBody>
       </p:sp>
@@ -7338,42 +7304,38 @@
           <a:lstStyle/>
           <a:p>
             <a:r>
-              <a:rPr lang="en-US" dirty="0" smtClean="0"/>
+              <a:rPr lang="en-US" dirty="0"/>
               <a:t>try { </a:t>
             </a:r>
             <a:r>
-              <a:rPr lang="en-US" dirty="0" err="1" smtClean="0"/>
+              <a:rPr lang="en-US" dirty="0" err="1"/>
               <a:t>intNumber</a:t>
             </a:r>
             <a:r>
-              <a:rPr lang="en-US" dirty="0" smtClean="0"/>
+              <a:rPr lang="en-US" dirty="0"/>
               <a:t> = </a:t>
             </a:r>
             <a:r>
-              <a:rPr lang="en-US" dirty="0" err="1" smtClean="0"/>
+              <a:rPr lang="en-US" dirty="0" err="1"/>
               <a:t>int.Parse</a:t>
             </a:r>
             <a:r>
-              <a:rPr lang="en-US" dirty="0" smtClean="0"/>
+              <a:rPr lang="en-US" dirty="0"/>
               <a:t>(</a:t>
             </a:r>
             <a:r>
-              <a:rPr lang="en-US" dirty="0" err="1" smtClean="0"/>
+              <a:rPr lang="en-US" dirty="0" err="1"/>
               <a:t>strNumber</a:t>
             </a:r>
             <a:r>
-              <a:rPr lang="en-US" dirty="0" smtClean="0"/>
+              <a:rPr lang="en-US" dirty="0"/>
               <a:t>);</a:t>
             </a:r>
           </a:p>
           <a:p>
             <a:r>
               <a:rPr lang="en-US" dirty="0"/>
-              <a:t> </a:t>
-            </a:r>
-            <a:r>
-              <a:rPr lang="en-US" dirty="0" smtClean="0"/>
-              <a:t>      } </a:t>
+              <a:t>       } </a:t>
             </a:r>
           </a:p>
           <a:p>
@@ -7393,11 +7355,7 @@
           <a:p>
             <a:r>
               <a:rPr lang="en-US" dirty="0"/>
-              <a:t> </a:t>
-            </a:r>
-            <a:r>
-              <a:rPr lang="en-US" dirty="0" smtClean="0"/>
-              <a:t>     { </a:t>
+              <a:t>      { </a:t>
             </a:r>
             <a:r>
               <a:rPr lang="en-US" dirty="0" err="1"/>
@@ -7410,12 +7368,8 @@
           </a:p>
           <a:p>
             <a:r>
-              <a:rPr lang="en-US" dirty="0" smtClean="0"/>
-              <a:t>  catch</a:t>
-            </a:r>
-            <a:r>
               <a:rPr lang="en-US" dirty="0"/>
-              <a:t>( </a:t>
+              <a:t>  catch( </a:t>
             </a:r>
             <a:r>
               <a:rPr lang="en-US" dirty="0" err="1"/>
@@ -7429,11 +7383,7 @@
           <a:p>
             <a:r>
               <a:rPr lang="en-US" dirty="0"/>
-              <a:t>   </a:t>
-            </a:r>
-            <a:r>
-              <a:rPr lang="en-US" dirty="0" smtClean="0"/>
-              <a:t>  { </a:t>
+              <a:t>     { </a:t>
             </a:r>
             <a:r>
               <a:rPr lang="en-US" dirty="0" err="1"/>
@@ -7457,13 +7407,6 @@
   <p:clrMapOvr>
     <a:masterClrMapping/>
   </p:clrMapOvr>
-  <p:timing>
-    <p:tnLst>
-      <p:par>
-        <p:cTn id="1" dur="indefinite" restart="never" nodeType="tmRoot"/>
-      </p:par>
-    </p:tnLst>
-  </p:timing>
 </p:sld>
 </file>
 
@@ -7513,16 +7456,8 @@
               </a:rPr>
             </a:br>
             <a:r>
-              <a:rPr lang="en-CA" sz="2800" dirty="0" smtClean="0"/>
-              <a:t>Exception </a:t>
-            </a:r>
-            <a:r>
               <a:rPr lang="en-CA" sz="2800" dirty="0"/>
-              <a:t>Handling Guidelines </a:t>
-            </a:r>
-            <a:r>
-              <a:rPr lang="en-CA" sz="2800" dirty="0" smtClean="0"/>
-              <a:t>3/6</a:t>
+              <a:t>Exception Handling Guidelines 3/6</a:t>
             </a:r>
           </a:p>
         </p:txBody>
@@ -7553,10 +7488,9 @@
               <a:buNone/>
             </a:pPr>
             <a:r>
-              <a:rPr lang="en-US" sz="2800" dirty="0" smtClean="0"/>
+              <a:rPr lang="en-US" sz="2800" dirty="0"/>
               <a:t>Use validation code to avoid unnecessary exceptions.</a:t>
             </a:r>
-            <a:endParaRPr lang="en-US" sz="2800" dirty="0"/>
           </a:p>
         </p:txBody>
       </p:sp>
@@ -7621,7 +7555,7 @@
               <a:tabLst/>
             </a:pPr>
             <a:r>
-              <a:rPr kumimoji="0" lang="vi-VN" sz="2400" b="0" i="0" u="none" strike="noStrike" cap="none" normalizeH="0" baseline="0" dirty="0" smtClean="0">
+              <a:rPr kumimoji="0" lang="vi-VN" sz="2400" b="0" i="0" u="none" strike="noStrike" cap="none" normalizeH="0" baseline="0" dirty="0">
                 <a:ln>
                   <a:noFill/>
                 </a:ln>
@@ -7634,7 +7568,7 @@
               </a:rPr>
               <a:t>double result = 0;</a:t>
             </a:r>
-            <a:endParaRPr kumimoji="0" lang="en-US" sz="2400" b="0" i="0" u="none" strike="noStrike" cap="none" normalizeH="0" baseline="0" dirty="0" smtClean="0">
+            <a:endParaRPr kumimoji="0" lang="en-US" sz="2400" b="0" i="0" u="none" strike="noStrike" cap="none" normalizeH="0" baseline="0" dirty="0">
               <a:ln>
                 <a:noFill/>
               </a:ln>
@@ -7664,7 +7598,7 @@
               <a:tabLst/>
             </a:pPr>
             <a:r>
-              <a:rPr kumimoji="0" lang="vi-VN" sz="2400" b="0" i="0" u="none" strike="noStrike" cap="none" normalizeH="0" baseline="0" dirty="0" smtClean="0">
+              <a:rPr kumimoji="0" lang="vi-VN" sz="2400" b="0" i="0" u="none" strike="noStrike" cap="none" normalizeH="0" baseline="0" dirty="0">
                 <a:ln>
                   <a:noFill/>
                 </a:ln>
@@ -7677,7 +7611,7 @@
               </a:rPr>
               <a:t> try{</a:t>
             </a:r>
-            <a:endParaRPr kumimoji="0" lang="en-US" sz="2400" b="0" i="0" u="none" strike="noStrike" cap="none" normalizeH="0" baseline="0" dirty="0" smtClean="0">
+            <a:endParaRPr kumimoji="0" lang="en-US" sz="2400" b="0" i="0" u="none" strike="noStrike" cap="none" normalizeH="0" baseline="0" dirty="0">
               <a:ln>
                 <a:noFill/>
               </a:ln>
@@ -7707,7 +7641,7 @@
               <a:tabLst/>
             </a:pPr>
             <a:r>
-              <a:rPr kumimoji="0" lang="vi-VN" sz="2400" b="0" i="0" u="none" strike="noStrike" cap="none" normalizeH="0" baseline="0" dirty="0" smtClean="0">
+              <a:rPr kumimoji="0" lang="vi-VN" sz="2400" b="0" i="0" u="none" strike="noStrike" cap="none" normalizeH="0" baseline="0" dirty="0">
                 <a:ln>
                   <a:noFill/>
                 </a:ln>
@@ -7720,7 +7654,7 @@
               </a:rPr>
               <a:t> result = numerator/divisor; }</a:t>
             </a:r>
-            <a:endParaRPr kumimoji="0" lang="en-US" sz="2400" b="0" i="0" u="none" strike="noStrike" cap="none" normalizeH="0" baseline="0" dirty="0" smtClean="0">
+            <a:endParaRPr kumimoji="0" lang="en-US" sz="2400" b="0" i="0" u="none" strike="noStrike" cap="none" normalizeH="0" baseline="0" dirty="0">
               <a:ln>
                 <a:noFill/>
               </a:ln>
@@ -7750,7 +7684,7 @@
               <a:tabLst/>
             </a:pPr>
             <a:r>
-              <a:rPr kumimoji="0" lang="en-US" sz="2400" b="0" i="0" u="none" strike="noStrike" cap="none" normalizeH="0" baseline="0" dirty="0" smtClean="0">
+              <a:rPr kumimoji="0" lang="en-US" sz="2400" b="0" i="0" u="none" strike="noStrike" cap="none" normalizeH="0" baseline="0" dirty="0">
                 <a:ln>
                   <a:noFill/>
                 </a:ln>
@@ -7764,7 +7698,7 @@
               <a:t> </a:t>
             </a:r>
             <a:r>
-              <a:rPr kumimoji="0" lang="vi-VN" sz="2400" b="0" i="0" u="none" strike="noStrike" cap="none" normalizeH="0" baseline="0" dirty="0" smtClean="0">
+              <a:rPr kumimoji="0" lang="vi-VN" sz="2400" b="0" i="0" u="none" strike="noStrike" cap="none" normalizeH="0" baseline="0" dirty="0">
                 <a:ln>
                   <a:noFill/>
                 </a:ln>
@@ -7777,7 +7711,7 @@
               </a:rPr>
               <a:t>catch( System.Exception e)</a:t>
             </a:r>
-            <a:endParaRPr kumimoji="0" lang="en-US" sz="2400" b="0" i="0" u="none" strike="noStrike" cap="none" normalizeH="0" baseline="0" dirty="0" smtClean="0">
+            <a:endParaRPr kumimoji="0" lang="en-US" sz="2400" b="0" i="0" u="none" strike="noStrike" cap="none" normalizeH="0" baseline="0" dirty="0">
               <a:ln>
                 <a:noFill/>
               </a:ln>
@@ -7807,7 +7741,7 @@
               <a:tabLst/>
             </a:pPr>
             <a:r>
-              <a:rPr kumimoji="0" lang="vi-VN" sz="2400" b="0" i="0" u="none" strike="noStrike" cap="none" normalizeH="0" baseline="0" dirty="0" smtClean="0">
+              <a:rPr kumimoji="0" lang="vi-VN" sz="2400" b="0" i="0" u="none" strike="noStrike" cap="none" normalizeH="0" baseline="0" dirty="0">
                 <a:ln>
                   <a:noFill/>
                 </a:ln>
@@ -7820,7 +7754,7 @@
               </a:rPr>
               <a:t>{ result = System.Double.NaN; } </a:t>
             </a:r>
-            <a:endParaRPr kumimoji="0" lang="vi-VN" sz="4800" b="0" i="0" u="none" strike="noStrike" cap="none" normalizeH="0" baseline="0" dirty="0" smtClean="0">
+            <a:endParaRPr kumimoji="0" lang="vi-VN" sz="4800" b="0" i="0" u="none" strike="noStrike" cap="none" normalizeH="0" baseline="0" dirty="0">
               <a:ln>
                 <a:noFill/>
               </a:ln>
@@ -7895,7 +7829,7 @@
               <a:tabLst/>
             </a:pPr>
             <a:r>
-              <a:rPr kumimoji="0" lang="vi-VN" sz="2400" b="0" i="0" u="none" strike="noStrike" cap="none" normalizeH="0" baseline="0" dirty="0" smtClean="0">
+              <a:rPr kumimoji="0" lang="vi-VN" sz="2400" b="0" i="0" u="none" strike="noStrike" cap="none" normalizeH="0" baseline="0" dirty="0">
                 <a:ln>
                   <a:noFill/>
                 </a:ln>
@@ -7908,7 +7842,7 @@
               </a:rPr>
               <a:t>double result = 0; </a:t>
             </a:r>
-            <a:endParaRPr kumimoji="0" lang="en-US" sz="2400" b="0" i="0" u="none" strike="noStrike" cap="none" normalizeH="0" baseline="0" dirty="0" smtClean="0">
+            <a:endParaRPr kumimoji="0" lang="en-US" sz="2400" b="0" i="0" u="none" strike="noStrike" cap="none" normalizeH="0" baseline="0" dirty="0">
               <a:ln>
                 <a:noFill/>
               </a:ln>
@@ -7938,7 +7872,7 @@
               <a:tabLst/>
             </a:pPr>
             <a:r>
-              <a:rPr kumimoji="0" lang="vi-VN" sz="2400" b="0" i="0" u="none" strike="noStrike" cap="none" normalizeH="0" baseline="0" dirty="0" smtClean="0">
+              <a:rPr kumimoji="0" lang="vi-VN" sz="2400" b="0" i="0" u="none" strike="noStrike" cap="none" normalizeH="0" baseline="0" dirty="0">
                 <a:ln>
                   <a:noFill/>
                 </a:ln>
@@ -7951,7 +7885,7 @@
               </a:rPr>
               <a:t>if ( divisor != 0 ) result = numerator/divisor;</a:t>
             </a:r>
-            <a:endParaRPr kumimoji="0" lang="en-US" sz="2400" b="0" i="0" u="none" strike="noStrike" cap="none" normalizeH="0" baseline="0" dirty="0" smtClean="0">
+            <a:endParaRPr kumimoji="0" lang="en-US" sz="2400" b="0" i="0" u="none" strike="noStrike" cap="none" normalizeH="0" baseline="0" dirty="0">
               <a:ln>
                 <a:noFill/>
               </a:ln>
@@ -7981,7 +7915,7 @@
               <a:tabLst/>
             </a:pPr>
             <a:r>
-              <a:rPr kumimoji="0" lang="vi-VN" sz="2400" b="0" i="0" u="none" strike="noStrike" cap="none" normalizeH="0" baseline="0" dirty="0" smtClean="0">
+              <a:rPr kumimoji="0" lang="vi-VN" sz="2400" b="0" i="0" u="none" strike="noStrike" cap="none" normalizeH="0" baseline="0" dirty="0">
                 <a:ln>
                   <a:noFill/>
                 </a:ln>
@@ -7994,7 +7928,7 @@
               </a:rPr>
               <a:t> else result = System.Double.NaN; </a:t>
             </a:r>
-            <a:endParaRPr kumimoji="0" lang="vi-VN" sz="4800" b="0" i="0" u="none" strike="noStrike" cap="none" normalizeH="0" baseline="0" dirty="0" smtClean="0">
+            <a:endParaRPr kumimoji="0" lang="vi-VN" sz="4800" b="0" i="0" u="none" strike="noStrike" cap="none" normalizeH="0" baseline="0" dirty="0">
               <a:ln>
                 <a:noFill/>
               </a:ln>
@@ -8075,7 +8009,7 @@
           <a:lstStyle/>
           <a:p>
             <a:r>
-              <a:rPr lang="en-US" sz="4000" b="1" dirty="0" smtClean="0">
+              <a:rPr lang="en-US" sz="4000" b="1" dirty="0">
                 <a:ln w="12700">
                   <a:solidFill>
                     <a:schemeClr val="tx2">
@@ -8100,29 +8034,6 @@
               </a:rPr>
               <a:t>more efficient.</a:t>
             </a:r>
-            <a:endParaRPr lang="en-US" sz="4000" b="1" dirty="0">
-              <a:ln w="12700">
-                <a:solidFill>
-                  <a:schemeClr val="tx2">
-                    <a:satMod val="155000"/>
-                  </a:schemeClr>
-                </a:solidFill>
-                <a:prstDash val="solid"/>
-              </a:ln>
-              <a:solidFill>
-                <a:schemeClr val="bg2">
-                  <a:tint val="85000"/>
-                  <a:satMod val="155000"/>
-                </a:schemeClr>
-              </a:solidFill>
-              <a:effectLst>
-                <a:outerShdw blurRad="41275" dist="20320" dir="1800000" algn="tl" rotWithShape="0">
-                  <a:srgbClr val="000000">
-                    <a:alpha val="40000"/>
-                  </a:srgbClr>
-                </a:outerShdw>
-              </a:effectLst>
-            </a:endParaRPr>
           </a:p>
         </p:txBody>
       </p:sp>
@@ -8131,13 +8042,6 @@
   <p:clrMapOvr>
     <a:masterClrMapping/>
   </p:clrMapOvr>
-  <p:timing>
-    <p:tnLst>
-      <p:par>
-        <p:cTn id="1" dur="indefinite" restart="never" nodeType="tmRoot"/>
-      </p:par>
-    </p:tnLst>
-  </p:timing>
 </p:sld>
 </file>
 
@@ -8187,16 +8091,8 @@
               </a:rPr>
             </a:br>
             <a:r>
-              <a:rPr lang="en-CA" sz="2800" dirty="0" smtClean="0"/>
-              <a:t>Exception </a:t>
-            </a:r>
-            <a:r>
               <a:rPr lang="en-CA" sz="2800" dirty="0"/>
-              <a:t>Handling Guidelines </a:t>
-            </a:r>
-            <a:r>
-              <a:rPr lang="en-CA" sz="2800" dirty="0" smtClean="0"/>
-              <a:t>4/6</a:t>
+              <a:t>Exception Handling Guidelines 4/6</a:t>
             </a:r>
           </a:p>
         </p:txBody>
@@ -8227,10 +8123,9 @@
               <a:buNone/>
             </a:pPr>
             <a:r>
-              <a:rPr lang="en-US" sz="2800" dirty="0" smtClean="0"/>
+              <a:rPr lang="en-US" sz="2800" dirty="0"/>
               <a:t>Do Not Use Exceptions to Control Application Flow</a:t>
             </a:r>
-            <a:endParaRPr lang="en-US" sz="2800" dirty="0"/>
           </a:p>
         </p:txBody>
       </p:sp>
@@ -8280,56 +8175,56 @@
           <a:p>
             <a:pPr lvl="0" eaLnBrk="0" hangingPunct="0"/>
             <a:r>
-              <a:rPr lang="en-US" sz="2400" dirty="0" smtClean="0"/>
+              <a:rPr lang="en-US" sz="2400" dirty="0"/>
               <a:t>static void </a:t>
             </a:r>
             <a:r>
-              <a:rPr lang="en-US" sz="2400" dirty="0" err="1" smtClean="0"/>
+              <a:rPr lang="en-US" sz="2400" dirty="0" err="1"/>
               <a:t>ProductExists</a:t>
             </a:r>
             <a:r>
-              <a:rPr lang="en-US" sz="2400" dirty="0" smtClean="0"/>
+              <a:rPr lang="en-US" sz="2400" dirty="0"/>
               <a:t>( string </a:t>
             </a:r>
             <a:r>
-              <a:rPr lang="en-US" sz="2400" dirty="0" err="1" smtClean="0"/>
+              <a:rPr lang="en-US" sz="2400" dirty="0" err="1"/>
               <a:t>ProductId</a:t>
             </a:r>
             <a:r>
-              <a:rPr lang="en-US" sz="2400" dirty="0" smtClean="0"/>
+              <a:rPr lang="en-US" sz="2400" dirty="0"/>
               <a:t>) </a:t>
             </a:r>
           </a:p>
           <a:p>
             <a:pPr lvl="0" eaLnBrk="0" hangingPunct="0"/>
             <a:r>
-              <a:rPr lang="en-US" sz="2400" dirty="0" smtClean="0"/>
+              <a:rPr lang="en-US" sz="2400" dirty="0"/>
               <a:t>{ //... search for Product </a:t>
             </a:r>
           </a:p>
           <a:p>
             <a:pPr lvl="0" eaLnBrk="0" hangingPunct="0"/>
             <a:r>
-              <a:rPr lang="en-US" sz="2400" dirty="0" smtClean="0"/>
+              <a:rPr lang="en-US" sz="2400" dirty="0"/>
               <a:t>if ( </a:t>
             </a:r>
             <a:r>
-              <a:rPr lang="en-US" sz="2400" dirty="0" err="1" smtClean="0"/>
+              <a:rPr lang="en-US" sz="2400" dirty="0" err="1"/>
               <a:t>dr.Read</a:t>
             </a:r>
             <a:r>
-              <a:rPr lang="en-US" sz="2400" dirty="0" smtClean="0"/>
+              <a:rPr lang="en-US" sz="2400" dirty="0"/>
               <a:t>(</a:t>
             </a:r>
             <a:r>
-              <a:rPr lang="en-US" sz="2400" dirty="0" err="1" smtClean="0"/>
+              <a:rPr lang="en-US" sz="2400" dirty="0" err="1"/>
               <a:t>ProductId</a:t>
             </a:r>
             <a:r>
-              <a:rPr lang="en-US" sz="2400" dirty="0" smtClean="0"/>
+              <a:rPr lang="en-US" sz="2400" dirty="0"/>
               <a:t>) ==0 )  // no record found, ask to create { throw( new Exception("Product Not found")); } } </a:t>
             </a:r>
-            <a:endParaRPr kumimoji="0" lang="vi-VN" sz="4800" b="0" i="0" u="none" strike="noStrike" cap="none" normalizeH="0" baseline="0" dirty="0" smtClean="0">
+            <a:endParaRPr kumimoji="0" lang="vi-VN" sz="4800" b="0" i="0" u="none" strike="noStrike" cap="none" normalizeH="0" baseline="0" dirty="0">
               <a:ln>
                 <a:noFill/>
               </a:ln>
@@ -8389,78 +8284,78 @@
           <a:p>
             <a:pPr lvl="0" eaLnBrk="0" hangingPunct="0"/>
             <a:r>
-              <a:rPr lang="en-US" sz="2400" dirty="0" smtClean="0"/>
+              <a:rPr lang="en-US" sz="2400" dirty="0"/>
               <a:t>static </a:t>
             </a:r>
             <a:r>
-              <a:rPr lang="en-US" sz="2400" dirty="0" err="1" smtClean="0"/>
+              <a:rPr lang="en-US" sz="2400" dirty="0" err="1"/>
               <a:t>bool</a:t>
             </a:r>
             <a:r>
-              <a:rPr lang="en-US" sz="2400" dirty="0" smtClean="0"/>
+              <a:rPr lang="en-US" sz="2400" dirty="0"/>
               <a:t> </a:t>
             </a:r>
             <a:r>
-              <a:rPr lang="en-US" sz="2400" dirty="0" err="1" smtClean="0"/>
+              <a:rPr lang="en-US" sz="2400" dirty="0" err="1"/>
               <a:t>ProductExists</a:t>
             </a:r>
             <a:r>
-              <a:rPr lang="en-US" sz="2400" dirty="0" smtClean="0"/>
+              <a:rPr lang="en-US" sz="2400" dirty="0"/>
               <a:t>( string </a:t>
             </a:r>
             <a:r>
-              <a:rPr lang="en-US" sz="2400" dirty="0" err="1" smtClean="0"/>
+              <a:rPr lang="en-US" sz="2400" dirty="0" err="1"/>
               <a:t>ProductId</a:t>
             </a:r>
             <a:r>
-              <a:rPr lang="en-US" sz="2400" dirty="0" smtClean="0"/>
+              <a:rPr lang="en-US" sz="2400" dirty="0"/>
               <a:t>)</a:t>
             </a:r>
           </a:p>
           <a:p>
             <a:pPr lvl="0" eaLnBrk="0" hangingPunct="0"/>
             <a:r>
-              <a:rPr lang="en-US" sz="2400" dirty="0" smtClean="0"/>
+              <a:rPr lang="en-US" sz="2400" dirty="0"/>
               <a:t> { //... search for Product</a:t>
             </a:r>
           </a:p>
           <a:p>
             <a:pPr lvl="0" eaLnBrk="0" hangingPunct="0"/>
             <a:r>
-              <a:rPr lang="en-US" sz="2400" dirty="0" smtClean="0"/>
+              <a:rPr lang="en-US" sz="2400" dirty="0"/>
               <a:t> if ( </a:t>
             </a:r>
             <a:r>
-              <a:rPr lang="en-US" sz="2400" dirty="0" err="1" smtClean="0"/>
+              <a:rPr lang="en-US" sz="2400" dirty="0" err="1"/>
               <a:t>dr.Read</a:t>
             </a:r>
             <a:r>
-              <a:rPr lang="en-US" sz="2400" dirty="0" smtClean="0"/>
+              <a:rPr lang="en-US" sz="2400" dirty="0"/>
               <a:t>(</a:t>
             </a:r>
             <a:r>
-              <a:rPr lang="en-US" sz="2400" dirty="0" err="1" smtClean="0"/>
+              <a:rPr lang="en-US" sz="2400" dirty="0" err="1"/>
               <a:t>ProductId</a:t>
             </a:r>
             <a:r>
-              <a:rPr lang="en-US" sz="2400" dirty="0" smtClean="0"/>
+              <a:rPr lang="en-US" sz="2400" dirty="0"/>
               <a:t>) ==0 ) // no record found, ask to create { return false; } . . . </a:t>
             </a:r>
           </a:p>
           <a:p>
             <a:pPr lvl="0" eaLnBrk="0" hangingPunct="0"/>
             <a:r>
-              <a:rPr lang="en-US" sz="2400" dirty="0" smtClean="0"/>
+              <a:rPr lang="en-US" sz="2400" dirty="0"/>
               <a:t>}</a:t>
             </a:r>
           </a:p>
           <a:p>
             <a:pPr lvl="0" eaLnBrk="0" hangingPunct="0"/>
             <a:r>
-              <a:rPr lang="en-US" sz="2400" dirty="0" smtClean="0"/>
+              <a:rPr lang="en-US" sz="2400" dirty="0"/>
               <a:t> </a:t>
             </a:r>
-            <a:endParaRPr kumimoji="0" lang="vi-VN" sz="4800" b="0" i="0" u="none" strike="noStrike" cap="none" normalizeH="0" baseline="0" dirty="0" smtClean="0">
+            <a:endParaRPr kumimoji="0" lang="vi-VN" sz="4800" b="0" i="0" u="none" strike="noStrike" cap="none" normalizeH="0" baseline="0" dirty="0">
               <a:ln>
                 <a:noFill/>
               </a:ln>
@@ -8523,13 +8418,6 @@
   <p:clrMapOvr>
     <a:masterClrMapping/>
   </p:clrMapOvr>
-  <p:timing>
-    <p:tnLst>
-      <p:par>
-        <p:cTn id="1" dur="indefinite" restart="never" nodeType="tmRoot"/>
-      </p:par>
-    </p:tnLst>
-  </p:timing>
 </p:sld>
 </file>
 
@@ -8584,16 +8472,8 @@
               </a:rPr>
             </a:br>
             <a:r>
-              <a:rPr lang="en-CA" sz="2400" dirty="0" smtClean="0"/>
-              <a:t>Exception </a:t>
-            </a:r>
-            <a:r>
               <a:rPr lang="en-CA" sz="2400" dirty="0"/>
-              <a:t>Handling Guidelines </a:t>
-            </a:r>
-            <a:r>
-              <a:rPr lang="en-CA" sz="2400" dirty="0" smtClean="0"/>
-              <a:t>5/6</a:t>
+              <a:t>Exception Handling Guidelines 5/6</a:t>
             </a:r>
             <a:endParaRPr lang="en-US" sz="2400" dirty="0"/>
           </a:p>
@@ -8637,27 +8517,27 @@
               <a:buNone/>
             </a:pPr>
             <a:r>
-              <a:rPr lang="en-US" sz="2800" dirty="0" err="1" smtClean="0"/>
+              <a:rPr lang="en-US" sz="2800" dirty="0" err="1"/>
               <a:t>SqlConnection</a:t>
             </a:r>
             <a:r>
-              <a:rPr lang="en-US" sz="2800" dirty="0" smtClean="0"/>
+              <a:rPr lang="en-US" sz="2800" dirty="0"/>
               <a:t> </a:t>
             </a:r>
             <a:r>
-              <a:rPr lang="en-US" sz="2800" dirty="0" err="1" smtClean="0"/>
+              <a:rPr lang="en-US" sz="2800" dirty="0" err="1"/>
               <a:t>conn</a:t>
             </a:r>
             <a:r>
-              <a:rPr lang="en-US" sz="2800" dirty="0" smtClean="0"/>
+              <a:rPr lang="en-US" sz="2800" dirty="0"/>
               <a:t> = new </a:t>
             </a:r>
             <a:r>
-              <a:rPr lang="en-US" sz="2800" dirty="0" err="1" smtClean="0"/>
+              <a:rPr lang="en-US" sz="2800" dirty="0" err="1"/>
               <a:t>SqlConnection</a:t>
             </a:r>
             <a:r>
-              <a:rPr lang="en-US" sz="2800" dirty="0" smtClean="0"/>
+              <a:rPr lang="en-US" sz="2800" dirty="0"/>
               <a:t>("..."); </a:t>
             </a:r>
           </a:p>
@@ -8666,15 +8546,15 @@
               <a:buNone/>
             </a:pPr>
             <a:r>
-              <a:rPr lang="en-US" sz="2800" dirty="0" smtClean="0"/>
+              <a:rPr lang="en-US" sz="2800" dirty="0"/>
               <a:t>try { </a:t>
             </a:r>
             <a:r>
-              <a:rPr lang="en-US" sz="2800" dirty="0" err="1" smtClean="0"/>
+              <a:rPr lang="en-US" sz="2800" dirty="0" err="1"/>
               <a:t>conn.Open</a:t>
             </a:r>
             <a:r>
-              <a:rPr lang="en-US" sz="2800" dirty="0" smtClean="0"/>
+              <a:rPr lang="en-US" sz="2800" dirty="0"/>
               <a:t>(); </a:t>
             </a:r>
           </a:p>
@@ -8683,7 +8563,7 @@
               <a:buNone/>
             </a:pPr>
             <a:r>
-              <a:rPr lang="en-US" sz="2800" dirty="0" smtClean="0"/>
+              <a:rPr lang="en-US" sz="2800" dirty="0"/>
               <a:t>//.Do some operation that might cause an exception </a:t>
             </a:r>
           </a:p>
@@ -8692,15 +8572,15 @@
               <a:buNone/>
             </a:pPr>
             <a:r>
-              <a:rPr lang="en-US" sz="2800" dirty="0" smtClean="0"/>
+              <a:rPr lang="en-US" sz="2800" dirty="0"/>
               <a:t>// Calling Close as early as possible </a:t>
             </a:r>
             <a:r>
-              <a:rPr lang="en-US" sz="2800" dirty="0" err="1" smtClean="0"/>
+              <a:rPr lang="en-US" sz="2800" dirty="0" err="1"/>
               <a:t>conn.Close</a:t>
             </a:r>
             <a:r>
-              <a:rPr lang="en-US" sz="2800" dirty="0" smtClean="0"/>
+              <a:rPr lang="en-US" sz="2800" dirty="0"/>
               <a:t>();</a:t>
             </a:r>
           </a:p>
@@ -8709,7 +8589,7 @@
               <a:buNone/>
             </a:pPr>
             <a:r>
-              <a:rPr lang="en-US" sz="2800" dirty="0" smtClean="0"/>
+              <a:rPr lang="en-US" sz="2800" dirty="0"/>
               <a:t> // ... other potentially long operations</a:t>
             </a:r>
           </a:p>
@@ -8718,7 +8598,7 @@
               <a:buNone/>
             </a:pPr>
             <a:r>
-              <a:rPr lang="en-US" sz="2800" dirty="0" smtClean="0"/>
+              <a:rPr lang="en-US" sz="2800" dirty="0"/>
               <a:t> } Finally</a:t>
             </a:r>
           </a:p>
@@ -8727,34 +8607,33 @@
               <a:buNone/>
             </a:pPr>
             <a:r>
-              <a:rPr lang="en-US" sz="2800" dirty="0" smtClean="0"/>
+              <a:rPr lang="en-US" sz="2800" dirty="0"/>
               <a:t> { if (</a:t>
             </a:r>
             <a:r>
-              <a:rPr lang="en-US" sz="2800" dirty="0" err="1" smtClean="0"/>
+              <a:rPr lang="en-US" sz="2800" dirty="0" err="1"/>
               <a:t>conn.State</a:t>
             </a:r>
             <a:r>
-              <a:rPr lang="en-US" sz="2800" dirty="0" smtClean="0"/>
+              <a:rPr lang="en-US" sz="2800" dirty="0"/>
               <a:t>==</a:t>
             </a:r>
             <a:r>
-              <a:rPr lang="en-US" sz="2800" dirty="0" err="1" smtClean="0"/>
+              <a:rPr lang="en-US" sz="2800" dirty="0" err="1"/>
               <a:t>ConnectionState.Open</a:t>
             </a:r>
             <a:r>
-              <a:rPr lang="en-US" sz="2800" dirty="0" smtClean="0"/>
+              <a:rPr lang="en-US" sz="2800" dirty="0"/>
               <a:t>) </a:t>
             </a:r>
             <a:r>
-              <a:rPr lang="en-US" sz="2800" dirty="0" err="1" smtClean="0"/>
+              <a:rPr lang="en-US" sz="2800" dirty="0" err="1"/>
               <a:t>conn.Close</a:t>
             </a:r>
             <a:r>
-              <a:rPr lang="en-US" sz="2800" dirty="0" smtClean="0"/>
+              <a:rPr lang="en-US" sz="2800" dirty="0"/>
               <a:t>(); // ensure that the connection is closed } </a:t>
             </a:r>
-            <a:endParaRPr lang="en-US" sz="2800" dirty="0"/>
           </a:p>
         </p:txBody>
       </p:sp>
@@ -8780,7 +8659,7 @@
           <a:lstStyle/>
           <a:p>
             <a:r>
-              <a:rPr lang="en-US" sz="2400" dirty="0" smtClean="0"/>
+              <a:rPr lang="en-US" sz="2400" dirty="0"/>
               <a:t>The following code ensures that the connection is always closed.</a:t>
             </a:r>
           </a:p>
@@ -8791,13 +8670,6 @@
   <p:clrMapOvr>
     <a:masterClrMapping/>
   </p:clrMapOvr>
-  <p:timing>
-    <p:tnLst>
-      <p:par>
-        <p:cTn id="1" dur="indefinite" restart="never" nodeType="tmRoot"/>
-      </p:par>
-    </p:tnLst>
-  </p:timing>
 </p:sld>
 </file>
 
@@ -8852,16 +8724,8 @@
               </a:rPr>
             </a:br>
             <a:r>
-              <a:rPr lang="en-CA" sz="2400" dirty="0" smtClean="0"/>
-              <a:t>Exception </a:t>
-            </a:r>
-            <a:r>
               <a:rPr lang="en-CA" sz="2400" dirty="0"/>
-              <a:t>Handling Guidelines </a:t>
-            </a:r>
-            <a:r>
-              <a:rPr lang="en-CA" sz="2400" dirty="0" smtClean="0"/>
-              <a:t>6/6</a:t>
+              <a:t>Exception Handling Guidelines 6/6</a:t>
             </a:r>
             <a:endParaRPr lang="en-US" sz="2400" dirty="0"/>
           </a:p>
@@ -8905,11 +8769,10 @@
               <a:buNone/>
             </a:pPr>
             <a:r>
-              <a:rPr lang="en-US" sz="2400" dirty="0" smtClean="0"/>
+              <a:rPr lang="en-US" sz="2400" dirty="0"/>
               <a:t>try { // do something that may throw an exception } catch (Exception e) { // do something with e throw; }</a:t>
             </a:r>
-            <a:endParaRPr lang="en-US" sz="2400" dirty="0"/>
           </a:p>
         </p:txBody>
       </p:sp>
@@ -8935,26 +8798,25 @@
           <a:lstStyle/>
           <a:p>
             <a:r>
-              <a:rPr lang="en-US" sz="2000" dirty="0" smtClean="0"/>
+              <a:rPr lang="en-US" sz="2000" dirty="0"/>
               <a:t>The cost of using throw to </a:t>
             </a:r>
             <a:r>
-              <a:rPr lang="en-US" sz="2000" dirty="0" err="1" smtClean="0"/>
+              <a:rPr lang="en-US" sz="2000" dirty="0" err="1"/>
               <a:t>rethrow</a:t>
             </a:r>
             <a:r>
-              <a:rPr lang="en-US" sz="2000" dirty="0" smtClean="0"/>
+              <a:rPr lang="en-US" sz="2000" dirty="0"/>
               <a:t> an existing exception is approximately the same as throwing a new exception. In the following code, there is no savings from </a:t>
             </a:r>
             <a:r>
-              <a:rPr lang="en-US" sz="2000" dirty="0" err="1" smtClean="0"/>
+              <a:rPr lang="en-US" sz="2000" dirty="0" err="1"/>
               <a:t>rethrowing</a:t>
             </a:r>
             <a:r>
-              <a:rPr lang="en-US" sz="2000" dirty="0" smtClean="0"/>
+              <a:rPr lang="en-US" sz="2000" dirty="0"/>
               <a:t> the existing exception.</a:t>
             </a:r>
-            <a:endParaRPr lang="en-US" sz="2000" dirty="0"/>
           </a:p>
         </p:txBody>
       </p:sp>
@@ -9160,7 +9022,7 @@
               <a:buNone/>
             </a:pPr>
             <a:r>
-              <a:rPr lang="en-US" sz="2400" dirty="0" smtClean="0"/>
+              <a:rPr lang="en-US" sz="2400" dirty="0"/>
               <a:t>try {</a:t>
             </a:r>
           </a:p>
@@ -9170,7 +9032,7 @@
               <a:buNone/>
             </a:pPr>
             <a:r>
-              <a:rPr lang="en-US" sz="2400" dirty="0" smtClean="0"/>
+              <a:rPr lang="en-US" sz="2400" dirty="0"/>
               <a:t> // exception generating code </a:t>
             </a:r>
           </a:p>
@@ -9180,7 +9042,7 @@
               <a:buNone/>
             </a:pPr>
             <a:r>
-              <a:rPr lang="en-US" sz="2400" dirty="0" smtClean="0"/>
+              <a:rPr lang="en-US" sz="2400" dirty="0"/>
               <a:t>} catch(Exception e)  {</a:t>
             </a:r>
           </a:p>
@@ -9190,7 +9052,7 @@
               <a:buNone/>
             </a:pPr>
             <a:r>
-              <a:rPr lang="en-US" sz="2400" dirty="0" smtClean="0"/>
+              <a:rPr lang="en-US" sz="2400" dirty="0"/>
               <a:t> // Do nothing</a:t>
             </a:r>
           </a:p>
@@ -9200,10 +9062,9 @@
               <a:buNone/>
             </a:pPr>
             <a:r>
-              <a:rPr lang="en-US" sz="2400" dirty="0" smtClean="0"/>
+              <a:rPr lang="en-US" sz="2400" dirty="0"/>
               <a:t> }</a:t>
             </a:r>
-            <a:endParaRPr lang="en-US" sz="2400" dirty="0"/>
           </a:p>
         </p:txBody>
       </p:sp>
@@ -9229,10 +9090,9 @@
           <a:lstStyle/>
           <a:p>
             <a:r>
-              <a:rPr lang="en-US" sz="2000" dirty="0" smtClean="0"/>
+              <a:rPr lang="en-US" sz="2000" dirty="0"/>
               <a:t>Do not catch exceptions that you do not know how to handle and then fail to propagate the exception</a:t>
             </a:r>
-            <a:endParaRPr lang="en-US" sz="2000" dirty="0"/>
           </a:p>
         </p:txBody>
       </p:sp>
@@ -9241,13 +9101,6 @@
   <p:clrMapOvr>
     <a:masterClrMapping/>
   </p:clrMapOvr>
-  <p:timing>
-    <p:tnLst>
-      <p:par>
-        <p:cTn id="1" dur="indefinite" restart="never" nodeType="tmRoot"/>
-      </p:par>
-    </p:tnLst>
-  </p:timing>
 </p:sld>
 </file>
 
@@ -9290,7 +9143,7 @@
           <a:p>
             <a:pPr eaLnBrk="1" hangingPunct="1"/>
             <a:r>
-              <a:rPr lang="en-US" dirty="0" smtClean="0">
+              <a:rPr lang="en-US" dirty="0">
                 <a:solidFill>
                   <a:srgbClr val="C00000"/>
                 </a:solidFill>
@@ -9299,7 +9152,7 @@
               </a:rPr>
               <a:t>Random Number</a:t>
             </a:r>
-            <a:endParaRPr lang="en-US" dirty="0" smtClean="0">
+            <a:endParaRPr lang="en-US" dirty="0">
               <a:latin typeface="Arial" charset="0"/>
               <a:cs typeface="Arial" charset="0"/>
             </a:endParaRPr>
@@ -9327,7 +9180,7 @@
               <a:defRPr/>
             </a:pPr>
             <a:r>
-              <a:rPr lang="en-US" sz="1600" dirty="0" smtClean="0">
+              <a:rPr lang="en-US" sz="1600" dirty="0">
                 <a:solidFill>
                   <a:srgbClr val="0000FF"/>
                 </a:solidFill>
@@ -9337,14 +9190,14 @@
               <a:t>using </a:t>
             </a:r>
             <a:r>
-              <a:rPr lang="en-US" sz="1600" dirty="0" err="1" smtClean="0">
+              <a:rPr lang="en-US" sz="1600" dirty="0" err="1">
                 <a:latin typeface="Courier New" pitchFamily="49" charset="0"/>
                 <a:cs typeface="Courier New" pitchFamily="49" charset="0"/>
               </a:rPr>
               <a:t>System.</a:t>
             </a:r>
             <a:r>
-              <a:rPr lang="en-US" sz="1600" dirty="0" err="1" smtClean="0">
+              <a:rPr lang="en-US" sz="1600" dirty="0" err="1">
                 <a:solidFill>
                   <a:schemeClr val="accent5">
                     <a:lumMod val="75000"/>
@@ -9356,7 +9209,7 @@
               <a:t>Random</a:t>
             </a:r>
             <a:r>
-              <a:rPr lang="en-US" sz="1600" dirty="0" smtClean="0">
+              <a:rPr lang="en-US" sz="1600" dirty="0">
                 <a:latin typeface="Courier New" pitchFamily="49" charset="0"/>
                 <a:cs typeface="Courier New" pitchFamily="49" charset="0"/>
               </a:rPr>
@@ -9369,7 +9222,7 @@
               <a:buNone/>
               <a:defRPr/>
             </a:pPr>
-            <a:endParaRPr lang="en-US" sz="1600" dirty="0" smtClean="0">
+            <a:endParaRPr lang="en-US" sz="1600" dirty="0">
               <a:latin typeface="Courier New" pitchFamily="49" charset="0"/>
               <a:cs typeface="Courier New" pitchFamily="49" charset="0"/>
             </a:endParaRPr>
@@ -9381,7 +9234,7 @@
               <a:defRPr/>
             </a:pPr>
             <a:r>
-              <a:rPr lang="en-US" sz="1600" dirty="0" smtClean="0">
+              <a:rPr lang="en-US" sz="1600" dirty="0">
                 <a:solidFill>
                   <a:schemeClr val="accent5">
                     <a:lumMod val="75000"/>
@@ -9393,28 +9246,28 @@
               <a:t>Random</a:t>
             </a:r>
             <a:r>
-              <a:rPr lang="en-US" sz="1600" dirty="0" smtClean="0">
+              <a:rPr lang="en-US" sz="1600" dirty="0">
                 <a:latin typeface="Courier New" pitchFamily="49" charset="0"/>
                 <a:cs typeface="Courier New" pitchFamily="49" charset="0"/>
               </a:rPr>
               <a:t> </a:t>
             </a:r>
             <a:r>
-              <a:rPr lang="en-US" sz="1600" dirty="0" err="1" smtClean="0">
+              <a:rPr lang="en-US" sz="1600" dirty="0" err="1">
                 <a:latin typeface="Courier New" pitchFamily="49" charset="0"/>
                 <a:cs typeface="Courier New" pitchFamily="49" charset="0"/>
               </a:rPr>
               <a:t>rdm</a:t>
             </a:r>
             <a:r>
-              <a:rPr lang="en-US" sz="1600" dirty="0" smtClean="0">
+              <a:rPr lang="en-US" sz="1600" dirty="0">
                 <a:latin typeface="Courier New" pitchFamily="49" charset="0"/>
                 <a:cs typeface="Courier New" pitchFamily="49" charset="0"/>
               </a:rPr>
               <a:t> = </a:t>
             </a:r>
             <a:r>
-              <a:rPr lang="en-US" sz="1600" dirty="0" smtClean="0">
+              <a:rPr lang="en-US" sz="1600" dirty="0">
                 <a:solidFill>
                   <a:srgbClr val="0000FF"/>
                 </a:solidFill>
@@ -9424,14 +9277,14 @@
               <a:t>new</a:t>
             </a:r>
             <a:r>
-              <a:rPr lang="en-US" sz="1600" dirty="0" smtClean="0">
+              <a:rPr lang="en-US" sz="1600" dirty="0">
                 <a:latin typeface="Courier New" pitchFamily="49" charset="0"/>
                 <a:cs typeface="Courier New" pitchFamily="49" charset="0"/>
               </a:rPr>
               <a:t> </a:t>
             </a:r>
             <a:r>
-              <a:rPr lang="en-US" sz="1600" dirty="0" smtClean="0">
+              <a:rPr lang="en-US" sz="1600" dirty="0">
                 <a:solidFill>
                   <a:schemeClr val="accent5">
                     <a:lumMod val="75000"/>
@@ -9443,7 +9296,7 @@
               <a:t>Random</a:t>
             </a:r>
             <a:r>
-              <a:rPr lang="en-US" sz="1600" dirty="0" smtClean="0">
+              <a:rPr lang="en-US" sz="1600" dirty="0">
                 <a:latin typeface="Courier New" pitchFamily="49" charset="0"/>
                 <a:cs typeface="Courier New" pitchFamily="49" charset="0"/>
               </a:rPr>
@@ -9457,7 +9310,7 @@
               <a:defRPr/>
             </a:pPr>
             <a:r>
-              <a:rPr lang="en-US" sz="1600" dirty="0" err="1" smtClean="0">
+              <a:rPr lang="en-US" sz="1600" dirty="0" err="1">
                 <a:solidFill>
                   <a:srgbClr val="0000FF"/>
                 </a:solidFill>
@@ -9467,42 +9320,42 @@
               <a:t>int</a:t>
             </a:r>
             <a:r>
-              <a:rPr lang="en-US" sz="1600" dirty="0" smtClean="0">
+              <a:rPr lang="en-US" sz="1600" dirty="0">
                 <a:latin typeface="Courier New" pitchFamily="49" charset="0"/>
                 <a:cs typeface="Courier New" pitchFamily="49" charset="0"/>
               </a:rPr>
               <a:t> </a:t>
             </a:r>
             <a:r>
-              <a:rPr lang="en-US" sz="1600" dirty="0" err="1" smtClean="0">
+              <a:rPr lang="en-US" sz="1600" dirty="0" err="1">
                 <a:latin typeface="Courier New" pitchFamily="49" charset="0"/>
                 <a:cs typeface="Courier New" pitchFamily="49" charset="0"/>
               </a:rPr>
               <a:t>i</a:t>
             </a:r>
             <a:r>
-              <a:rPr lang="en-US" sz="1600" dirty="0" smtClean="0">
+              <a:rPr lang="en-US" sz="1600" dirty="0">
                 <a:latin typeface="Courier New" pitchFamily="49" charset="0"/>
                 <a:cs typeface="Courier New" pitchFamily="49" charset="0"/>
               </a:rPr>
               <a:t> = </a:t>
             </a:r>
             <a:r>
-              <a:rPr lang="en-US" sz="1600" dirty="0" err="1" smtClean="0">
+              <a:rPr lang="en-US" sz="1600" dirty="0" err="1">
                 <a:latin typeface="Courier New" pitchFamily="49" charset="0"/>
                 <a:cs typeface="Courier New" pitchFamily="49" charset="0"/>
               </a:rPr>
               <a:t>rdm.Next</a:t>
             </a:r>
             <a:r>
-              <a:rPr lang="en-US" sz="1600" dirty="0" smtClean="0">
+              <a:rPr lang="en-US" sz="1600" dirty="0">
                 <a:latin typeface="Courier New" pitchFamily="49" charset="0"/>
                 <a:cs typeface="Courier New" pitchFamily="49" charset="0"/>
               </a:rPr>
               <a:t>(10, 100); </a:t>
             </a:r>
             <a:r>
-              <a:rPr lang="en-US" sz="1600" dirty="0" smtClean="0">
+              <a:rPr lang="en-US" sz="1600" dirty="0">
                 <a:solidFill>
                   <a:srgbClr val="008000"/>
                 </a:solidFill>
@@ -9519,35 +9372,35 @@
               <a:defRPr/>
             </a:pPr>
             <a:r>
-              <a:rPr lang="en-US" sz="1600" dirty="0" err="1" smtClean="0">
+              <a:rPr lang="en-US" sz="1600" dirty="0" err="1">
                 <a:latin typeface="Courier New" pitchFamily="49" charset="0"/>
                 <a:cs typeface="Courier New" pitchFamily="49" charset="0"/>
               </a:rPr>
               <a:t>i</a:t>
             </a:r>
             <a:r>
-              <a:rPr lang="en-US" sz="1600" dirty="0" smtClean="0">
+              <a:rPr lang="en-US" sz="1600" dirty="0">
                 <a:latin typeface="Courier New" pitchFamily="49" charset="0"/>
                 <a:cs typeface="Courier New" pitchFamily="49" charset="0"/>
               </a:rPr>
               <a:t> = </a:t>
             </a:r>
             <a:r>
-              <a:rPr lang="en-US" sz="1600" dirty="0" err="1" smtClean="0">
+              <a:rPr lang="en-US" sz="1600" dirty="0" err="1">
                 <a:latin typeface="Courier New" pitchFamily="49" charset="0"/>
                 <a:cs typeface="Courier New" pitchFamily="49" charset="0"/>
               </a:rPr>
               <a:t>rdm.Next</a:t>
             </a:r>
             <a:r>
-              <a:rPr lang="en-US" sz="1600" dirty="0" smtClean="0">
+              <a:rPr lang="en-US" sz="1600" dirty="0">
                 <a:latin typeface="Courier New" pitchFamily="49" charset="0"/>
                 <a:cs typeface="Courier New" pitchFamily="49" charset="0"/>
               </a:rPr>
               <a:t>(100);         </a:t>
             </a:r>
             <a:r>
-              <a:rPr lang="en-US" sz="1600" dirty="0" smtClean="0">
+              <a:rPr lang="en-US" sz="1600" dirty="0">
                 <a:solidFill>
                   <a:srgbClr val="008000"/>
                 </a:solidFill>
@@ -9564,35 +9417,35 @@
               <a:defRPr/>
             </a:pPr>
             <a:r>
-              <a:rPr lang="en-US" sz="1600" dirty="0" err="1" smtClean="0">
+              <a:rPr lang="en-US" sz="1600" dirty="0" err="1">
                 <a:latin typeface="Courier New" pitchFamily="49" charset="0"/>
                 <a:cs typeface="Courier New" pitchFamily="49" charset="0"/>
               </a:rPr>
               <a:t>i</a:t>
             </a:r>
             <a:r>
-              <a:rPr lang="en-US" sz="1600" dirty="0" smtClean="0">
+              <a:rPr lang="en-US" sz="1600" dirty="0">
                 <a:latin typeface="Courier New" pitchFamily="49" charset="0"/>
                 <a:cs typeface="Courier New" pitchFamily="49" charset="0"/>
               </a:rPr>
               <a:t> = </a:t>
             </a:r>
             <a:r>
-              <a:rPr lang="en-US" sz="1600" dirty="0" err="1" smtClean="0">
+              <a:rPr lang="en-US" sz="1600" dirty="0" err="1">
                 <a:latin typeface="Courier New" pitchFamily="49" charset="0"/>
                 <a:cs typeface="Courier New" pitchFamily="49" charset="0"/>
               </a:rPr>
               <a:t>rdm.Next</a:t>
             </a:r>
             <a:r>
-              <a:rPr lang="en-US" sz="1600" dirty="0" smtClean="0">
+              <a:rPr lang="en-US" sz="1600" dirty="0">
                 <a:latin typeface="Courier New" pitchFamily="49" charset="0"/>
                 <a:cs typeface="Courier New" pitchFamily="49" charset="0"/>
               </a:rPr>
               <a:t>();            </a:t>
             </a:r>
             <a:r>
-              <a:rPr lang="en-US" sz="1600" dirty="0" smtClean="0">
+              <a:rPr lang="en-US" sz="1600" dirty="0">
                 <a:solidFill>
                   <a:srgbClr val="008000"/>
                 </a:solidFill>
@@ -9609,7 +9462,7 @@
               <a:defRPr/>
             </a:pPr>
             <a:r>
-              <a:rPr lang="en-US" sz="1600" dirty="0" smtClean="0">
+              <a:rPr lang="en-US" sz="1600" dirty="0">
                 <a:solidFill>
                   <a:srgbClr val="0000FF"/>
                 </a:solidFill>
@@ -9619,28 +9472,28 @@
               <a:t>double</a:t>
             </a:r>
             <a:r>
-              <a:rPr lang="en-US" sz="1600" dirty="0" smtClean="0">
+              <a:rPr lang="en-US" sz="1600" dirty="0">
                 <a:latin typeface="Courier New" pitchFamily="49" charset="0"/>
                 <a:cs typeface="Courier New" pitchFamily="49" charset="0"/>
               </a:rPr>
               <a:t> d = </a:t>
             </a:r>
             <a:r>
-              <a:rPr lang="en-US" sz="1600" dirty="0" err="1" smtClean="0">
+              <a:rPr lang="en-US" sz="1600" dirty="0" err="1">
                 <a:latin typeface="Courier New" pitchFamily="49" charset="0"/>
                 <a:cs typeface="Courier New" pitchFamily="49" charset="0"/>
               </a:rPr>
               <a:t>rdm.NextDouble</a:t>
             </a:r>
             <a:r>
-              <a:rPr lang="en-US" sz="1600" dirty="0" smtClean="0">
+              <a:rPr lang="en-US" sz="1600" dirty="0">
                 <a:latin typeface="Courier New" pitchFamily="49" charset="0"/>
                 <a:cs typeface="Courier New" pitchFamily="49" charset="0"/>
               </a:rPr>
               <a:t>(); </a:t>
             </a:r>
             <a:r>
-              <a:rPr lang="en-US" sz="1600" dirty="0" smtClean="0">
+              <a:rPr lang="en-US" sz="1600" dirty="0">
                 <a:solidFill>
                   <a:srgbClr val="008000"/>
                 </a:solidFill>
@@ -9650,7 +9503,7 @@
               <a:t>// A random double greater or equal</a:t>
             </a:r>
             <a:r>
-              <a:rPr lang="en-US" sz="1600" dirty="0" smtClean="0">
+              <a:rPr lang="en-US" sz="1600" dirty="0">
                 <a:latin typeface="Courier New" pitchFamily="49" charset="0"/>
                 <a:cs typeface="Courier New" pitchFamily="49" charset="0"/>
               </a:rPr>
@@ -9664,14 +9517,14 @@
               <a:defRPr/>
             </a:pPr>
             <a:r>
-              <a:rPr lang="en-US" sz="1600" dirty="0" smtClean="0">
+              <a:rPr lang="en-US" sz="1600" dirty="0">
                 <a:latin typeface="Courier New" pitchFamily="49" charset="0"/>
                 <a:cs typeface="Courier New" pitchFamily="49" charset="0"/>
               </a:rPr>
               <a:t>                           </a:t>
             </a:r>
             <a:r>
-              <a:rPr lang="en-US" sz="1600" dirty="0" smtClean="0">
+              <a:rPr lang="en-US" sz="1600" dirty="0">
                 <a:solidFill>
                   <a:srgbClr val="008000"/>
                 </a:solidFill>
@@ -9688,7 +9541,7 @@
               <a:defRPr/>
             </a:pPr>
             <a:r>
-              <a:rPr lang="en-US" sz="1600" dirty="0" smtClean="0">
+              <a:rPr lang="en-US" sz="1600" dirty="0">
                 <a:solidFill>
                   <a:srgbClr val="0000FF"/>
                 </a:solidFill>
@@ -9698,14 +9551,14 @@
               <a:t>byte</a:t>
             </a:r>
             <a:r>
-              <a:rPr lang="en-US" sz="1600" dirty="0" smtClean="0">
+              <a:rPr lang="en-US" sz="1600" dirty="0">
                 <a:latin typeface="Courier New" pitchFamily="49" charset="0"/>
                 <a:cs typeface="Courier New" pitchFamily="49" charset="0"/>
               </a:rPr>
               <a:t>[] bar = </a:t>
             </a:r>
             <a:r>
-              <a:rPr lang="en-US" sz="1600" dirty="0" smtClean="0">
+              <a:rPr lang="en-US" sz="1600" dirty="0">
                 <a:solidFill>
                   <a:srgbClr val="0000FF"/>
                 </a:solidFill>
@@ -9715,7 +9568,7 @@
               <a:t>new byte</a:t>
             </a:r>
             <a:r>
-              <a:rPr lang="en-US" sz="1600" dirty="0" smtClean="0">
+              <a:rPr lang="en-US" sz="1600" dirty="0">
                 <a:latin typeface="Courier New" pitchFamily="49" charset="0"/>
                 <a:cs typeface="Courier New" pitchFamily="49" charset="0"/>
               </a:rPr>
@@ -9729,21 +9582,21 @@
               <a:defRPr/>
             </a:pPr>
             <a:r>
-              <a:rPr lang="en-US" sz="1600" dirty="0" err="1" smtClean="0">
+              <a:rPr lang="en-US" sz="1600" dirty="0" err="1">
                 <a:latin typeface="Courier New" pitchFamily="49" charset="0"/>
                 <a:cs typeface="Courier New" pitchFamily="49" charset="0"/>
               </a:rPr>
               <a:t>rdm.NextBytes</a:t>
             </a:r>
             <a:r>
-              <a:rPr lang="en-US" sz="1600" dirty="0" smtClean="0">
+              <a:rPr lang="en-US" sz="1600" dirty="0">
                 <a:latin typeface="Courier New" pitchFamily="49" charset="0"/>
                 <a:cs typeface="Courier New" pitchFamily="49" charset="0"/>
               </a:rPr>
               <a:t>(bar);        </a:t>
             </a:r>
             <a:r>
-              <a:rPr lang="en-US" sz="1600" dirty="0" smtClean="0">
+              <a:rPr lang="en-US" sz="1600" dirty="0">
                 <a:solidFill>
                   <a:srgbClr val="008000"/>
                 </a:solidFill>
@@ -9759,7 +9612,7 @@
               <a:buNone/>
               <a:defRPr/>
             </a:pPr>
-            <a:endParaRPr lang="en-US" sz="1600" dirty="0" smtClean="0">
+            <a:endParaRPr lang="en-US" sz="1600" dirty="0">
               <a:latin typeface="Courier New" pitchFamily="49" charset="0"/>
               <a:cs typeface="Courier New" pitchFamily="49" charset="0"/>
             </a:endParaRPr>
@@ -9776,13 +9629,6 @@
   <p:clrMapOvr>
     <a:masterClrMapping/>
   </p:clrMapOvr>
-  <p:timing>
-    <p:tnLst>
-      <p:par>
-        <p:cTn id="1" dur="indefinite" restart="never" nodeType="tmRoot"/>
-      </p:par>
-    </p:tnLst>
-  </p:timing>
 </p:sld>
 </file>
 
@@ -9824,7 +9670,7 @@
           <a:lstStyle/>
           <a:p>
             <a:r>
-              <a:rPr lang="en-US" dirty="0" smtClean="0">
+              <a:rPr lang="en-US" dirty="0">
                 <a:solidFill>
                   <a:srgbClr val="C00000"/>
                 </a:solidFill>
@@ -9857,7 +9703,7 @@
               <a:defRPr/>
             </a:pPr>
             <a:r>
-              <a:rPr lang="en-US" sz="2000" dirty="0" smtClean="0">
+              <a:rPr lang="en-US" sz="2000" dirty="0">
                 <a:solidFill>
                   <a:srgbClr val="008000"/>
                 </a:solidFill>
@@ -9874,7 +9720,7 @@
               <a:defRPr/>
             </a:pPr>
             <a:r>
-              <a:rPr lang="en-US" sz="2000" dirty="0" err="1" smtClean="0">
+              <a:rPr lang="en-US" sz="2000" dirty="0" err="1">
                 <a:solidFill>
                   <a:srgbClr val="0000FF"/>
                 </a:solidFill>
@@ -9884,14 +9730,14 @@
               <a:t>enum</a:t>
             </a:r>
             <a:r>
-              <a:rPr lang="en-US" sz="2000" dirty="0" smtClean="0">
+              <a:rPr lang="en-US" sz="2000" dirty="0">
                 <a:latin typeface="Courier New" pitchFamily="49" charset="0"/>
                 <a:cs typeface="Courier New" pitchFamily="49" charset="0"/>
               </a:rPr>
               <a:t> </a:t>
             </a:r>
             <a:r>
-              <a:rPr lang="en-US" sz="2000" dirty="0" err="1" smtClean="0">
+              <a:rPr lang="en-US" sz="2000" dirty="0" err="1">
                 <a:solidFill>
                   <a:schemeClr val="accent5">
                     <a:lumMod val="75000"/>
@@ -9903,7 +9749,7 @@
               <a:t>WorkingDays</a:t>
             </a:r>
             <a:r>
-              <a:rPr lang="en-US" sz="2000" dirty="0" smtClean="0">
+              <a:rPr lang="en-US" sz="2000" dirty="0">
                 <a:latin typeface="Courier New" pitchFamily="49" charset="0"/>
                 <a:cs typeface="Courier New" pitchFamily="49" charset="0"/>
               </a:rPr>
@@ -9917,7 +9763,7 @@
               <a:defRPr/>
             </a:pPr>
             <a:r>
-              <a:rPr lang="en-US" sz="2000" dirty="0" err="1" smtClean="0">
+              <a:rPr lang="en-US" sz="2000" dirty="0" err="1">
                 <a:solidFill>
                   <a:srgbClr val="0000FF"/>
                 </a:solidFill>
@@ -9927,14 +9773,14 @@
               <a:t>int</a:t>
             </a:r>
             <a:r>
-              <a:rPr lang="en-US" sz="2000" dirty="0" smtClean="0">
+              <a:rPr lang="en-US" sz="2000" dirty="0">
                 <a:latin typeface="Courier New" pitchFamily="49" charset="0"/>
                 <a:cs typeface="Courier New" pitchFamily="49" charset="0"/>
               </a:rPr>
               <a:t> i = (</a:t>
             </a:r>
             <a:r>
-              <a:rPr lang="en-US" sz="2000" dirty="0" err="1" smtClean="0">
+              <a:rPr lang="en-US" sz="2000" dirty="0" err="1">
                 <a:solidFill>
                   <a:srgbClr val="0000FF"/>
                 </a:solidFill>
@@ -9944,14 +9790,14 @@
               <a:t>int</a:t>
             </a:r>
             <a:r>
-              <a:rPr lang="en-US" sz="2000" dirty="0" smtClean="0">
+              <a:rPr lang="en-US" sz="2000" dirty="0">
                 <a:latin typeface="Courier New" pitchFamily="49" charset="0"/>
                 <a:cs typeface="Courier New" pitchFamily="49" charset="0"/>
               </a:rPr>
               <a:t>)</a:t>
             </a:r>
             <a:r>
-              <a:rPr lang="en-US" sz="2000" dirty="0" err="1" smtClean="0">
+              <a:rPr lang="en-US" sz="2000" dirty="0" err="1">
                 <a:solidFill>
                   <a:schemeClr val="accent5">
                     <a:lumMod val="75000"/>
@@ -9963,21 +9809,21 @@
               <a:t>WorkingDays</a:t>
             </a:r>
             <a:r>
-              <a:rPr lang="en-US" sz="2000" dirty="0" err="1" smtClean="0">
+              <a:rPr lang="en-US" sz="2000" dirty="0" err="1">
                 <a:latin typeface="Courier New" pitchFamily="49" charset="0"/>
                 <a:cs typeface="Courier New" pitchFamily="49" charset="0"/>
               </a:rPr>
               <a:t>.Monday</a:t>
             </a:r>
             <a:r>
-              <a:rPr lang="en-US" sz="2000" dirty="0" smtClean="0">
+              <a:rPr lang="en-US" sz="2000" dirty="0">
                 <a:latin typeface="Courier New" pitchFamily="49" charset="0"/>
                 <a:cs typeface="Courier New" pitchFamily="49" charset="0"/>
               </a:rPr>
               <a:t>; </a:t>
             </a:r>
             <a:r>
-              <a:rPr lang="en-US" sz="2000" dirty="0" smtClean="0">
+              <a:rPr lang="en-US" sz="2000" dirty="0">
                 <a:solidFill>
                   <a:srgbClr val="008000"/>
                 </a:solidFill>
@@ -9987,7 +9833,7 @@
               <a:t>// </a:t>
             </a:r>
             <a:r>
-              <a:rPr lang="en-US" sz="2000" dirty="0" err="1" smtClean="0">
+              <a:rPr lang="en-US" sz="2000" dirty="0" err="1">
                 <a:solidFill>
                   <a:srgbClr val="008000"/>
                 </a:solidFill>
@@ -9997,7 +9843,7 @@
               <a:t>i</a:t>
             </a:r>
             <a:r>
-              <a:rPr lang="en-US" sz="2000" dirty="0" smtClean="0">
+              <a:rPr lang="en-US" sz="2000" dirty="0">
                 <a:solidFill>
                   <a:srgbClr val="008000"/>
                 </a:solidFill>
@@ -10014,7 +9860,7 @@
               <a:defRPr/>
             </a:pPr>
             <a:r>
-              <a:rPr lang="en-US" sz="2000" dirty="0" smtClean="0">
+              <a:rPr lang="en-US" sz="2000" dirty="0">
                 <a:solidFill>
                   <a:srgbClr val="008000"/>
                 </a:solidFill>
@@ -10031,7 +9877,7 @@
               <a:defRPr/>
             </a:pPr>
             <a:r>
-              <a:rPr lang="en-US" sz="2000" dirty="0" err="1" smtClean="0">
+              <a:rPr lang="en-US" sz="2000" dirty="0" err="1">
                 <a:solidFill>
                   <a:srgbClr val="0000FF"/>
                 </a:solidFill>
@@ -10041,7 +9887,7 @@
               <a:t>enum</a:t>
             </a:r>
             <a:r>
-              <a:rPr lang="en-US" sz="2000" dirty="0" smtClean="0">
+              <a:rPr lang="en-US" sz="2000" dirty="0">
                 <a:latin typeface="Courier New" pitchFamily="49" charset="0"/>
                 <a:cs typeface="Courier New" pitchFamily="49" charset="0"/>
               </a:rPr>
@@ -10064,19 +9910,8 @@
                 <a:latin typeface="Courier New" pitchFamily="49" charset="0"/>
                 <a:cs typeface="Courier New" pitchFamily="49" charset="0"/>
               </a:rPr>
-              <a:t> </a:t>
-            </a:r>
-            <a:r>
-              <a:rPr lang="en-US" sz="2000" dirty="0" smtClean="0">
-                <a:latin typeface="Courier New" pitchFamily="49" charset="0"/>
-                <a:cs typeface="Courier New" pitchFamily="49" charset="0"/>
-              </a:rPr>
-              <a:t>{…, Wednesday = 5, …};</a:t>
-            </a:r>
-            <a:endParaRPr lang="en-US" sz="2000" dirty="0">
-              <a:latin typeface="Courier New" pitchFamily="49" charset="0"/>
-              <a:cs typeface="Courier New" pitchFamily="49" charset="0"/>
-            </a:endParaRPr>
+              <a:t> {…, Wednesday = 5, …};</a:t>
+            </a:r>
           </a:p>
           <a:p>
             <a:pPr marL="0" indent="0">
@@ -10085,7 +9920,7 @@
               <a:defRPr/>
             </a:pPr>
             <a:r>
-              <a:rPr lang="en-US" sz="2000" dirty="0" err="1" smtClean="0">
+              <a:rPr lang="en-US" sz="2000" dirty="0" err="1">
                 <a:solidFill>
                   <a:srgbClr val="0000FF"/>
                 </a:solidFill>
@@ -10095,21 +9930,14 @@
               <a:t>int</a:t>
             </a:r>
             <a:r>
-              <a:rPr lang="en-US" sz="2000" dirty="0" smtClean="0">
-                <a:latin typeface="Courier New" pitchFamily="49" charset="0"/>
-                <a:cs typeface="Courier New" pitchFamily="49" charset="0"/>
-              </a:rPr>
-              <a:t> </a:t>
-            </a:r>
-            <a:r>
               <a:rPr lang="en-US" sz="2000" dirty="0">
                 <a:latin typeface="Courier New" pitchFamily="49" charset="0"/>
                 <a:cs typeface="Courier New" pitchFamily="49" charset="0"/>
               </a:rPr>
-              <a:t>i = (</a:t>
-            </a:r>
-            <a:r>
-              <a:rPr lang="en-US" sz="2000" dirty="0" err="1" smtClean="0">
+              <a:t> i = (</a:t>
+            </a:r>
+            <a:r>
+              <a:rPr lang="en-US" sz="2000" dirty="0" err="1">
                 <a:solidFill>
                   <a:srgbClr val="0000FF"/>
                 </a:solidFill>
@@ -10119,21 +9947,21 @@
               <a:t>int</a:t>
             </a:r>
             <a:r>
-              <a:rPr lang="en-US" sz="2000" dirty="0" smtClean="0">
+              <a:rPr lang="en-US" sz="2000" dirty="0">
                 <a:latin typeface="Courier New" pitchFamily="49" charset="0"/>
                 <a:cs typeface="Courier New" pitchFamily="49" charset="0"/>
               </a:rPr>
               <a:t>)</a:t>
             </a:r>
             <a:r>
-              <a:rPr lang="en-US" sz="2000" dirty="0" err="1" smtClean="0">
+              <a:rPr lang="en-US" sz="2000" dirty="0" err="1">
                 <a:latin typeface="Courier New" pitchFamily="49" charset="0"/>
                 <a:cs typeface="Courier New" pitchFamily="49" charset="0"/>
               </a:rPr>
               <a:t>WorkingDays.Friday</a:t>
             </a:r>
             <a:r>
-              <a:rPr lang="en-US" sz="2000" dirty="0" smtClean="0">
+              <a:rPr lang="en-US" sz="2000" dirty="0">
                 <a:latin typeface="Courier New" pitchFamily="49" charset="0"/>
                 <a:cs typeface="Courier New" pitchFamily="49" charset="0"/>
               </a:rPr>
@@ -10150,7 +9978,7 @@
               <a:t>// </a:t>
             </a:r>
             <a:r>
-              <a:rPr lang="en-US" sz="2000" dirty="0" err="1" smtClean="0">
+              <a:rPr lang="en-US" sz="2000" dirty="0" err="1">
                 <a:solidFill>
                   <a:srgbClr val="008000"/>
                 </a:solidFill>
@@ -10160,7 +9988,7 @@
               <a:t>i</a:t>
             </a:r>
             <a:r>
-              <a:rPr lang="en-US" sz="2000" dirty="0" smtClean="0">
+              <a:rPr lang="en-US" sz="2000" dirty="0">
                 <a:solidFill>
                   <a:srgbClr val="008000"/>
                 </a:solidFill>
@@ -10177,7 +10005,7 @@
               <a:defRPr/>
             </a:pPr>
             <a:r>
-              <a:rPr lang="en-US" sz="2000" dirty="0" smtClean="0">
+              <a:rPr lang="en-US" sz="2000" dirty="0">
                 <a:solidFill>
                   <a:srgbClr val="008000"/>
                 </a:solidFill>
@@ -10194,7 +10022,7 @@
               <a:defRPr/>
             </a:pPr>
             <a:r>
-              <a:rPr lang="en-US" sz="2000" dirty="0" err="1" smtClean="0">
+              <a:rPr lang="en-US" sz="2000" dirty="0" err="1">
                 <a:solidFill>
                   <a:schemeClr val="accent5">
                     <a:lumMod val="75000"/>
@@ -10206,14 +10034,14 @@
               <a:t>WorkingDays</a:t>
             </a:r>
             <a:r>
-              <a:rPr lang="en-US" sz="2000" dirty="0" smtClean="0">
+              <a:rPr lang="en-US" sz="2000" dirty="0">
                 <a:latin typeface="Courier New" pitchFamily="49" charset="0"/>
                 <a:cs typeface="Courier New" pitchFamily="49" charset="0"/>
               </a:rPr>
               <a:t> wd = </a:t>
             </a:r>
             <a:r>
-              <a:rPr lang="en-US" sz="2000" dirty="0" err="1" smtClean="0">
+              <a:rPr lang="en-US" sz="2000" dirty="0" err="1">
                 <a:solidFill>
                   <a:schemeClr val="accent5">
                     <a:lumMod val="75000"/>
@@ -10225,14 +10053,14 @@
               <a:t>WorkingDays</a:t>
             </a:r>
             <a:r>
-              <a:rPr lang="en-US" sz="2000" dirty="0" err="1" smtClean="0">
+              <a:rPr lang="en-US" sz="2000" dirty="0" err="1">
                 <a:latin typeface="Courier New" pitchFamily="49" charset="0"/>
                 <a:cs typeface="Courier New" pitchFamily="49" charset="0"/>
               </a:rPr>
               <a:t>.Tuesday</a:t>
             </a:r>
             <a:r>
-              <a:rPr lang="en-US" sz="2000" dirty="0" smtClean="0">
+              <a:rPr lang="en-US" sz="2000" dirty="0">
                 <a:latin typeface="Courier New" pitchFamily="49" charset="0"/>
                 <a:cs typeface="Courier New" pitchFamily="49" charset="0"/>
               </a:rPr>
@@ -10246,7 +10074,7 @@
               <a:defRPr/>
             </a:pPr>
             <a:r>
-              <a:rPr lang="en-US" sz="2000" dirty="0" smtClean="0">
+              <a:rPr lang="en-US" sz="2000" dirty="0">
                 <a:solidFill>
                   <a:srgbClr val="0000FF"/>
                 </a:solidFill>
@@ -10256,25 +10084,11 @@
               <a:t>switch</a:t>
             </a:r>
             <a:r>
-              <a:rPr lang="en-US" sz="2000" dirty="0" smtClean="0">
-                <a:latin typeface="Courier New" pitchFamily="49" charset="0"/>
-                <a:cs typeface="Courier New" pitchFamily="49" charset="0"/>
-              </a:rPr>
-              <a:t> (</a:t>
-            </a:r>
-            <a:r>
               <a:rPr lang="en-US" sz="2000" dirty="0">
                 <a:latin typeface="Courier New" pitchFamily="49" charset="0"/>
                 <a:cs typeface="Courier New" pitchFamily="49" charset="0"/>
               </a:rPr>
-              <a:t>wd</a:t>
-            </a:r>
-            <a:r>
-              <a:rPr lang="en-US" sz="2000" dirty="0" smtClean="0">
-                <a:latin typeface="Courier New" pitchFamily="49" charset="0"/>
-                <a:cs typeface="Courier New" pitchFamily="49" charset="0"/>
-              </a:rPr>
-              <a:t>){…}</a:t>
+              <a:t> (wd){…}</a:t>
             </a:r>
           </a:p>
           <a:p>
@@ -10284,7 +10098,7 @@
               <a:defRPr/>
             </a:pPr>
             <a:r>
-              <a:rPr lang="en-US" sz="2000" dirty="0" smtClean="0">
+              <a:rPr lang="en-US" sz="2000" dirty="0">
                 <a:solidFill>
                   <a:srgbClr val="0000FF"/>
                 </a:solidFill>
@@ -10294,14 +10108,14 @@
               <a:t>string</a:t>
             </a:r>
             <a:r>
-              <a:rPr lang="en-US" sz="2000" dirty="0" smtClean="0">
+              <a:rPr lang="en-US" sz="2000" dirty="0">
                 <a:latin typeface="Courier New" pitchFamily="49" charset="0"/>
                 <a:cs typeface="Courier New" pitchFamily="49" charset="0"/>
               </a:rPr>
               <a:t> n = </a:t>
             </a:r>
             <a:r>
-              <a:rPr lang="en-US" sz="2000" dirty="0" err="1" smtClean="0">
+              <a:rPr lang="en-US" sz="2000" dirty="0" err="1">
                 <a:solidFill>
                   <a:schemeClr val="accent5">
                     <a:lumMod val="75000"/>
@@ -10313,21 +10127,21 @@
               <a:t>Enum</a:t>
             </a:r>
             <a:r>
-              <a:rPr lang="en-US" sz="2000" dirty="0" err="1" smtClean="0">
+              <a:rPr lang="en-US" sz="2000" dirty="0" err="1">
                 <a:latin typeface="Courier New" pitchFamily="49" charset="0"/>
                 <a:cs typeface="Courier New" pitchFamily="49" charset="0"/>
               </a:rPr>
               <a:t>.GetName</a:t>
             </a:r>
             <a:r>
-              <a:rPr lang="en-US" sz="2000" dirty="0" smtClean="0">
+              <a:rPr lang="en-US" sz="2000" dirty="0">
                 <a:latin typeface="Courier New" pitchFamily="49" charset="0"/>
                 <a:cs typeface="Courier New" pitchFamily="49" charset="0"/>
               </a:rPr>
               <a:t>(</a:t>
             </a:r>
             <a:r>
-              <a:rPr lang="en-US" sz="2000" dirty="0" err="1" smtClean="0">
+              <a:rPr lang="en-US" sz="2000" dirty="0" err="1">
                 <a:solidFill>
                   <a:srgbClr val="0000FF"/>
                 </a:solidFill>
@@ -10337,14 +10151,14 @@
               <a:t>typeof</a:t>
             </a:r>
             <a:r>
-              <a:rPr lang="en-US" sz="2000" dirty="0" smtClean="0">
+              <a:rPr lang="en-US" sz="2000" dirty="0">
                 <a:latin typeface="Courier New" pitchFamily="49" charset="0"/>
                 <a:cs typeface="Courier New" pitchFamily="49" charset="0"/>
               </a:rPr>
               <a:t>(</a:t>
             </a:r>
             <a:r>
-              <a:rPr lang="en-US" sz="2000" dirty="0" err="1" smtClean="0">
+              <a:rPr lang="en-US" sz="2000" dirty="0" err="1">
                 <a:solidFill>
                   <a:schemeClr val="accent5">
                     <a:lumMod val="75000"/>
@@ -10356,7 +10170,7 @@
               <a:t>WorkingDays</a:t>
             </a:r>
             <a:r>
-              <a:rPr lang="en-US" sz="2000" dirty="0" smtClean="0">
+              <a:rPr lang="en-US" sz="2000" dirty="0">
                 <a:latin typeface="Courier New" pitchFamily="49" charset="0"/>
                 <a:cs typeface="Courier New" pitchFamily="49" charset="0"/>
               </a:rPr>
@@ -10370,28 +10184,28 @@
               <a:defRPr/>
             </a:pPr>
             <a:r>
-              <a:rPr lang="en-US" sz="2000" dirty="0" smtClean="0">
+              <a:rPr lang="en-US" sz="2000" dirty="0">
                 <a:latin typeface="Courier New" pitchFamily="49" charset="0"/>
                 <a:cs typeface="Courier New" pitchFamily="49" charset="0"/>
               </a:rPr>
               <a:t>       n = </a:t>
             </a:r>
             <a:r>
-              <a:rPr lang="en-US" sz="2000" dirty="0" err="1" smtClean="0">
+              <a:rPr lang="en-US" sz="2000" dirty="0" err="1">
                 <a:latin typeface="Courier New" pitchFamily="49" charset="0"/>
                 <a:cs typeface="Courier New" pitchFamily="49" charset="0"/>
               </a:rPr>
               <a:t>wd.ToString</a:t>
             </a:r>
             <a:r>
-              <a:rPr lang="en-US" sz="2000" dirty="0" smtClean="0">
+              <a:rPr lang="en-US" sz="2000" dirty="0">
                 <a:latin typeface="Courier New" pitchFamily="49" charset="0"/>
                 <a:cs typeface="Courier New" pitchFamily="49" charset="0"/>
               </a:rPr>
               <a:t>();       </a:t>
             </a:r>
             <a:r>
-              <a:rPr lang="en-US" sz="2000" dirty="0" smtClean="0">
+              <a:rPr lang="en-US" sz="2000" dirty="0">
                 <a:solidFill>
                   <a:srgbClr val="008000"/>
                 </a:solidFill>
@@ -10417,13 +10231,6 @@
   <p:clrMapOvr>
     <a:masterClrMapping/>
   </p:clrMapOvr>
-  <p:timing>
-    <p:tnLst>
-      <p:par>
-        <p:cTn id="1" dur="indefinite" restart="never" nodeType="tmRoot"/>
-      </p:par>
-    </p:tnLst>
-  </p:timing>
 </p:sld>
 </file>
 
@@ -10558,22 +10365,13 @@
               <a:buChar char="§"/>
             </a:pPr>
             <a:r>
-              <a:rPr lang="en-US" sz="2000" dirty="0" smtClean="0">
+              <a:rPr lang="en-US" sz="2000" dirty="0">
                 <a:solidFill>
                   <a:srgbClr val="000000"/>
                 </a:solidFill>
                 <a:latin typeface="Helvetica" panose="020B0604020202020204" pitchFamily="34" charset="0"/>
               </a:rPr>
-              <a:t>Constructs </a:t>
-            </a:r>
-            <a:r>
-              <a:rPr lang="en-US" sz="2000" dirty="0">
-                <a:solidFill>
-                  <a:srgbClr val="000000"/>
-                </a:solidFill>
-                <a:latin typeface="Helvetica" panose="020B0604020202020204" pitchFamily="34" charset="0"/>
-              </a:rPr>
-              <a:t>for Defining Regular Expressions</a:t>
+              <a:t>Constructs for Defining Regular Expressions</a:t>
             </a:r>
           </a:p>
           <a:p>
@@ -10585,16 +10383,10 @@
               <a:buChar char="Ø"/>
             </a:pPr>
             <a:r>
-              <a:rPr lang="en-US" sz="2000" dirty="0" smtClean="0">
-                <a:latin typeface="Helvetica" panose="020B0604020202020204" pitchFamily="34" charset="0"/>
-              </a:rPr>
-              <a:t>Character </a:t>
-            </a:r>
-            <a:r>
               <a:rPr lang="en-US" sz="2000" dirty="0">
                 <a:latin typeface="Helvetica" panose="020B0604020202020204" pitchFamily="34" charset="0"/>
               </a:rPr>
-              <a:t>escapes</a:t>
+              <a:t>Character escapes</a:t>
             </a:r>
           </a:p>
           <a:p>
@@ -10781,7 +10573,7 @@
           <a:p>
             <a:pPr eaLnBrk="1" hangingPunct="1"/>
             <a:r>
-              <a:rPr lang="en-US" dirty="0" smtClean="0">
+              <a:rPr lang="en-US" dirty="0">
                 <a:solidFill>
                   <a:srgbClr val="C00000"/>
                 </a:solidFill>
@@ -10790,7 +10582,7 @@
               </a:rPr>
               <a:t>Using Regular Expression</a:t>
             </a:r>
-            <a:endParaRPr lang="en-US" dirty="0" smtClean="0">
+            <a:endParaRPr lang="en-US" dirty="0">
               <a:latin typeface="Arial" charset="0"/>
               <a:cs typeface="Arial" charset="0"/>
             </a:endParaRPr>
@@ -10823,7 +10615,7 @@
               <a:defRPr/>
             </a:pPr>
             <a:r>
-              <a:rPr lang="en-US" sz="1300" dirty="0" smtClean="0">
+              <a:rPr lang="en-US" sz="1300" dirty="0">
                 <a:solidFill>
                   <a:srgbClr val="0000FF"/>
                 </a:solidFill>
@@ -10833,14 +10625,14 @@
               <a:t>using </a:t>
             </a:r>
             <a:r>
-              <a:rPr lang="en-US" sz="1300" dirty="0" err="1" smtClean="0">
+              <a:rPr lang="en-US" sz="1300" dirty="0" err="1">
                 <a:latin typeface="Courier New" pitchFamily="49" charset="0"/>
                 <a:cs typeface="Courier New" pitchFamily="49" charset="0"/>
               </a:rPr>
               <a:t>System.Text.RegularExpressions</a:t>
             </a:r>
             <a:r>
-              <a:rPr lang="en-US" sz="1300" dirty="0" smtClean="0">
+              <a:rPr lang="en-US" sz="1300" dirty="0">
                 <a:latin typeface="Courier New" pitchFamily="49" charset="0"/>
                 <a:cs typeface="Courier New" pitchFamily="49" charset="0"/>
               </a:rPr>
@@ -10853,7 +10645,7 @@
               <a:buNone/>
               <a:defRPr/>
             </a:pPr>
-            <a:endParaRPr lang="en-US" sz="1300" dirty="0" smtClean="0">
+            <a:endParaRPr lang="en-US" sz="1300" dirty="0">
               <a:latin typeface="Courier New" pitchFamily="49" charset="0"/>
               <a:cs typeface="Courier New" pitchFamily="49" charset="0"/>
             </a:endParaRPr>
@@ -10865,7 +10657,7 @@
               <a:defRPr/>
             </a:pPr>
             <a:r>
-              <a:rPr lang="en-US" sz="1300" dirty="0" smtClean="0">
+              <a:rPr lang="en-US" sz="1300" dirty="0">
                 <a:solidFill>
                   <a:srgbClr val="0000FF"/>
                 </a:solidFill>
@@ -10875,28 +10667,28 @@
               <a:t>string</a:t>
             </a:r>
             <a:r>
-              <a:rPr lang="en-US" sz="1300" dirty="0" smtClean="0">
+              <a:rPr lang="en-US" sz="1300" dirty="0">
                 <a:latin typeface="Courier New" pitchFamily="49" charset="0"/>
                 <a:cs typeface="Courier New" pitchFamily="49" charset="0"/>
               </a:rPr>
               <a:t> </a:t>
             </a:r>
             <a:r>
-              <a:rPr lang="en-US" sz="1300" dirty="0" err="1" smtClean="0">
+              <a:rPr lang="en-US" sz="1300" dirty="0" err="1">
                 <a:latin typeface="Courier New" pitchFamily="49" charset="0"/>
                 <a:cs typeface="Courier New" pitchFamily="49" charset="0"/>
               </a:rPr>
               <a:t>emailpattern</a:t>
             </a:r>
             <a:r>
-              <a:rPr lang="en-US" sz="1300" dirty="0" smtClean="0">
+              <a:rPr lang="en-US" sz="1300" dirty="0">
                 <a:latin typeface="Courier New" pitchFamily="49" charset="0"/>
                 <a:cs typeface="Courier New" pitchFamily="49" charset="0"/>
               </a:rPr>
               <a:t> = </a:t>
             </a:r>
             <a:r>
-              <a:rPr lang="en-US" sz="1300" dirty="0" smtClean="0">
+              <a:rPr lang="en-US" sz="1300" dirty="0">
                 <a:solidFill>
                   <a:srgbClr val="C00000"/>
                 </a:solidFill>
@@ -10906,13 +10698,13 @@
               <a:t>@"\w+(.\w+)*@\w+.(\w{2,})(.\w{2,})*"</a:t>
             </a:r>
             <a:r>
-              <a:rPr lang="en-US" sz="1300" dirty="0" smtClean="0">
+              <a:rPr lang="en-US" sz="1300" dirty="0">
                 <a:latin typeface="Courier New" pitchFamily="49" charset="0"/>
                 <a:cs typeface="Courier New" pitchFamily="49" charset="0"/>
               </a:rPr>
               <a:t>;</a:t>
             </a:r>
-            <a:endParaRPr lang="en-US" sz="1300" dirty="0" smtClean="0">
+            <a:endParaRPr lang="en-US" sz="1300" dirty="0">
               <a:solidFill>
                 <a:srgbClr val="C00000"/>
               </a:solidFill>
@@ -10927,7 +10719,7 @@
               <a:defRPr/>
             </a:pPr>
             <a:r>
-              <a:rPr lang="en-US" sz="1300" dirty="0" err="1" smtClean="0">
+              <a:rPr lang="en-US" sz="1300" dirty="0" err="1">
                 <a:solidFill>
                   <a:schemeClr val="accent5">
                     <a:lumMod val="75000"/>
@@ -10939,28 +10731,28 @@
               <a:t>Regex</a:t>
             </a:r>
             <a:r>
-              <a:rPr lang="en-US" sz="1300" dirty="0" smtClean="0">
+              <a:rPr lang="en-US" sz="1300" dirty="0">
                 <a:latin typeface="Courier New" pitchFamily="49" charset="0"/>
                 <a:cs typeface="Courier New" pitchFamily="49" charset="0"/>
               </a:rPr>
               <a:t> </a:t>
             </a:r>
             <a:r>
-              <a:rPr lang="en-US" sz="1300" dirty="0" err="1" smtClean="0">
+              <a:rPr lang="en-US" sz="1300" dirty="0" err="1">
                 <a:latin typeface="Courier New" pitchFamily="49" charset="0"/>
                 <a:cs typeface="Courier New" pitchFamily="49" charset="0"/>
               </a:rPr>
               <a:t>regx</a:t>
             </a:r>
             <a:r>
-              <a:rPr lang="en-US" sz="1300" dirty="0" smtClean="0">
+              <a:rPr lang="en-US" sz="1300" dirty="0">
                 <a:latin typeface="Courier New" pitchFamily="49" charset="0"/>
                 <a:cs typeface="Courier New" pitchFamily="49" charset="0"/>
               </a:rPr>
               <a:t> = </a:t>
             </a:r>
             <a:r>
-              <a:rPr lang="en-US" sz="1300" dirty="0" smtClean="0">
+              <a:rPr lang="en-US" sz="1300" dirty="0">
                 <a:solidFill>
                   <a:srgbClr val="0000FF"/>
                 </a:solidFill>
@@ -10970,14 +10762,14 @@
               <a:t>new</a:t>
             </a:r>
             <a:r>
-              <a:rPr lang="en-US" sz="1300" dirty="0" smtClean="0">
+              <a:rPr lang="en-US" sz="1300" dirty="0">
                 <a:latin typeface="Courier New" pitchFamily="49" charset="0"/>
                 <a:cs typeface="Courier New" pitchFamily="49" charset="0"/>
               </a:rPr>
               <a:t> </a:t>
             </a:r>
             <a:r>
-              <a:rPr lang="en-US" sz="1300" dirty="0" err="1" smtClean="0">
+              <a:rPr lang="en-US" sz="1300" dirty="0" err="1">
                 <a:solidFill>
                   <a:schemeClr val="accent5">
                     <a:lumMod val="75000"/>
@@ -10989,21 +10781,21 @@
               <a:t>Regex</a:t>
             </a:r>
             <a:r>
-              <a:rPr lang="en-US" sz="1300" dirty="0" smtClean="0">
+              <a:rPr lang="en-US" sz="1300" dirty="0">
                 <a:latin typeface="Courier New" pitchFamily="49" charset="0"/>
                 <a:cs typeface="Courier New" pitchFamily="49" charset="0"/>
               </a:rPr>
               <a:t>(</a:t>
             </a:r>
             <a:r>
-              <a:rPr lang="en-US" sz="1300" dirty="0" err="1" smtClean="0">
+              <a:rPr lang="en-US" sz="1300" dirty="0" err="1">
                 <a:latin typeface="Courier New" pitchFamily="49" charset="0"/>
                 <a:cs typeface="Courier New" pitchFamily="49" charset="0"/>
               </a:rPr>
               <a:t>emailpattern</a:t>
             </a:r>
             <a:r>
-              <a:rPr lang="en-US" sz="1300" dirty="0" smtClean="0">
+              <a:rPr lang="en-US" sz="1300" dirty="0">
                 <a:latin typeface="Courier New" pitchFamily="49" charset="0"/>
                 <a:cs typeface="Courier New" pitchFamily="49" charset="0"/>
               </a:rPr>
@@ -11016,7 +10808,7 @@
               <a:buNone/>
               <a:defRPr/>
             </a:pPr>
-            <a:endParaRPr lang="en-US" sz="1300" dirty="0" smtClean="0">
+            <a:endParaRPr lang="en-US" sz="1300" dirty="0">
               <a:solidFill>
                 <a:srgbClr val="0000FF"/>
               </a:solidFill>
@@ -11031,7 +10823,7 @@
               <a:defRPr/>
             </a:pPr>
             <a:r>
-              <a:rPr lang="en-US" sz="1300" dirty="0" smtClean="0">
+              <a:rPr lang="en-US" sz="1300" dirty="0">
                 <a:solidFill>
                   <a:srgbClr val="0000FF"/>
                 </a:solidFill>
@@ -11041,14 +10833,14 @@
               <a:t>string</a:t>
             </a:r>
             <a:r>
-              <a:rPr lang="en-US" sz="1300" dirty="0" smtClean="0">
+              <a:rPr lang="en-US" sz="1300" dirty="0">
                 <a:latin typeface="Courier New" pitchFamily="49" charset="0"/>
                 <a:cs typeface="Courier New" pitchFamily="49" charset="0"/>
               </a:rPr>
               <a:t> email = </a:t>
             </a:r>
             <a:r>
-              <a:rPr lang="en-US" sz="1300" dirty="0" smtClean="0">
+              <a:rPr lang="en-US" sz="1300" dirty="0">
                 <a:solidFill>
                   <a:srgbClr val="C00000"/>
                 </a:solidFill>
@@ -11058,7 +10850,7 @@
               <a:t>"fwa.ctc@fsoft.com.vn"</a:t>
             </a:r>
             <a:r>
-              <a:rPr lang="en-US" sz="1300" dirty="0" smtClean="0">
+              <a:rPr lang="en-US" sz="1300" dirty="0">
                 <a:latin typeface="Courier New" pitchFamily="49" charset="0"/>
                 <a:cs typeface="Courier New" pitchFamily="49" charset="0"/>
               </a:rPr>
@@ -11072,7 +10864,7 @@
               <a:defRPr/>
             </a:pPr>
             <a:r>
-              <a:rPr lang="en-US" sz="1300" dirty="0" err="1" smtClean="0">
+              <a:rPr lang="en-US" sz="1300" dirty="0" err="1">
                 <a:solidFill>
                   <a:srgbClr val="0000FF"/>
                 </a:solidFill>
@@ -11082,28 +10874,28 @@
               <a:t>bool</a:t>
             </a:r>
             <a:r>
-              <a:rPr lang="en-US" sz="1300" dirty="0" smtClean="0">
+              <a:rPr lang="en-US" sz="1300" dirty="0">
                 <a:latin typeface="Courier New" pitchFamily="49" charset="0"/>
                 <a:cs typeface="Courier New" pitchFamily="49" charset="0"/>
               </a:rPr>
               <a:t> b = </a:t>
             </a:r>
             <a:r>
-              <a:rPr lang="en-US" sz="1300" dirty="0" err="1" smtClean="0">
+              <a:rPr lang="en-US" sz="1300" dirty="0" err="1">
                 <a:latin typeface="Courier New" pitchFamily="49" charset="0"/>
                 <a:cs typeface="Courier New" pitchFamily="49" charset="0"/>
               </a:rPr>
               <a:t>regx.IsMatch</a:t>
             </a:r>
             <a:r>
-              <a:rPr lang="en-US" sz="1300" dirty="0" smtClean="0">
+              <a:rPr lang="en-US" sz="1300" dirty="0">
                 <a:latin typeface="Courier New" pitchFamily="49" charset="0"/>
                 <a:cs typeface="Courier New" pitchFamily="49" charset="0"/>
               </a:rPr>
               <a:t>(email);   </a:t>
             </a:r>
             <a:r>
-              <a:rPr lang="en-US" sz="1300" dirty="0" smtClean="0">
+              <a:rPr lang="en-US" sz="1300" dirty="0">
                 <a:solidFill>
                   <a:srgbClr val="008000"/>
                 </a:solidFill>
@@ -11120,7 +10912,7 @@
               <a:defRPr/>
             </a:pPr>
             <a:r>
-              <a:rPr lang="en-US" sz="1300" dirty="0" smtClean="0">
+              <a:rPr lang="en-US" sz="1300" dirty="0">
                 <a:solidFill>
                   <a:schemeClr val="accent5">
                     <a:lumMod val="75000"/>
@@ -11132,28 +10924,28 @@
               <a:t>Match</a:t>
             </a:r>
             <a:r>
-              <a:rPr lang="en-US" sz="1300" dirty="0" smtClean="0">
+              <a:rPr lang="en-US" sz="1300" dirty="0">
                 <a:latin typeface="Courier New" pitchFamily="49" charset="0"/>
                 <a:cs typeface="Courier New" pitchFamily="49" charset="0"/>
               </a:rPr>
               <a:t> m = </a:t>
             </a:r>
             <a:r>
-              <a:rPr lang="en-US" sz="1300" dirty="0" err="1" smtClean="0">
+              <a:rPr lang="en-US" sz="1300" dirty="0" err="1">
                 <a:latin typeface="Courier New" pitchFamily="49" charset="0"/>
                 <a:cs typeface="Courier New" pitchFamily="49" charset="0"/>
               </a:rPr>
               <a:t>regx.Match</a:t>
             </a:r>
             <a:r>
-              <a:rPr lang="en-US" sz="1300" dirty="0" smtClean="0">
+              <a:rPr lang="en-US" sz="1300" dirty="0">
                 <a:latin typeface="Courier New" pitchFamily="49" charset="0"/>
                 <a:cs typeface="Courier New" pitchFamily="49" charset="0"/>
               </a:rPr>
               <a:t>(email);    </a:t>
             </a:r>
             <a:r>
-              <a:rPr lang="en-US" sz="1300" dirty="0" smtClean="0">
+              <a:rPr lang="en-US" sz="1300" dirty="0">
                 <a:solidFill>
                   <a:srgbClr val="008000"/>
                 </a:solidFill>
@@ -11170,28 +10962,28 @@
               <a:defRPr/>
             </a:pPr>
             <a:r>
-              <a:rPr lang="en-US" sz="1300" dirty="0" smtClean="0">
+              <a:rPr lang="en-US" sz="1300" dirty="0">
                 <a:latin typeface="Courier New" pitchFamily="49" charset="0"/>
                 <a:cs typeface="Courier New" pitchFamily="49" charset="0"/>
               </a:rPr>
               <a:t>b = </a:t>
             </a:r>
             <a:r>
-              <a:rPr lang="en-US" sz="1300" dirty="0" err="1" smtClean="0">
+              <a:rPr lang="en-US" sz="1300" dirty="0" err="1">
                 <a:latin typeface="Courier New" pitchFamily="49" charset="0"/>
                 <a:cs typeface="Courier New" pitchFamily="49" charset="0"/>
               </a:rPr>
               <a:t>m.Success</a:t>
             </a:r>
             <a:r>
-              <a:rPr lang="en-US" sz="1300" dirty="0" smtClean="0">
+              <a:rPr lang="en-US" sz="1300" dirty="0">
                 <a:latin typeface="Courier New" pitchFamily="49" charset="0"/>
                 <a:cs typeface="Courier New" pitchFamily="49" charset="0"/>
               </a:rPr>
               <a:t>;                  </a:t>
             </a:r>
             <a:r>
-              <a:rPr lang="en-US" sz="1300" dirty="0" smtClean="0">
+              <a:rPr lang="en-US" sz="1300" dirty="0">
                 <a:solidFill>
                   <a:srgbClr val="008000"/>
                 </a:solidFill>
@@ -11208,7 +11000,7 @@
               <a:defRPr/>
             </a:pPr>
             <a:r>
-              <a:rPr lang="en-US" sz="1300" dirty="0" err="1" smtClean="0">
+              <a:rPr lang="en-US" sz="1300" dirty="0" err="1">
                 <a:solidFill>
                   <a:srgbClr val="0000FF"/>
                 </a:solidFill>
@@ -11218,42 +11010,42 @@
               <a:t>int</a:t>
             </a:r>
             <a:r>
-              <a:rPr lang="en-US" sz="1300" dirty="0" smtClean="0">
+              <a:rPr lang="en-US" sz="1300" dirty="0">
                 <a:latin typeface="Courier New" pitchFamily="49" charset="0"/>
                 <a:cs typeface="Courier New" pitchFamily="49" charset="0"/>
               </a:rPr>
               <a:t> </a:t>
             </a:r>
             <a:r>
-              <a:rPr lang="en-US" sz="1300" dirty="0" err="1" smtClean="0">
+              <a:rPr lang="en-US" sz="1300" dirty="0" err="1">
                 <a:latin typeface="Courier New" pitchFamily="49" charset="0"/>
                 <a:cs typeface="Courier New" pitchFamily="49" charset="0"/>
               </a:rPr>
               <a:t>i</a:t>
             </a:r>
             <a:r>
-              <a:rPr lang="en-US" sz="1300" dirty="0" smtClean="0">
+              <a:rPr lang="en-US" sz="1300" dirty="0">
                 <a:latin typeface="Courier New" pitchFamily="49" charset="0"/>
                 <a:cs typeface="Courier New" pitchFamily="49" charset="0"/>
               </a:rPr>
               <a:t> = </a:t>
             </a:r>
             <a:r>
-              <a:rPr lang="en-US" sz="1300" dirty="0" err="1" smtClean="0">
+              <a:rPr lang="en-US" sz="1300" dirty="0" err="1">
                 <a:latin typeface="Courier New" pitchFamily="49" charset="0"/>
                 <a:cs typeface="Courier New" pitchFamily="49" charset="0"/>
               </a:rPr>
               <a:t>m.Index</a:t>
             </a:r>
             <a:r>
-              <a:rPr lang="en-US" sz="1300" dirty="0" smtClean="0">
+              <a:rPr lang="en-US" sz="1300" dirty="0">
                 <a:latin typeface="Courier New" pitchFamily="49" charset="0"/>
                 <a:cs typeface="Courier New" pitchFamily="49" charset="0"/>
               </a:rPr>
               <a:t>;              </a:t>
             </a:r>
             <a:r>
-              <a:rPr lang="en-US" sz="1300" dirty="0" smtClean="0">
+              <a:rPr lang="en-US" sz="1300" dirty="0">
                 <a:solidFill>
                   <a:srgbClr val="008000"/>
                 </a:solidFill>
@@ -11263,7 +11055,7 @@
               <a:t>// the position of the 1</a:t>
             </a:r>
             <a:r>
-              <a:rPr lang="en-US" sz="1300" baseline="30000" dirty="0" smtClean="0">
+              <a:rPr lang="en-US" sz="1300" baseline="30000" dirty="0">
                 <a:solidFill>
                   <a:srgbClr val="008000"/>
                 </a:solidFill>
@@ -11273,7 +11065,7 @@
               <a:t>st</a:t>
             </a:r>
             <a:r>
-              <a:rPr lang="en-US" sz="1300" dirty="0" smtClean="0">
+              <a:rPr lang="en-US" sz="1300" dirty="0">
                 <a:solidFill>
                   <a:srgbClr val="008000"/>
                 </a:solidFill>
@@ -11290,7 +11082,7 @@
               <a:defRPr/>
             </a:pPr>
             <a:r>
-              <a:rPr lang="en-US" sz="1300" dirty="0" smtClean="0">
+              <a:rPr lang="en-US" sz="1300" dirty="0">
                 <a:solidFill>
                   <a:srgbClr val="0000FF"/>
                 </a:solidFill>
@@ -11300,42 +11092,42 @@
               <a:t>string</a:t>
             </a:r>
             <a:r>
-              <a:rPr lang="en-US" sz="1300" dirty="0" smtClean="0">
+              <a:rPr lang="en-US" sz="1300" dirty="0">
                 <a:latin typeface="Courier New" pitchFamily="49" charset="0"/>
                 <a:cs typeface="Courier New" pitchFamily="49" charset="0"/>
               </a:rPr>
               <a:t> </a:t>
             </a:r>
             <a:r>
-              <a:rPr lang="en-US" sz="1300" dirty="0" err="1" smtClean="0">
+              <a:rPr lang="en-US" sz="1300" dirty="0" err="1">
                 <a:latin typeface="Courier New" pitchFamily="49" charset="0"/>
                 <a:cs typeface="Courier New" pitchFamily="49" charset="0"/>
               </a:rPr>
               <a:t>textfound</a:t>
             </a:r>
             <a:r>
-              <a:rPr lang="en-US" sz="1300" dirty="0" smtClean="0">
+              <a:rPr lang="en-US" sz="1300" dirty="0">
                 <a:latin typeface="Courier New" pitchFamily="49" charset="0"/>
                 <a:cs typeface="Courier New" pitchFamily="49" charset="0"/>
               </a:rPr>
               <a:t> = </a:t>
             </a:r>
             <a:r>
-              <a:rPr lang="en-US" sz="1300" dirty="0" err="1" smtClean="0">
+              <a:rPr lang="en-US" sz="1300" dirty="0" err="1">
                 <a:latin typeface="Courier New" pitchFamily="49" charset="0"/>
                 <a:cs typeface="Courier New" pitchFamily="49" charset="0"/>
               </a:rPr>
               <a:t>m.Value</a:t>
             </a:r>
             <a:r>
-              <a:rPr lang="en-US" sz="1300" dirty="0" smtClean="0">
+              <a:rPr lang="en-US" sz="1300" dirty="0">
                 <a:latin typeface="Courier New" pitchFamily="49" charset="0"/>
                 <a:cs typeface="Courier New" pitchFamily="49" charset="0"/>
               </a:rPr>
               <a:t>;     </a:t>
             </a:r>
             <a:r>
-              <a:rPr lang="en-US" sz="1300" dirty="0" smtClean="0">
+              <a:rPr lang="en-US" sz="1300" dirty="0">
                 <a:solidFill>
                   <a:srgbClr val="008000"/>
                 </a:solidFill>
@@ -11351,7 +11143,7 @@
               <a:buNone/>
               <a:defRPr/>
             </a:pPr>
-            <a:endParaRPr lang="en-US" sz="1300" dirty="0" smtClean="0">
+            <a:endParaRPr lang="en-US" sz="1300" dirty="0">
               <a:latin typeface="Courier New" pitchFamily="49" charset="0"/>
               <a:cs typeface="Courier New" pitchFamily="49" charset="0"/>
             </a:endParaRPr>
@@ -11363,14 +11155,14 @@
               <a:defRPr/>
             </a:pPr>
             <a:r>
-              <a:rPr lang="en-US" sz="1300" dirty="0" smtClean="0">
+              <a:rPr lang="en-US" sz="1300" dirty="0">
                 <a:latin typeface="Courier New" pitchFamily="49" charset="0"/>
                 <a:cs typeface="Courier New" pitchFamily="49" charset="0"/>
               </a:rPr>
               <a:t>email = </a:t>
             </a:r>
             <a:r>
-              <a:rPr lang="en-US" sz="1300" dirty="0" smtClean="0">
+              <a:rPr lang="en-US" sz="1300" dirty="0">
                 <a:solidFill>
                   <a:srgbClr val="C00000"/>
                 </a:solidFill>
@@ -11380,7 +11172,7 @@
               <a:t>"fwa@fsoft.com.vn, fpt@fsoft.com.vn"</a:t>
             </a:r>
             <a:r>
-              <a:rPr lang="en-US" sz="1300" dirty="0" smtClean="0">
+              <a:rPr lang="en-US" sz="1300" dirty="0">
                 <a:latin typeface="Courier New" pitchFamily="49" charset="0"/>
                 <a:cs typeface="Courier New" pitchFamily="49" charset="0"/>
               </a:rPr>
@@ -11394,7 +11186,7 @@
               <a:defRPr/>
             </a:pPr>
             <a:r>
-              <a:rPr lang="en-US" sz="1300" dirty="0" err="1" smtClean="0">
+              <a:rPr lang="en-US" sz="1300" dirty="0" err="1">
                 <a:solidFill>
                   <a:schemeClr val="accent5">
                     <a:lumMod val="75000"/>
@@ -11406,28 +11198,28 @@
               <a:t>MatchCollection</a:t>
             </a:r>
             <a:r>
-              <a:rPr lang="en-US" sz="1300" dirty="0" smtClean="0">
+              <a:rPr lang="en-US" sz="1300" dirty="0">
                 <a:latin typeface="Courier New" pitchFamily="49" charset="0"/>
                 <a:cs typeface="Courier New" pitchFamily="49" charset="0"/>
               </a:rPr>
               <a:t> ms = </a:t>
             </a:r>
             <a:r>
-              <a:rPr lang="en-US" sz="1300" dirty="0" err="1" smtClean="0">
+              <a:rPr lang="en-US" sz="1300" dirty="0" err="1">
                 <a:latin typeface="Courier New" pitchFamily="49" charset="0"/>
                 <a:cs typeface="Courier New" pitchFamily="49" charset="0"/>
               </a:rPr>
               <a:t>regx.Matches</a:t>
             </a:r>
             <a:r>
-              <a:rPr lang="en-US" sz="1300" dirty="0" smtClean="0">
+              <a:rPr lang="en-US" sz="1300" dirty="0">
                 <a:latin typeface="Courier New" pitchFamily="49" charset="0"/>
                 <a:cs typeface="Courier New" pitchFamily="49" charset="0"/>
               </a:rPr>
               <a:t>(email); </a:t>
             </a:r>
             <a:r>
-              <a:rPr lang="en-US" sz="1300" dirty="0" smtClean="0">
+              <a:rPr lang="en-US" sz="1300" dirty="0">
                 <a:solidFill>
                   <a:srgbClr val="008000"/>
                 </a:solidFill>
@@ -11444,7 +11236,7 @@
               <a:defRPr/>
             </a:pPr>
             <a:r>
-              <a:rPr lang="en-US" sz="1300" dirty="0" err="1" smtClean="0">
+              <a:rPr lang="en-US" sz="1300" dirty="0" err="1">
                 <a:solidFill>
                   <a:srgbClr val="0000FF"/>
                 </a:solidFill>
@@ -11454,14 +11246,14 @@
               <a:t>foreach</a:t>
             </a:r>
             <a:r>
-              <a:rPr lang="en-US" sz="1300" dirty="0" smtClean="0">
+              <a:rPr lang="en-US" sz="1300" dirty="0">
                 <a:latin typeface="Courier New" pitchFamily="49" charset="0"/>
                 <a:cs typeface="Courier New" pitchFamily="49" charset="0"/>
               </a:rPr>
               <a:t> (</a:t>
             </a:r>
             <a:r>
-              <a:rPr lang="en-US" sz="1300" dirty="0" smtClean="0">
+              <a:rPr lang="en-US" sz="1300" dirty="0">
                 <a:solidFill>
                   <a:schemeClr val="accent5">
                     <a:lumMod val="75000"/>
@@ -11473,14 +11265,14 @@
               <a:t>Match</a:t>
             </a:r>
             <a:r>
-              <a:rPr lang="en-US" sz="1300" dirty="0" smtClean="0">
+              <a:rPr lang="en-US" sz="1300" dirty="0">
                 <a:latin typeface="Courier New" pitchFamily="49" charset="0"/>
                 <a:cs typeface="Courier New" pitchFamily="49" charset="0"/>
               </a:rPr>
               <a:t> m1 </a:t>
             </a:r>
             <a:r>
-              <a:rPr lang="en-US" sz="1300" dirty="0" smtClean="0">
+              <a:rPr lang="en-US" sz="1300" dirty="0">
                 <a:solidFill>
                   <a:srgbClr val="0000FF"/>
                 </a:solidFill>
@@ -11490,7 +11282,7 @@
               <a:t>in</a:t>
             </a:r>
             <a:r>
-              <a:rPr lang="en-US" sz="1300" dirty="0" smtClean="0">
+              <a:rPr lang="en-US" sz="1300" dirty="0">
                 <a:latin typeface="Courier New" pitchFamily="49" charset="0"/>
                 <a:cs typeface="Courier New" pitchFamily="49" charset="0"/>
               </a:rPr>
@@ -11504,28 +11296,28 @@
               <a:defRPr/>
             </a:pPr>
             <a:r>
-              <a:rPr lang="en-US" sz="1300" dirty="0" smtClean="0">
+              <a:rPr lang="en-US" sz="1300" dirty="0">
                 <a:latin typeface="Courier New" pitchFamily="49" charset="0"/>
                 <a:cs typeface="Courier New" pitchFamily="49" charset="0"/>
               </a:rPr>
               <a:t>   </a:t>
             </a:r>
             <a:r>
-              <a:rPr lang="en-US" sz="1300" dirty="0" err="1" smtClean="0">
+              <a:rPr lang="en-US" sz="1300" dirty="0" err="1">
                 <a:latin typeface="Courier New" pitchFamily="49" charset="0"/>
                 <a:cs typeface="Courier New" pitchFamily="49" charset="0"/>
               </a:rPr>
               <a:t>i</a:t>
             </a:r>
             <a:r>
-              <a:rPr lang="en-US" sz="1300" dirty="0" smtClean="0">
+              <a:rPr lang="en-US" sz="1300" dirty="0">
                 <a:latin typeface="Courier New" pitchFamily="49" charset="0"/>
                 <a:cs typeface="Courier New" pitchFamily="49" charset="0"/>
               </a:rPr>
               <a:t>         = m1.Index;        </a:t>
             </a:r>
             <a:r>
-              <a:rPr lang="en-US" sz="1300" dirty="0" smtClean="0">
+              <a:rPr lang="en-US" sz="1300" dirty="0">
                 <a:solidFill>
                   <a:srgbClr val="008000"/>
                 </a:solidFill>
@@ -11542,28 +11334,28 @@
               <a:defRPr/>
             </a:pPr>
             <a:r>
-              <a:rPr lang="en-US" sz="1300" dirty="0" smtClean="0">
+              <a:rPr lang="en-US" sz="1300" dirty="0">
                 <a:latin typeface="Courier New" pitchFamily="49" charset="0"/>
                 <a:cs typeface="Courier New" pitchFamily="49" charset="0"/>
               </a:rPr>
               <a:t>   </a:t>
             </a:r>
             <a:r>
-              <a:rPr lang="en-US" sz="1300" dirty="0" err="1" smtClean="0">
+              <a:rPr lang="en-US" sz="1300" dirty="0" err="1">
                 <a:latin typeface="Courier New" pitchFamily="49" charset="0"/>
                 <a:cs typeface="Courier New" pitchFamily="49" charset="0"/>
               </a:rPr>
               <a:t>textfound</a:t>
             </a:r>
             <a:r>
-              <a:rPr lang="en-US" sz="1300" dirty="0" smtClean="0">
+              <a:rPr lang="en-US" sz="1300" dirty="0">
                 <a:latin typeface="Courier New" pitchFamily="49" charset="0"/>
                 <a:cs typeface="Courier New" pitchFamily="49" charset="0"/>
               </a:rPr>
               <a:t> = m1.Value;        </a:t>
             </a:r>
             <a:r>
-              <a:rPr lang="en-US" sz="1300" dirty="0" smtClean="0">
+              <a:rPr lang="en-US" sz="1300" dirty="0">
                 <a:solidFill>
                   <a:srgbClr val="008000"/>
                 </a:solidFill>
@@ -11580,7 +11372,7 @@
               <a:defRPr/>
             </a:pPr>
             <a:r>
-              <a:rPr lang="en-US" sz="1300" dirty="0" smtClean="0">
+              <a:rPr lang="en-US" sz="1300" dirty="0">
                 <a:solidFill>
                   <a:srgbClr val="008000"/>
                 </a:solidFill>
@@ -11597,7 +11389,7 @@
               <a:defRPr/>
             </a:pPr>
             <a:r>
-              <a:rPr lang="en-US" sz="1300" dirty="0" smtClean="0">
+              <a:rPr lang="en-US" sz="1300" dirty="0">
                 <a:latin typeface="Courier New" pitchFamily="49" charset="0"/>
                 <a:cs typeface="Courier New" pitchFamily="49" charset="0"/>
               </a:rPr>
@@ -11815,7 +11607,7 @@
               <a:buNone/>
               <a:defRPr/>
             </a:pPr>
-            <a:endParaRPr lang="en-US" sz="1300" dirty="0" smtClean="0">
+            <a:endParaRPr lang="en-US" sz="1300" dirty="0">
               <a:latin typeface="Courier New" pitchFamily="49" charset="0"/>
               <a:cs typeface="Courier New" pitchFamily="49" charset="0"/>
             </a:endParaRPr>
@@ -11826,7 +11618,7 @@
               <a:buNone/>
               <a:defRPr/>
             </a:pPr>
-            <a:endParaRPr lang="en-US" sz="1300" dirty="0" smtClean="0">
+            <a:endParaRPr lang="en-US" sz="1300" dirty="0">
               <a:latin typeface="Courier New" pitchFamily="49" charset="0"/>
               <a:cs typeface="Courier New" pitchFamily="49" charset="0"/>
             </a:endParaRPr>
@@ -11843,13 +11635,6 @@
   <p:clrMapOvr>
     <a:masterClrMapping/>
   </p:clrMapOvr>
-  <p:timing>
-    <p:tnLst>
-      <p:par>
-        <p:cTn id="1" dur="indefinite" restart="never" nodeType="tmRoot"/>
-      </p:par>
-    </p:tnLst>
-  </p:timing>
 </p:sld>
 </file>
 
@@ -11925,22 +11710,14 @@
           <a:lstStyle/>
           <a:p>
             <a:r>
-              <a:rPr lang="en-US" sz="2800" dirty="0" smtClean="0"/>
-              <a:t> </a:t>
-            </a:r>
-            <a:r>
               <a:rPr lang="en-US" sz="2800" dirty="0"/>
-              <a:t>LINQ is a methodology that simplifies and unifies the implementation of any kind of data access. LINQ does not force you to use a specific architecture</a:t>
-            </a:r>
-          </a:p>
-          <a:p>
-            <a:r>
-              <a:rPr lang="en-US" sz="2800" dirty="0" smtClean="0"/>
-              <a:t>Type </a:t>
-            </a:r>
+              <a:t> LINQ is a methodology that simplifies and unifies the implementation of any kind of data access. LINQ does not force you to use a specific architecture</a:t>
+            </a:r>
+          </a:p>
+          <a:p>
             <a:r>
               <a:rPr lang="en-US" sz="2800" dirty="0"/>
-              <a:t>of </a:t>
+              <a:t>Type of </a:t>
             </a:r>
             <a:r>
               <a:rPr lang="en-US" sz="2800" dirty="0" err="1"/>
@@ -11985,12 +11762,8 @@
           </a:p>
           <a:p>
             <a:r>
-              <a:rPr lang="en-US" sz="2800" dirty="0" smtClean="0"/>
-              <a:t>LINQ </a:t>
-            </a:r>
-            <a:r>
               <a:rPr lang="en-US" sz="2800" dirty="0"/>
-              <a:t>to Objects has the goal of manipulating collections of objects</a:t>
+              <a:t>LINQ to Objects has the goal of manipulating collections of objects</a:t>
             </a:r>
           </a:p>
         </p:txBody>
@@ -12044,7 +11817,7 @@
               <a:defRPr/>
             </a:pPr>
             <a:r>
-              <a:rPr lang="en-US" dirty="0" smtClean="0"/>
+              <a:rPr lang="en-US" dirty="0"/>
               <a:t>Agenda</a:t>
             </a:r>
           </a:p>
@@ -12071,7 +11844,7 @@
               </a:lnSpc>
             </a:pPr>
             <a:r>
-              <a:rPr lang="en-US" sz="2800" dirty="0" smtClean="0">
+              <a:rPr lang="en-US" sz="2800" dirty="0">
                 <a:latin typeface="Tahoma" pitchFamily="34" charset="0"/>
                 <a:cs typeface="Tahoma" pitchFamily="34" charset="0"/>
               </a:rPr>
@@ -12113,18 +11886,11 @@
               </a:lnSpc>
             </a:pPr>
             <a:r>
-              <a:rPr lang="en-US" sz="2800" smtClean="0">
-                <a:latin typeface="Tahoma" pitchFamily="34" charset="0"/>
-                <a:cs typeface="Tahoma" pitchFamily="34" charset="0"/>
-              </a:rPr>
-              <a:t>Using </a:t>
-            </a:r>
-            <a:r>
               <a:rPr lang="en-US" sz="2800" dirty="0">
                 <a:latin typeface="Tahoma" pitchFamily="34" charset="0"/>
                 <a:cs typeface="Tahoma" pitchFamily="34" charset="0"/>
               </a:rPr>
-              <a:t>Regular Expression</a:t>
+              <a:t>Using Regular Expression</a:t>
             </a:r>
           </a:p>
           <a:p>
@@ -12152,14 +11918,7 @@
                 <a:latin typeface="Tahoma" pitchFamily="34" charset="0"/>
                 <a:cs typeface="Tahoma" pitchFamily="34" charset="0"/>
               </a:rPr>
-              <a:t>Encryption </a:t>
-            </a:r>
-            <a:r>
-              <a:rPr lang="en-US" sz="2800" dirty="0" smtClean="0">
-                <a:latin typeface="Tahoma" pitchFamily="34" charset="0"/>
-                <a:cs typeface="Tahoma" pitchFamily="34" charset="0"/>
-              </a:rPr>
-              <a:t>Functions</a:t>
+              <a:t>Encryption Functions</a:t>
             </a:r>
           </a:p>
           <a:p>
@@ -12168,7 +11927,7 @@
                 <a:spcPct val="90000"/>
               </a:lnSpc>
             </a:pPr>
-            <a:endParaRPr lang="en-US" sz="2800" dirty="0" smtClean="0">
+            <a:endParaRPr lang="en-US" sz="2800" dirty="0">
               <a:latin typeface="Tahoma" pitchFamily="34" charset="0"/>
               <a:cs typeface="Tahoma" pitchFamily="34" charset="0"/>
             </a:endParaRPr>
@@ -12181,13 +11940,6 @@
     <a:masterClrMapping/>
   </p:clrMapOvr>
   <p:transition/>
-  <p:timing>
-    <p:tnLst>
-      <p:par>
-        <p:cTn id="1" dur="indefinite" restart="never" nodeType="tmRoot"/>
-      </p:par>
-    </p:tnLst>
-  </p:timing>
 </p:sld>
 </file>
 
@@ -12229,7 +11981,7 @@
           <a:lstStyle/>
           <a:p>
             <a:r>
-              <a:rPr lang="en-US" dirty="0" smtClean="0">
+              <a:rPr lang="en-US" dirty="0">
                 <a:solidFill>
                   <a:srgbClr val="C00000"/>
                 </a:solidFill>
@@ -12266,7 +12018,7 @@
               <a:buNone/>
             </a:pPr>
             <a:r>
-              <a:rPr lang="en-US" sz="1800" smtClean="0">
+              <a:rPr lang="en-US" sz="1800">
                 <a:solidFill>
                   <a:srgbClr val="00B050"/>
                 </a:solidFill>
@@ -12282,7 +12034,7 @@
               <a:buNone/>
             </a:pPr>
             <a:r>
-              <a:rPr lang="en-US" sz="1800" smtClean="0">
+              <a:rPr lang="en-US" sz="1800">
                 <a:solidFill>
                   <a:srgbClr val="0000FF"/>
                 </a:solidFill>
@@ -12292,7 +12044,7 @@
               <a:t>int</a:t>
             </a:r>
             <a:r>
-              <a:rPr lang="en-US" sz="1800" smtClean="0">
+              <a:rPr lang="en-US" sz="1800">
                 <a:latin typeface="Courier New" pitchFamily="49" charset="0"/>
                 <a:cs typeface="Courier New" pitchFamily="49" charset="0"/>
               </a:rPr>
@@ -12305,7 +12057,7 @@
               <a:buNone/>
             </a:pPr>
             <a:r>
-              <a:rPr lang="en-US" sz="1800" smtClean="0">
+              <a:rPr lang="en-US" sz="1800">
                 <a:latin typeface="Courier New" pitchFamily="49" charset="0"/>
                 <a:cs typeface="Courier New" pitchFamily="49" charset="0"/>
               </a:rPr>
@@ -12318,7 +12070,7 @@
               <a:buNone/>
             </a:pPr>
             <a:r>
-              <a:rPr lang="en-US" sz="1800" smtClean="0">
+              <a:rPr lang="en-US" sz="1800">
                 <a:solidFill>
                   <a:srgbClr val="00B050"/>
                 </a:solidFill>
@@ -12334,14 +12086,14 @@
               <a:buNone/>
             </a:pPr>
             <a:r>
-              <a:rPr lang="en-US" sz="1800" smtClean="0">
+              <a:rPr lang="en-US" sz="1800">
                 <a:latin typeface="Courier New" pitchFamily="49" charset="0"/>
                 <a:cs typeface="Courier New" pitchFamily="49" charset="0"/>
               </a:rPr>
               <a:t>IEnumerable&lt;</a:t>
             </a:r>
             <a:r>
-              <a:rPr lang="en-US" sz="1800" smtClean="0">
+              <a:rPr lang="en-US" sz="1800">
                 <a:solidFill>
                   <a:srgbClr val="0000FF"/>
                 </a:solidFill>
@@ -12351,7 +12103,7 @@
               <a:t>int</a:t>
             </a:r>
             <a:r>
-              <a:rPr lang="en-US" sz="1800" smtClean="0">
+              <a:rPr lang="en-US" sz="1800">
                 <a:latin typeface="Courier New" pitchFamily="49" charset="0"/>
                 <a:cs typeface="Courier New" pitchFamily="49" charset="0"/>
               </a:rPr>
@@ -12364,14 +12116,14 @@
               <a:buNone/>
             </a:pPr>
             <a:r>
-              <a:rPr lang="en-US" sz="1800" smtClean="0">
+              <a:rPr lang="en-US" sz="1800">
                 <a:latin typeface="Courier New" pitchFamily="49" charset="0"/>
                 <a:cs typeface="Courier New" pitchFamily="49" charset="0"/>
               </a:rPr>
               <a:t>    </a:t>
             </a:r>
             <a:r>
-              <a:rPr lang="en-US" sz="1800" smtClean="0">
+              <a:rPr lang="en-US" sz="1800">
                 <a:solidFill>
                   <a:srgbClr val="0000FF"/>
                 </a:solidFill>
@@ -12381,14 +12133,14 @@
               <a:t>from</a:t>
             </a:r>
             <a:r>
-              <a:rPr lang="en-US" sz="1800" smtClean="0">
+              <a:rPr lang="en-US" sz="1800">
                 <a:latin typeface="Courier New" pitchFamily="49" charset="0"/>
                 <a:cs typeface="Courier New" pitchFamily="49" charset="0"/>
               </a:rPr>
               <a:t> score </a:t>
             </a:r>
             <a:r>
-              <a:rPr lang="en-US" sz="1800" smtClean="0">
+              <a:rPr lang="en-US" sz="1800">
                 <a:solidFill>
                   <a:srgbClr val="0000FF"/>
                 </a:solidFill>
@@ -12398,7 +12150,7 @@
               <a:t>in</a:t>
             </a:r>
             <a:r>
-              <a:rPr lang="en-US" sz="1800" smtClean="0">
+              <a:rPr lang="en-US" sz="1800">
                 <a:latin typeface="Courier New" pitchFamily="49" charset="0"/>
                 <a:cs typeface="Courier New" pitchFamily="49" charset="0"/>
               </a:rPr>
@@ -12411,14 +12163,14 @@
               <a:buNone/>
             </a:pPr>
             <a:r>
-              <a:rPr lang="en-US" sz="1800" smtClean="0">
+              <a:rPr lang="en-US" sz="1800">
                 <a:latin typeface="Courier New" pitchFamily="49" charset="0"/>
                 <a:cs typeface="Courier New" pitchFamily="49" charset="0"/>
               </a:rPr>
               <a:t>    </a:t>
             </a:r>
             <a:r>
-              <a:rPr lang="en-US" sz="1800" smtClean="0">
+              <a:rPr lang="en-US" sz="1800">
                 <a:solidFill>
                   <a:srgbClr val="0000FF"/>
                 </a:solidFill>
@@ -12428,7 +12180,7 @@
               <a:t>where</a:t>
             </a:r>
             <a:r>
-              <a:rPr lang="en-US" sz="1800" smtClean="0">
+              <a:rPr lang="en-US" sz="1800">
                 <a:latin typeface="Courier New" pitchFamily="49" charset="0"/>
                 <a:cs typeface="Courier New" pitchFamily="49" charset="0"/>
               </a:rPr>
@@ -12441,14 +12193,14 @@
               <a:buNone/>
             </a:pPr>
             <a:r>
-              <a:rPr lang="en-US" sz="1800" smtClean="0">
+              <a:rPr lang="en-US" sz="1800">
                 <a:latin typeface="Courier New" pitchFamily="49" charset="0"/>
                 <a:cs typeface="Courier New" pitchFamily="49" charset="0"/>
               </a:rPr>
               <a:t>    </a:t>
             </a:r>
             <a:r>
-              <a:rPr lang="en-US" sz="1800" smtClean="0">
+              <a:rPr lang="en-US" sz="1800">
                 <a:solidFill>
                   <a:srgbClr val="0000FF"/>
                 </a:solidFill>
@@ -12458,7 +12210,7 @@
               <a:t>select</a:t>
             </a:r>
             <a:r>
-              <a:rPr lang="en-US" sz="1800" smtClean="0">
+              <a:rPr lang="en-US" sz="1800">
                 <a:latin typeface="Courier New" pitchFamily="49" charset="0"/>
                 <a:cs typeface="Courier New" pitchFamily="49" charset="0"/>
               </a:rPr>
@@ -12471,7 +12223,7 @@
               <a:buNone/>
             </a:pPr>
             <a:r>
-              <a:rPr lang="en-US" sz="1800" smtClean="0">
+              <a:rPr lang="en-US" sz="1800">
                 <a:latin typeface="Courier New" pitchFamily="49" charset="0"/>
                 <a:cs typeface="Courier New" pitchFamily="49" charset="0"/>
               </a:rPr>
@@ -12484,7 +12236,7 @@
               <a:buNone/>
             </a:pPr>
             <a:r>
-              <a:rPr lang="en-US" sz="1800" smtClean="0">
+              <a:rPr lang="en-US" sz="1800">
                 <a:solidFill>
                   <a:srgbClr val="00B050"/>
                 </a:solidFill>
@@ -12500,7 +12252,7 @@
               <a:buNone/>
             </a:pPr>
             <a:r>
-              <a:rPr lang="en-US" sz="1800" smtClean="0">
+              <a:rPr lang="en-US" sz="1800">
                 <a:solidFill>
                   <a:srgbClr val="0000FF"/>
                 </a:solidFill>
@@ -12510,14 +12262,14 @@
               <a:t>foreach </a:t>
             </a:r>
             <a:r>
-              <a:rPr lang="en-US" sz="1800" smtClean="0">
+              <a:rPr lang="en-US" sz="1800">
                 <a:latin typeface="Courier New" pitchFamily="49" charset="0"/>
                 <a:cs typeface="Courier New" pitchFamily="49" charset="0"/>
               </a:rPr>
               <a:t>(</a:t>
             </a:r>
             <a:r>
-              <a:rPr lang="en-US" sz="1800" smtClean="0">
+              <a:rPr lang="en-US" sz="1800">
                 <a:solidFill>
                   <a:srgbClr val="0000FF"/>
                 </a:solidFill>
@@ -12527,14 +12279,14 @@
               <a:t>int</a:t>
             </a:r>
             <a:r>
-              <a:rPr lang="en-US" sz="1800" smtClean="0">
+              <a:rPr lang="en-US" sz="1800">
                 <a:latin typeface="Courier New" pitchFamily="49" charset="0"/>
                 <a:cs typeface="Courier New" pitchFamily="49" charset="0"/>
               </a:rPr>
               <a:t> i </a:t>
             </a:r>
             <a:r>
-              <a:rPr lang="en-US" sz="1800" smtClean="0">
+              <a:rPr lang="en-US" sz="1800">
                 <a:solidFill>
                   <a:srgbClr val="0000FF"/>
                 </a:solidFill>
@@ -12544,7 +12296,7 @@
               <a:t>in</a:t>
             </a:r>
             <a:r>
-              <a:rPr lang="en-US" sz="1800" smtClean="0">
+              <a:rPr lang="en-US" sz="1800">
                 <a:latin typeface="Courier New" pitchFamily="49" charset="0"/>
                 <a:cs typeface="Courier New" pitchFamily="49" charset="0"/>
               </a:rPr>
@@ -12557,7 +12309,7 @@
               <a:buNone/>
             </a:pPr>
             <a:r>
-              <a:rPr lang="en-US" sz="1800" smtClean="0">
+              <a:rPr lang="en-US" sz="1800">
                 <a:latin typeface="Courier New" pitchFamily="49" charset="0"/>
                 <a:cs typeface="Courier New" pitchFamily="49" charset="0"/>
               </a:rPr>
@@ -12570,7 +12322,7 @@
               <a:buNone/>
             </a:pPr>
             <a:r>
-              <a:rPr lang="en-US" sz="1800" smtClean="0">
+              <a:rPr lang="en-US" sz="1800">
                 <a:latin typeface="Courier New" pitchFamily="49" charset="0"/>
                 <a:cs typeface="Courier New" pitchFamily="49" charset="0"/>
               </a:rPr>
@@ -12583,7 +12335,7 @@
               <a:buNone/>
             </a:pPr>
             <a:r>
-              <a:rPr lang="en-US" sz="1800" smtClean="0">
+              <a:rPr lang="en-US" sz="1800">
                 <a:solidFill>
                   <a:srgbClr val="00B050"/>
                 </a:solidFill>
@@ -12598,7 +12350,7 @@
               <a:buFont typeface="Wingdings" pitchFamily="2" charset="2"/>
               <a:buNone/>
             </a:pPr>
-            <a:endParaRPr lang="en-US" sz="1800" smtClean="0">
+            <a:endParaRPr lang="en-US" sz="1800">
               <a:latin typeface="Courier New" pitchFamily="49" charset="0"/>
               <a:cs typeface="Courier New" pitchFamily="49" charset="0"/>
             </a:endParaRPr>
@@ -12662,84 +12414,77 @@
               </a:lnSpc>
             </a:pPr>
             <a:r>
-              <a:rPr lang="en-US" sz="3200" dirty="0" smtClean="0">
+              <a:rPr lang="en-US" sz="3200" dirty="0">
                 <a:latin typeface="+mn-lt"/>
                 <a:cs typeface="+mn-cs"/>
               </a:rPr>
               <a:t>• Show existing data to user </a:t>
             </a:r>
             <a:br>
-              <a:rPr lang="en-US" sz="3200" dirty="0" smtClean="0">
+              <a:rPr lang="en-US" sz="3200" dirty="0">
                 <a:latin typeface="+mn-lt"/>
                 <a:cs typeface="+mn-cs"/>
               </a:rPr>
             </a:br>
             <a:r>
-              <a:rPr lang="en-US" sz="3200" dirty="0" smtClean="0">
+              <a:rPr lang="en-US" sz="3200" dirty="0">
                 <a:latin typeface="+mn-lt"/>
                 <a:cs typeface="+mn-cs"/>
               </a:rPr>
               <a:t>• Integrate user-provided data </a:t>
             </a:r>
             <a:br>
-              <a:rPr lang="en-US" sz="3200" dirty="0" smtClean="0">
+              <a:rPr lang="en-US" sz="3200" dirty="0">
                 <a:latin typeface="+mn-lt"/>
                 <a:cs typeface="+mn-cs"/>
               </a:rPr>
             </a:br>
             <a:r>
-              <a:rPr lang="en-US" sz="3200" dirty="0" smtClean="0">
+              <a:rPr lang="en-US" sz="3200" dirty="0">
                 <a:latin typeface="+mn-lt"/>
                 <a:cs typeface="+mn-cs"/>
               </a:rPr>
               <a:t>• Serialize objects out of memory </a:t>
             </a:r>
             <a:br>
-              <a:rPr lang="en-US" sz="3200" dirty="0" smtClean="0">
+              <a:rPr lang="en-US" sz="3200" dirty="0">
                 <a:latin typeface="+mn-lt"/>
                 <a:cs typeface="+mn-cs"/>
               </a:rPr>
             </a:br>
             <a:r>
-              <a:rPr lang="en-US" sz="3200" dirty="0" smtClean="0">
+              <a:rPr lang="en-US" sz="3200" dirty="0">
                 <a:latin typeface="+mn-lt"/>
                 <a:cs typeface="+mn-cs"/>
               </a:rPr>
               <a:t>• Persist data across sessions </a:t>
             </a:r>
             <a:br>
-              <a:rPr lang="en-US" sz="3200" dirty="0" smtClean="0">
+              <a:rPr lang="en-US" sz="3200" dirty="0">
                 <a:latin typeface="+mn-lt"/>
                 <a:cs typeface="+mn-cs"/>
               </a:rPr>
             </a:br>
             <a:r>
-              <a:rPr lang="en-US" sz="3200" dirty="0" smtClean="0">
+              <a:rPr lang="en-US" sz="3200" dirty="0">
                 <a:latin typeface="+mn-lt"/>
                 <a:cs typeface="+mn-cs"/>
               </a:rPr>
               <a:t>• Determine environment configuration </a:t>
             </a:r>
             <a:br>
-              <a:rPr lang="en-US" sz="3200" dirty="0" smtClean="0">
+              <a:rPr lang="en-US" sz="3200" dirty="0">
                 <a:latin typeface="+mn-lt"/>
                 <a:cs typeface="+mn-cs"/>
               </a:rPr>
             </a:br>
-            <a:r>
-              <a:rPr lang="en-US" sz="3200" dirty="0" smtClean="0">
+            <a:br>
+              <a:rPr lang="en-US" sz="3200" dirty="0">
                 <a:latin typeface="+mn-lt"/>
                 <a:cs typeface="+mn-cs"/>
               </a:rPr>
-              <a:t/>
-            </a:r>
-            <a:br>
-              <a:rPr lang="en-US" sz="3200" dirty="0" smtClean="0">
-                <a:latin typeface="+mn-lt"/>
-                <a:cs typeface="+mn-cs"/>
-              </a:rPr>
             </a:br>
-            <a:endParaRPr lang="en-US" sz="3200" dirty="0" smtClean="0">
+            <a:endParaRPr lang="en-US" sz="3200" dirty="0">
               <a:latin typeface="+mn-lt"/>
               <a:cs typeface="+mn-cs"/>
             </a:endParaRPr>
@@ -12769,7 +12514,7 @@
           <a:p>
             <a:pPr lvl="0" algn="r"/>
             <a:r>
-              <a:rPr lang="en-US" sz="3200" b="1" dirty="0" smtClean="0">
+              <a:rPr lang="en-US" sz="3200" b="1" dirty="0">
                 <a:solidFill>
                   <a:srgbClr val="C00000"/>
                 </a:solidFill>
@@ -12777,12 +12522,12 @@
               </a:rPr>
               <a:t>File I/O</a:t>
             </a:r>
-            <a:endParaRPr lang="en-US" sz="3200" dirty="0" smtClean="0"/>
+            <a:endParaRPr lang="en-US" sz="3200" dirty="0"/>
           </a:p>
           <a:p>
             <a:pPr lvl="0" algn="r"/>
             <a:r>
-              <a:rPr lang="en-US" sz="2800" b="1" dirty="0" smtClean="0">
+              <a:rPr lang="en-US" sz="2800" b="1" dirty="0">
                 <a:solidFill>
                   <a:srgbClr val="C00000"/>
                 </a:solidFill>
@@ -12791,14 +12536,14 @@
               <a:t>Why read or write to the file system? </a:t>
             </a:r>
             <a:br>
-              <a:rPr lang="en-US" sz="2800" b="1" dirty="0" smtClean="0">
+              <a:rPr lang="en-US" sz="2800" b="1" dirty="0">
                 <a:solidFill>
                   <a:srgbClr val="C00000"/>
                 </a:solidFill>
                 <a:ea typeface="Tahoma" pitchFamily="34" charset="0"/>
               </a:rPr>
             </a:br>
-            <a:endParaRPr lang="en-US" sz="2800" b="1" dirty="0" smtClean="0">
+            <a:endParaRPr lang="en-US" sz="2800" b="1" dirty="0">
               <a:solidFill>
                 <a:srgbClr val="C00000"/>
               </a:solidFill>
@@ -12820,13 +12565,6 @@
   <p:transition spd="slow">
     <p:fade/>
   </p:transition>
-  <p:timing>
-    <p:tnLst>
-      <p:par>
-        <p:cTn id="1" dur="indefinite" restart="never" nodeType="tmRoot"/>
-      </p:par>
-    </p:tnLst>
-  </p:timing>
 </p:sld>
 </file>
 
@@ -12874,120 +12612,113 @@
               </a:lnSpc>
             </a:pPr>
             <a:r>
-              <a:rPr lang="en-US" sz="2800" smtClean="0">
+              <a:rPr lang="en-US" sz="2800">
                 <a:latin typeface="+mn-lt"/>
                 <a:cs typeface="+mn-cs"/>
               </a:rPr>
               <a:t>• </a:t>
             </a:r>
             <a:r>
-              <a:rPr lang="en-US" sz="2800" dirty="0" smtClean="0">
+              <a:rPr lang="en-US" sz="2800" dirty="0">
                 <a:latin typeface="+mn-lt"/>
                 <a:cs typeface="+mn-cs"/>
               </a:rPr>
               <a:t>This is simplified with Framework methods; open / shut </a:t>
             </a:r>
             <a:br>
-              <a:rPr lang="en-US" sz="2800" dirty="0" smtClean="0">
+              <a:rPr lang="en-US" sz="2800" dirty="0">
                 <a:latin typeface="+mn-lt"/>
                 <a:cs typeface="+mn-cs"/>
               </a:rPr>
             </a:br>
             <a:r>
-              <a:rPr lang="en-US" sz="2800" dirty="0" smtClean="0">
+              <a:rPr lang="en-US" sz="2800" dirty="0">
                 <a:latin typeface="+mn-lt"/>
                 <a:cs typeface="+mn-cs"/>
               </a:rPr>
               <a:t>— </a:t>
             </a:r>
             <a:r>
-              <a:rPr lang="en-US" sz="2800" dirty="0" err="1" smtClean="0">
+              <a:rPr lang="en-US" sz="2800" dirty="0" err="1">
                 <a:latin typeface="+mn-lt"/>
                 <a:cs typeface="+mn-cs"/>
               </a:rPr>
               <a:t>FiIe.WriteAllText</a:t>
             </a:r>
             <a:r>
-              <a:rPr lang="en-US" sz="2800" dirty="0" smtClean="0">
+              <a:rPr lang="en-US" sz="2800" dirty="0">
                 <a:latin typeface="+mn-lt"/>
                 <a:cs typeface="+mn-cs"/>
               </a:rPr>
               <a:t> / </a:t>
             </a:r>
             <a:r>
-              <a:rPr lang="en-US" sz="2800" dirty="0" err="1" smtClean="0">
+              <a:rPr lang="en-US" sz="2800" dirty="0" err="1">
                 <a:latin typeface="+mn-lt"/>
                 <a:cs typeface="+mn-cs"/>
               </a:rPr>
               <a:t>ReadAllText</a:t>
             </a:r>
             <a:r>
-              <a:rPr lang="en-US" sz="2800" dirty="0" smtClean="0">
+              <a:rPr lang="en-US" sz="2800" dirty="0">
                 <a:latin typeface="+mn-lt"/>
                 <a:cs typeface="+mn-cs"/>
               </a:rPr>
               <a:t> </a:t>
             </a:r>
             <a:br>
-              <a:rPr lang="en-US" sz="2800" dirty="0" smtClean="0">
+              <a:rPr lang="en-US" sz="2800" dirty="0">
                 <a:latin typeface="+mn-lt"/>
                 <a:cs typeface="+mn-cs"/>
               </a:rPr>
             </a:br>
             <a:r>
-              <a:rPr lang="en-US" sz="2800" dirty="0" smtClean="0">
+              <a:rPr lang="en-US" sz="2800" dirty="0">
                 <a:latin typeface="+mn-lt"/>
                 <a:cs typeface="+mn-cs"/>
               </a:rPr>
               <a:t>• Open for reading to keep open and keep writing </a:t>
             </a:r>
             <a:br>
-              <a:rPr lang="en-US" sz="2800" dirty="0" smtClean="0">
+              <a:rPr lang="en-US" sz="2800" dirty="0">
                 <a:latin typeface="+mn-lt"/>
                 <a:cs typeface="+mn-cs"/>
               </a:rPr>
             </a:br>
             <a:r>
-              <a:rPr lang="en-US" sz="2800" dirty="0" smtClean="0">
+              <a:rPr lang="en-US" sz="2800" dirty="0">
                 <a:latin typeface="+mn-lt"/>
                 <a:cs typeface="+mn-cs"/>
               </a:rPr>
               <a:t>• Open as stream for large payloads and </a:t>
             </a:r>
             <a:r>
-              <a:rPr lang="en-US" sz="2800" dirty="0" err="1" smtClean="0">
+              <a:rPr lang="en-US" sz="2800" dirty="0" err="1">
                 <a:latin typeface="+mn-lt"/>
                 <a:cs typeface="+mn-cs"/>
               </a:rPr>
               <a:t>realtime</a:t>
             </a:r>
             <a:r>
-              <a:rPr lang="en-US" sz="2800" dirty="0" smtClean="0">
+              <a:rPr lang="en-US" sz="2800" dirty="0">
                 <a:latin typeface="+mn-lt"/>
                 <a:cs typeface="+mn-cs"/>
               </a:rPr>
               <a:t> processing </a:t>
             </a:r>
             <a:br>
-              <a:rPr lang="en-US" sz="2800" dirty="0" smtClean="0">
+              <a:rPr lang="en-US" sz="2800" dirty="0">
                 <a:latin typeface="+mn-lt"/>
                 <a:cs typeface="+mn-cs"/>
               </a:rPr>
             </a:br>
-            <a:r>
-              <a:rPr lang="en-US" sz="2800" dirty="0" smtClean="0">
+            <a:br>
+              <a:rPr lang="en-US" sz="2800" dirty="0">
                 <a:latin typeface="+mn-lt"/>
                 <a:cs typeface="+mn-cs"/>
               </a:rPr>
-              <a:t/>
-            </a:r>
-            <a:br>
-              <a:rPr lang="en-US" sz="2800" dirty="0" smtClean="0">
-                <a:latin typeface="+mn-lt"/>
-                <a:cs typeface="+mn-cs"/>
-              </a:rPr>
             </a:br>
-            <a:endParaRPr lang="en-US" sz="2800" dirty="0" smtClean="0">
+            <a:endParaRPr lang="en-US" sz="2800" dirty="0">
               <a:latin typeface="+mn-lt"/>
               <a:cs typeface="+mn-cs"/>
             </a:endParaRPr>
@@ -13017,7 +12748,7 @@
           <a:p>
             <a:pPr lvl="0" algn="r"/>
             <a:r>
-              <a:rPr lang="en-US" sz="3200" b="1" dirty="0" smtClean="0">
+              <a:rPr lang="en-US" sz="3200" b="1" dirty="0">
                 <a:solidFill>
                   <a:srgbClr val="C00000"/>
                 </a:solidFill>
@@ -13025,12 +12756,12 @@
               </a:rPr>
               <a:t>File IO</a:t>
             </a:r>
-            <a:endParaRPr lang="en-US" sz="3200" dirty="0" smtClean="0"/>
+            <a:endParaRPr lang="en-US" sz="3200" dirty="0"/>
           </a:p>
           <a:p>
             <a:pPr lvl="0" algn="r"/>
             <a:r>
-              <a:rPr lang="en-US" sz="2800" b="1" dirty="0" smtClean="0">
+              <a:rPr lang="en-US" sz="2800" b="1" dirty="0">
                 <a:solidFill>
                   <a:srgbClr val="C00000"/>
                 </a:solidFill>
@@ -13054,13 +12785,6 @@
   <p:transition spd="slow">
     <p:fade/>
   </p:transition>
-  <p:timing>
-    <p:tnLst>
-      <p:par>
-        <p:cTn id="1" dur="indefinite" restart="never" nodeType="tmRoot"/>
-      </p:par>
-    </p:tnLst>
-  </p:timing>
 </p:sld>
 </file>
 
@@ -13102,7 +12826,7 @@
           <a:lstStyle/>
           <a:p>
             <a:r>
-              <a:rPr lang="en-US" dirty="0" smtClean="0">
+              <a:rPr lang="en-US" dirty="0">
                 <a:solidFill>
                   <a:srgbClr val="C00000"/>
                 </a:solidFill>
@@ -13112,7 +12836,7 @@
               <a:t>File IO </a:t>
             </a:r>
             <a:br>
-              <a:rPr lang="en-US" dirty="0" smtClean="0">
+              <a:rPr lang="en-US" dirty="0">
                 <a:solidFill>
                   <a:srgbClr val="C00000"/>
                 </a:solidFill>
@@ -13121,7 +12845,7 @@
               </a:rPr>
             </a:br>
             <a:r>
-              <a:rPr lang="en-US" sz="2800" dirty="0" smtClean="0">
+              <a:rPr lang="en-US" sz="2800" dirty="0">
                 <a:solidFill>
                   <a:srgbClr val="C00000"/>
                 </a:solidFill>
@@ -13154,7 +12878,7 @@
               <a:defRPr/>
             </a:pPr>
             <a:r>
-              <a:rPr lang="en-US" sz="1400" dirty="0" smtClean="0">
+              <a:rPr lang="en-US" sz="1400" dirty="0">
                 <a:solidFill>
                   <a:srgbClr val="008000"/>
                 </a:solidFill>
@@ -13171,7 +12895,7 @@
               <a:defRPr/>
             </a:pPr>
             <a:r>
-              <a:rPr lang="en-US" sz="1400" dirty="0" smtClean="0">
+              <a:rPr lang="en-US" sz="1400" dirty="0">
                 <a:solidFill>
                   <a:srgbClr val="0000FF"/>
                 </a:solidFill>
@@ -13181,21 +12905,21 @@
               <a:t>using</a:t>
             </a:r>
             <a:r>
-              <a:rPr lang="en-US" sz="1400" dirty="0" smtClean="0">
+              <a:rPr lang="en-US" sz="1400" dirty="0">
                 <a:latin typeface="Courier New" pitchFamily="49" charset="0"/>
                 <a:cs typeface="Courier New" pitchFamily="49" charset="0"/>
               </a:rPr>
               <a:t> </a:t>
             </a:r>
             <a:r>
-              <a:rPr lang="en-US" sz="1400" dirty="0" err="1" smtClean="0">
+              <a:rPr lang="en-US" sz="1400" dirty="0" err="1">
                 <a:latin typeface="Courier New" pitchFamily="49" charset="0"/>
                 <a:cs typeface="Courier New" pitchFamily="49" charset="0"/>
               </a:rPr>
               <a:t>System.IO.</a:t>
             </a:r>
             <a:r>
-              <a:rPr lang="en-US" sz="1400" dirty="0" err="1" smtClean="0">
+              <a:rPr lang="en-US" sz="1400" dirty="0" err="1">
                 <a:solidFill>
                   <a:schemeClr val="accent5">
                     <a:lumMod val="75000"/>
@@ -13207,7 +12931,7 @@
               <a:t>StreamReader</a:t>
             </a:r>
             <a:r>
-              <a:rPr lang="en-US" sz="1400" dirty="0" smtClean="0">
+              <a:rPr lang="en-US" sz="1400" dirty="0">
                 <a:latin typeface="Courier New" pitchFamily="49" charset="0"/>
                 <a:cs typeface="Courier New" pitchFamily="49" charset="0"/>
               </a:rPr>
@@ -13221,7 +12945,7 @@
               <a:defRPr/>
             </a:pPr>
             <a:r>
-              <a:rPr lang="en-US" sz="1400" dirty="0" smtClean="0">
+              <a:rPr lang="en-US" sz="1400" dirty="0">
                 <a:solidFill>
                   <a:srgbClr val="0000FF"/>
                 </a:solidFill>
@@ -13231,21 +12955,21 @@
               <a:t>using</a:t>
             </a:r>
             <a:r>
-              <a:rPr lang="en-US" sz="1400" dirty="0" smtClean="0">
+              <a:rPr lang="en-US" sz="1400" dirty="0">
                 <a:latin typeface="Courier New" pitchFamily="49" charset="0"/>
                 <a:cs typeface="Courier New" pitchFamily="49" charset="0"/>
               </a:rPr>
               <a:t> </a:t>
             </a:r>
             <a:r>
-              <a:rPr lang="en-US" sz="1400" dirty="0" err="1" smtClean="0">
+              <a:rPr lang="en-US" sz="1400" dirty="0" err="1">
                 <a:latin typeface="Courier New" pitchFamily="49" charset="0"/>
                 <a:cs typeface="Courier New" pitchFamily="49" charset="0"/>
               </a:rPr>
               <a:t>System.IO.</a:t>
             </a:r>
             <a:r>
-              <a:rPr lang="en-US" sz="1400" dirty="0" err="1" smtClean="0">
+              <a:rPr lang="en-US" sz="1400" dirty="0" err="1">
                 <a:solidFill>
                   <a:schemeClr val="accent5">
                     <a:lumMod val="75000"/>
@@ -13257,7 +12981,7 @@
               <a:t>StreamWriter</a:t>
             </a:r>
             <a:r>
-              <a:rPr lang="en-US" sz="1400" dirty="0" smtClean="0">
+              <a:rPr lang="en-US" sz="1400" dirty="0">
                 <a:latin typeface="Courier New" pitchFamily="49" charset="0"/>
                 <a:cs typeface="Courier New" pitchFamily="49" charset="0"/>
               </a:rPr>
@@ -13271,7 +12995,7 @@
               <a:defRPr/>
             </a:pPr>
             <a:r>
-              <a:rPr lang="en-US" sz="1400" dirty="0" smtClean="0">
+              <a:rPr lang="en-US" sz="1400" dirty="0">
                 <a:solidFill>
                   <a:srgbClr val="0000FF"/>
                 </a:solidFill>
@@ -13281,7 +13005,7 @@
               <a:t>try</a:t>
             </a:r>
             <a:r>
-              <a:rPr lang="en-US" sz="1400" dirty="0" smtClean="0">
+              <a:rPr lang="en-US" sz="1400" dirty="0">
                 <a:latin typeface="Courier New" pitchFamily="49" charset="0"/>
                 <a:cs typeface="Courier New" pitchFamily="49" charset="0"/>
               </a:rPr>
@@ -13295,14 +13019,14 @@
               <a:defRPr/>
             </a:pPr>
             <a:r>
-              <a:rPr lang="en-US" sz="1400" dirty="0" smtClean="0">
+              <a:rPr lang="en-US" sz="1400" dirty="0">
                 <a:latin typeface="Courier New" pitchFamily="49" charset="0"/>
                 <a:cs typeface="Courier New" pitchFamily="49" charset="0"/>
               </a:rPr>
               <a:t>   </a:t>
             </a:r>
             <a:r>
-              <a:rPr lang="en-US" sz="1400" dirty="0" smtClean="0">
+              <a:rPr lang="en-US" sz="1400" dirty="0">
                 <a:solidFill>
                   <a:srgbClr val="008000"/>
                 </a:solidFill>
@@ -13319,14 +13043,14 @@
               <a:defRPr/>
             </a:pPr>
             <a:r>
-              <a:rPr lang="en-US" sz="1400" dirty="0" smtClean="0">
+              <a:rPr lang="en-US" sz="1400" dirty="0">
                 <a:latin typeface="Courier New" pitchFamily="49" charset="0"/>
                 <a:cs typeface="Courier New" pitchFamily="49" charset="0"/>
               </a:rPr>
               <a:t>   </a:t>
             </a:r>
             <a:r>
-              <a:rPr lang="en-US" sz="1400" dirty="0" smtClean="0">
+              <a:rPr lang="en-US" sz="1400" dirty="0">
                 <a:solidFill>
                   <a:srgbClr val="0000FF"/>
                 </a:solidFill>
@@ -13336,14 +13060,14 @@
               <a:t>if</a:t>
             </a:r>
             <a:r>
-              <a:rPr lang="en-US" sz="1400" dirty="0" smtClean="0">
+              <a:rPr lang="en-US" sz="1400" dirty="0">
                 <a:latin typeface="Courier New" pitchFamily="49" charset="0"/>
                 <a:cs typeface="Courier New" pitchFamily="49" charset="0"/>
               </a:rPr>
               <a:t> (</a:t>
             </a:r>
             <a:r>
-              <a:rPr lang="en-US" sz="1400" dirty="0" err="1" smtClean="0">
+              <a:rPr lang="en-US" sz="1400" dirty="0" err="1">
                 <a:solidFill>
                   <a:schemeClr val="accent5">
                     <a:lumMod val="75000"/>
@@ -13355,21 +13079,21 @@
               <a:t>File</a:t>
             </a:r>
             <a:r>
-              <a:rPr lang="en-US" sz="1400" dirty="0" err="1" smtClean="0">
+              <a:rPr lang="en-US" sz="1400" dirty="0" err="1">
                 <a:latin typeface="Courier New" pitchFamily="49" charset="0"/>
                 <a:cs typeface="Courier New" pitchFamily="49" charset="0"/>
               </a:rPr>
               <a:t>.Exists</a:t>
             </a:r>
             <a:r>
-              <a:rPr lang="en-US" sz="1400" dirty="0" smtClean="0">
+              <a:rPr lang="en-US" sz="1400" dirty="0">
                 <a:latin typeface="Courier New" pitchFamily="49" charset="0"/>
                 <a:cs typeface="Courier New" pitchFamily="49" charset="0"/>
               </a:rPr>
               <a:t>(</a:t>
             </a:r>
             <a:r>
-              <a:rPr lang="en-US" sz="1400" dirty="0" smtClean="0">
+              <a:rPr lang="en-US" sz="1400" dirty="0">
                 <a:solidFill>
                   <a:srgbClr val="C00000"/>
                 </a:solidFill>
@@ -13379,7 +13103,7 @@
               <a:t>"a.txt"</a:t>
             </a:r>
             <a:r>
-              <a:rPr lang="en-US" sz="1400" dirty="0" smtClean="0">
+              <a:rPr lang="en-US" sz="1400" dirty="0">
                 <a:latin typeface="Courier New" pitchFamily="49" charset="0"/>
                 <a:cs typeface="Courier New" pitchFamily="49" charset="0"/>
               </a:rPr>
@@ -13393,14 +13117,14 @@
               <a:defRPr/>
             </a:pPr>
             <a:r>
-              <a:rPr lang="en-US" sz="1400" dirty="0" smtClean="0">
+              <a:rPr lang="en-US" sz="1400" dirty="0">
                 <a:latin typeface="Courier New" pitchFamily="49" charset="0"/>
                 <a:cs typeface="Courier New" pitchFamily="49" charset="0"/>
               </a:rPr>
               <a:t>      </a:t>
             </a:r>
             <a:r>
-              <a:rPr lang="en-US" sz="1400" dirty="0" smtClean="0">
+              <a:rPr lang="en-US" sz="1400" dirty="0">
                 <a:solidFill>
                   <a:srgbClr val="008000"/>
                 </a:solidFill>
@@ -13417,14 +13141,14 @@
               <a:defRPr/>
             </a:pPr>
             <a:r>
-              <a:rPr lang="en-US" sz="1400" dirty="0" smtClean="0">
+              <a:rPr lang="en-US" sz="1400" dirty="0">
                 <a:latin typeface="Courier New" pitchFamily="49" charset="0"/>
                 <a:cs typeface="Courier New" pitchFamily="49" charset="0"/>
               </a:rPr>
               <a:t>      </a:t>
             </a:r>
             <a:r>
-              <a:rPr lang="en-US" sz="1400" dirty="0" err="1" smtClean="0">
+              <a:rPr lang="en-US" sz="1400" dirty="0" err="1">
                 <a:solidFill>
                   <a:schemeClr val="accent5">
                     <a:lumMod val="75000"/>
@@ -13436,14 +13160,14 @@
               <a:t>StreamReader</a:t>
             </a:r>
             <a:r>
-              <a:rPr lang="en-US" sz="1400" dirty="0" smtClean="0">
+              <a:rPr lang="en-US" sz="1400" dirty="0">
                 <a:latin typeface="Courier New" pitchFamily="49" charset="0"/>
                 <a:cs typeface="Courier New" pitchFamily="49" charset="0"/>
               </a:rPr>
               <a:t> input = </a:t>
             </a:r>
             <a:r>
-              <a:rPr lang="en-US" sz="1400" dirty="0" smtClean="0">
+              <a:rPr lang="en-US" sz="1400" dirty="0">
                 <a:solidFill>
                   <a:srgbClr val="0000FF"/>
                 </a:solidFill>
@@ -13453,14 +13177,14 @@
               <a:t>new</a:t>
             </a:r>
             <a:r>
-              <a:rPr lang="en-US" sz="1400" dirty="0" smtClean="0">
+              <a:rPr lang="en-US" sz="1400" dirty="0">
                 <a:latin typeface="Courier New" pitchFamily="49" charset="0"/>
                 <a:cs typeface="Courier New" pitchFamily="49" charset="0"/>
               </a:rPr>
               <a:t> </a:t>
             </a:r>
             <a:r>
-              <a:rPr lang="en-US" sz="1400" dirty="0" err="1" smtClean="0">
+              <a:rPr lang="en-US" sz="1400" dirty="0" err="1">
                 <a:solidFill>
                   <a:schemeClr val="accent5">
                     <a:lumMod val="75000"/>
@@ -13472,14 +13196,14 @@
               <a:t>StreamReader</a:t>
             </a:r>
             <a:r>
-              <a:rPr lang="en-US" sz="1400" dirty="0" smtClean="0">
+              <a:rPr lang="en-US" sz="1400" dirty="0">
                 <a:latin typeface="Courier New" pitchFamily="49" charset="0"/>
                 <a:cs typeface="Courier New" pitchFamily="49" charset="0"/>
               </a:rPr>
               <a:t>(</a:t>
             </a:r>
             <a:r>
-              <a:rPr lang="en-US" sz="1400" dirty="0" smtClean="0">
+              <a:rPr lang="en-US" sz="1400" dirty="0">
                 <a:solidFill>
                   <a:srgbClr val="C00000"/>
                 </a:solidFill>
@@ -13489,7 +13213,7 @@
               <a:t>"a.txt"</a:t>
             </a:r>
             <a:r>
-              <a:rPr lang="en-US" sz="1400" dirty="0" smtClean="0">
+              <a:rPr lang="en-US" sz="1400" dirty="0">
                 <a:latin typeface="Courier New" pitchFamily="49" charset="0"/>
                 <a:cs typeface="Courier New" pitchFamily="49" charset="0"/>
               </a:rPr>
@@ -13503,14 +13227,14 @@
               <a:defRPr/>
             </a:pPr>
             <a:r>
-              <a:rPr lang="en-US" sz="1400" dirty="0" smtClean="0">
+              <a:rPr lang="en-US" sz="1400" dirty="0">
                 <a:latin typeface="Courier New" pitchFamily="49" charset="0"/>
                 <a:cs typeface="Courier New" pitchFamily="49" charset="0"/>
               </a:rPr>
               <a:t>      </a:t>
             </a:r>
             <a:r>
-              <a:rPr lang="en-US" sz="1400" dirty="0" err="1" smtClean="0">
+              <a:rPr lang="en-US" sz="1400" dirty="0" err="1">
                 <a:solidFill>
                   <a:schemeClr val="accent5">
                     <a:lumMod val="75000"/>
@@ -13522,14 +13246,14 @@
               <a:t>StreamWriter</a:t>
             </a:r>
             <a:r>
-              <a:rPr lang="en-US" sz="1400" dirty="0" smtClean="0">
+              <a:rPr lang="en-US" sz="1400" dirty="0">
                 <a:latin typeface="Courier New" pitchFamily="49" charset="0"/>
                 <a:cs typeface="Courier New" pitchFamily="49" charset="0"/>
               </a:rPr>
               <a:t> output = </a:t>
             </a:r>
             <a:r>
-              <a:rPr lang="en-US" sz="1400" dirty="0" smtClean="0">
+              <a:rPr lang="en-US" sz="1400" dirty="0">
                 <a:solidFill>
                   <a:srgbClr val="0000FF"/>
                 </a:solidFill>
@@ -13539,14 +13263,14 @@
               <a:t>new</a:t>
             </a:r>
             <a:r>
-              <a:rPr lang="en-US" sz="1400" dirty="0" smtClean="0">
+              <a:rPr lang="en-US" sz="1400" dirty="0">
                 <a:latin typeface="Courier New" pitchFamily="49" charset="0"/>
                 <a:cs typeface="Courier New" pitchFamily="49" charset="0"/>
               </a:rPr>
               <a:t> </a:t>
             </a:r>
             <a:r>
-              <a:rPr lang="en-US" sz="1400" dirty="0" err="1" smtClean="0">
+              <a:rPr lang="en-US" sz="1400" dirty="0" err="1">
                 <a:solidFill>
                   <a:schemeClr val="accent5">
                     <a:lumMod val="75000"/>
@@ -13558,14 +13282,14 @@
               <a:t>StreamWriter</a:t>
             </a:r>
             <a:r>
-              <a:rPr lang="en-US" sz="1400" dirty="0" smtClean="0">
+              <a:rPr lang="en-US" sz="1400" dirty="0">
                 <a:latin typeface="Courier New" pitchFamily="49" charset="0"/>
                 <a:cs typeface="Courier New" pitchFamily="49" charset="0"/>
               </a:rPr>
               <a:t> (</a:t>
             </a:r>
             <a:r>
-              <a:rPr lang="en-US" sz="1400" dirty="0" smtClean="0">
+              <a:rPr lang="en-US" sz="1400" dirty="0">
                 <a:solidFill>
                   <a:srgbClr val="C00000"/>
                 </a:solidFill>
@@ -13575,7 +13299,7 @@
               <a:t>"b.txt"</a:t>
             </a:r>
             <a:r>
-              <a:rPr lang="en-US" sz="1400" dirty="0" smtClean="0">
+              <a:rPr lang="en-US" sz="1400" dirty="0">
                 <a:latin typeface="Courier New" pitchFamily="49" charset="0"/>
                 <a:cs typeface="Courier New" pitchFamily="49" charset="0"/>
               </a:rPr>
@@ -13589,14 +13313,14 @@
               <a:defRPr/>
             </a:pPr>
             <a:r>
-              <a:rPr lang="en-US" sz="1400" dirty="0" smtClean="0">
+              <a:rPr lang="en-US" sz="1400" dirty="0">
                 <a:latin typeface="Courier New" pitchFamily="49" charset="0"/>
                 <a:cs typeface="Courier New" pitchFamily="49" charset="0"/>
               </a:rPr>
               <a:t>      </a:t>
             </a:r>
             <a:r>
-              <a:rPr lang="en-US" sz="1400" dirty="0" smtClean="0">
+              <a:rPr lang="en-US" sz="1400" dirty="0">
                 <a:solidFill>
                   <a:srgbClr val="008000"/>
                 </a:solidFill>
@@ -13613,7 +13337,7 @@
               <a:defRPr/>
             </a:pPr>
             <a:r>
-              <a:rPr lang="en-US" sz="1400" dirty="0" smtClean="0">
+              <a:rPr lang="en-US" sz="1400" dirty="0">
                 <a:solidFill>
                   <a:srgbClr val="00B050"/>
                 </a:solidFill>
@@ -13623,7 +13347,7 @@
               <a:t>      </a:t>
             </a:r>
             <a:r>
-              <a:rPr lang="en-US" sz="1400" dirty="0" smtClean="0">
+              <a:rPr lang="en-US" sz="1400" dirty="0">
                 <a:solidFill>
                   <a:srgbClr val="0000FF"/>
                 </a:solidFill>
@@ -13633,13 +13357,13 @@
               <a:t>string</a:t>
             </a:r>
             <a:r>
-              <a:rPr lang="en-US" sz="1400" dirty="0" smtClean="0">
+              <a:rPr lang="en-US" sz="1400" dirty="0">
                 <a:latin typeface="Courier New" pitchFamily="49" charset="0"/>
                 <a:cs typeface="Courier New" pitchFamily="49" charset="0"/>
               </a:rPr>
               <a:t> line;</a:t>
             </a:r>
-            <a:endParaRPr lang="en-US" sz="1400" dirty="0" smtClean="0">
+            <a:endParaRPr lang="en-US" sz="1400" dirty="0">
               <a:solidFill>
                 <a:srgbClr val="00B050"/>
               </a:solidFill>
@@ -13654,14 +13378,14 @@
               <a:defRPr/>
             </a:pPr>
             <a:r>
-              <a:rPr lang="en-US" sz="1400" dirty="0" smtClean="0">
+              <a:rPr lang="en-US" sz="1400" dirty="0">
                 <a:latin typeface="Courier New" pitchFamily="49" charset="0"/>
                 <a:cs typeface="Courier New" pitchFamily="49" charset="0"/>
               </a:rPr>
               <a:t>      </a:t>
             </a:r>
             <a:r>
-              <a:rPr lang="en-US" sz="1400" dirty="0" smtClean="0">
+              <a:rPr lang="en-US" sz="1400" dirty="0">
                 <a:solidFill>
                   <a:srgbClr val="0000FF"/>
                 </a:solidFill>
@@ -13671,28 +13395,28 @@
               <a:t>while </a:t>
             </a:r>
             <a:r>
-              <a:rPr lang="en-US" sz="1400" dirty="0" smtClean="0">
+              <a:rPr lang="en-US" sz="1400" dirty="0">
                 <a:latin typeface="Courier New" pitchFamily="49" charset="0"/>
                 <a:cs typeface="Courier New" pitchFamily="49" charset="0"/>
               </a:rPr>
               <a:t>((line = </a:t>
             </a:r>
             <a:r>
-              <a:rPr lang="en-US" sz="1400" dirty="0" err="1" smtClean="0">
+              <a:rPr lang="en-US" sz="1400" dirty="0" err="1">
                 <a:latin typeface="Courier New" pitchFamily="49" charset="0"/>
                 <a:cs typeface="Courier New" pitchFamily="49" charset="0"/>
               </a:rPr>
               <a:t>input.ReadLine</a:t>
             </a:r>
             <a:r>
-              <a:rPr lang="en-US" sz="1400" dirty="0" smtClean="0">
+              <a:rPr lang="en-US" sz="1400" dirty="0">
                 <a:latin typeface="Courier New" pitchFamily="49" charset="0"/>
                 <a:cs typeface="Courier New" pitchFamily="49" charset="0"/>
               </a:rPr>
               <a:t>()) == </a:t>
             </a:r>
             <a:r>
-              <a:rPr lang="en-US" sz="1400" dirty="0" smtClean="0">
+              <a:rPr lang="en-US" sz="1400" dirty="0">
                 <a:solidFill>
                   <a:srgbClr val="0000FF"/>
                 </a:solidFill>
@@ -13702,7 +13426,7 @@
               <a:t>null</a:t>
             </a:r>
             <a:r>
-              <a:rPr lang="en-US" sz="1400" dirty="0" smtClean="0">
+              <a:rPr lang="en-US" sz="1400" dirty="0">
                 <a:latin typeface="Courier New" pitchFamily="49" charset="0"/>
                 <a:cs typeface="Courier New" pitchFamily="49" charset="0"/>
               </a:rPr>
@@ -13716,21 +13440,21 @@
               <a:defRPr/>
             </a:pPr>
             <a:r>
-              <a:rPr lang="en-US" sz="1400" dirty="0" smtClean="0">
+              <a:rPr lang="en-US" sz="1400" dirty="0">
                 <a:latin typeface="Courier New" pitchFamily="49" charset="0"/>
                 <a:cs typeface="Courier New" pitchFamily="49" charset="0"/>
               </a:rPr>
               <a:t>         </a:t>
             </a:r>
             <a:r>
-              <a:rPr lang="en-US" sz="1400" dirty="0" err="1" smtClean="0">
+              <a:rPr lang="en-US" sz="1400" dirty="0" err="1">
                 <a:latin typeface="Courier New" pitchFamily="49" charset="0"/>
                 <a:cs typeface="Courier New" pitchFamily="49" charset="0"/>
               </a:rPr>
               <a:t>output.WriteLine</a:t>
             </a:r>
             <a:r>
-              <a:rPr lang="en-US" sz="1400" dirty="0" smtClean="0">
+              <a:rPr lang="en-US" sz="1400" dirty="0">
                 <a:latin typeface="Courier New" pitchFamily="49" charset="0"/>
                 <a:cs typeface="Courier New" pitchFamily="49" charset="0"/>
               </a:rPr>
@@ -13744,7 +13468,7 @@
               <a:defRPr/>
             </a:pPr>
             <a:r>
-              <a:rPr lang="en-US" sz="1400" dirty="0" smtClean="0">
+              <a:rPr lang="en-US" sz="1400" dirty="0">
                 <a:latin typeface="Courier New" pitchFamily="49" charset="0"/>
                 <a:cs typeface="Courier New" pitchFamily="49" charset="0"/>
               </a:rPr>
@@ -13758,7 +13482,7 @@
               <a:defRPr/>
             </a:pPr>
             <a:r>
-              <a:rPr lang="en-US" sz="1400" dirty="0" smtClean="0">
+              <a:rPr lang="en-US" sz="1400" dirty="0">
                 <a:solidFill>
                   <a:srgbClr val="008000"/>
                 </a:solidFill>
@@ -13775,35 +13499,35 @@
               <a:defRPr/>
             </a:pPr>
             <a:r>
-              <a:rPr lang="en-US" sz="1400" dirty="0" smtClean="0">
+              <a:rPr lang="en-US" sz="1400" dirty="0">
                 <a:latin typeface="Courier New" pitchFamily="49" charset="0"/>
                 <a:cs typeface="Courier New" pitchFamily="49" charset="0"/>
               </a:rPr>
               <a:t>      </a:t>
             </a:r>
             <a:r>
-              <a:rPr lang="en-US" sz="1400" dirty="0" err="1" smtClean="0">
+              <a:rPr lang="en-US" sz="1400" dirty="0" err="1">
                 <a:latin typeface="Courier New" pitchFamily="49" charset="0"/>
                 <a:cs typeface="Courier New" pitchFamily="49" charset="0"/>
               </a:rPr>
               <a:t>input.Close</a:t>
             </a:r>
             <a:r>
-              <a:rPr lang="en-US" sz="1400" dirty="0" smtClean="0">
+              <a:rPr lang="en-US" sz="1400" dirty="0">
                 <a:latin typeface="Courier New" pitchFamily="49" charset="0"/>
                 <a:cs typeface="Courier New" pitchFamily="49" charset="0"/>
               </a:rPr>
               <a:t>(); </a:t>
             </a:r>
             <a:r>
-              <a:rPr lang="en-US" sz="1400" dirty="0" err="1" smtClean="0">
+              <a:rPr lang="en-US" sz="1400" dirty="0" err="1">
                 <a:latin typeface="Courier New" pitchFamily="49" charset="0"/>
                 <a:cs typeface="Courier New" pitchFamily="49" charset="0"/>
               </a:rPr>
               <a:t>output.Close</a:t>
             </a:r>
             <a:r>
-              <a:rPr lang="en-US" sz="1400" dirty="0" smtClean="0">
+              <a:rPr lang="en-US" sz="1400" dirty="0">
                 <a:latin typeface="Courier New" pitchFamily="49" charset="0"/>
                 <a:cs typeface="Courier New" pitchFamily="49" charset="0"/>
               </a:rPr>
@@ -13817,7 +13541,7 @@
               <a:defRPr/>
             </a:pPr>
             <a:r>
-              <a:rPr lang="en-US" sz="1400" dirty="0" smtClean="0">
+              <a:rPr lang="en-US" sz="1400" dirty="0">
                 <a:latin typeface="Courier New" pitchFamily="49" charset="0"/>
                 <a:cs typeface="Courier New" pitchFamily="49" charset="0"/>
               </a:rPr>
@@ -13831,14 +13555,14 @@
               <a:defRPr/>
             </a:pPr>
             <a:r>
-              <a:rPr lang="en-US" sz="1400" dirty="0" smtClean="0">
+              <a:rPr lang="en-US" sz="1400" dirty="0">
                 <a:latin typeface="Courier New" pitchFamily="49" charset="0"/>
                 <a:cs typeface="Courier New" pitchFamily="49" charset="0"/>
               </a:rPr>
               <a:t>} </a:t>
             </a:r>
             <a:r>
-              <a:rPr lang="en-US" sz="1400" dirty="0" smtClean="0">
+              <a:rPr lang="en-US" sz="1400" dirty="0">
                 <a:solidFill>
                   <a:srgbClr val="0000FF"/>
                 </a:solidFill>
@@ -13848,14 +13572,14 @@
               <a:t>catch</a:t>
             </a:r>
             <a:r>
-              <a:rPr lang="en-US" sz="1400" dirty="0" smtClean="0">
+              <a:rPr lang="en-US" sz="1400" dirty="0">
                 <a:latin typeface="Courier New" pitchFamily="49" charset="0"/>
                 <a:cs typeface="Courier New" pitchFamily="49" charset="0"/>
               </a:rPr>
               <a:t> (</a:t>
             </a:r>
             <a:r>
-              <a:rPr lang="en-US" sz="1400" dirty="0" err="1" smtClean="0">
+              <a:rPr lang="en-US" sz="1400" dirty="0" err="1">
                 <a:solidFill>
                   <a:schemeClr val="accent5">
                     <a:lumMod val="75000"/>
@@ -13867,7 +13591,7 @@
               <a:t>IOException</a:t>
             </a:r>
             <a:r>
-              <a:rPr lang="en-US" sz="1400" dirty="0" smtClean="0">
+              <a:rPr lang="en-US" sz="1400" dirty="0">
                 <a:latin typeface="Courier New" pitchFamily="49" charset="0"/>
                 <a:cs typeface="Courier New" pitchFamily="49" charset="0"/>
               </a:rPr>
@@ -13881,21 +13605,21 @@
               <a:defRPr/>
             </a:pPr>
             <a:r>
-              <a:rPr lang="en-US" sz="1400" dirty="0" smtClean="0">
+              <a:rPr lang="en-US" sz="1400" dirty="0">
                 <a:latin typeface="Courier New" pitchFamily="49" charset="0"/>
                 <a:cs typeface="Courier New" pitchFamily="49" charset="0"/>
               </a:rPr>
               <a:t>   </a:t>
             </a:r>
             <a:r>
-              <a:rPr lang="en-US" sz="1400" dirty="0" err="1" smtClean="0">
+              <a:rPr lang="en-US" sz="1400" dirty="0" err="1">
                 <a:latin typeface="Courier New" pitchFamily="49" charset="0"/>
                 <a:cs typeface="Courier New" pitchFamily="49" charset="0"/>
               </a:rPr>
               <a:t>System.</a:t>
             </a:r>
             <a:r>
-              <a:rPr lang="en-US" sz="1400" dirty="0" err="1" smtClean="0">
+              <a:rPr lang="en-US" sz="1400" dirty="0" err="1">
                 <a:solidFill>
                   <a:schemeClr val="accent5">
                     <a:lumMod val="75000"/>
@@ -13907,28 +13631,28 @@
               <a:t>Console</a:t>
             </a:r>
             <a:r>
-              <a:rPr lang="en-US" sz="1400" dirty="0" err="1" smtClean="0">
+              <a:rPr lang="en-US" sz="1400" dirty="0" err="1">
                 <a:latin typeface="Courier New" pitchFamily="49" charset="0"/>
                 <a:cs typeface="Courier New" pitchFamily="49" charset="0"/>
               </a:rPr>
               <a:t>.WriteLine</a:t>
             </a:r>
             <a:r>
-              <a:rPr lang="en-US" sz="1400" dirty="0" smtClean="0">
+              <a:rPr lang="en-US" sz="1400" dirty="0">
                 <a:latin typeface="Courier New" pitchFamily="49" charset="0"/>
                 <a:cs typeface="Courier New" pitchFamily="49" charset="0"/>
               </a:rPr>
               <a:t>(</a:t>
             </a:r>
             <a:r>
-              <a:rPr lang="en-US" sz="1400" dirty="0" err="1" smtClean="0">
+              <a:rPr lang="en-US" sz="1400" dirty="0" err="1">
                 <a:latin typeface="Courier New" pitchFamily="49" charset="0"/>
                 <a:cs typeface="Courier New" pitchFamily="49" charset="0"/>
               </a:rPr>
               <a:t>e.Message</a:t>
             </a:r>
             <a:r>
-              <a:rPr lang="en-US" sz="1400" dirty="0" smtClean="0">
+              <a:rPr lang="en-US" sz="1400" dirty="0">
                 <a:latin typeface="Courier New" pitchFamily="49" charset="0"/>
                 <a:cs typeface="Courier New" pitchFamily="49" charset="0"/>
               </a:rPr>
@@ -13942,7 +13666,7 @@
               <a:defRPr/>
             </a:pPr>
             <a:r>
-              <a:rPr lang="en-US" sz="1400" dirty="0" smtClean="0">
+              <a:rPr lang="en-US" sz="1400" dirty="0">
                 <a:latin typeface="Courier New" pitchFamily="49" charset="0"/>
                 <a:cs typeface="Courier New" pitchFamily="49" charset="0"/>
               </a:rPr>
@@ -13972,13 +13696,6 @@
   <p:clrMapOvr>
     <a:masterClrMapping/>
   </p:clrMapOvr>
-  <p:timing>
-    <p:tnLst>
-      <p:par>
-        <p:cTn id="1" dur="indefinite" restart="never" nodeType="tmRoot"/>
-      </p:par>
-    </p:tnLst>
-  </p:timing>
 </p:sld>
 </file>
 
@@ -14064,7 +13781,7 @@
               <a:defRPr/>
             </a:pPr>
             <a:r>
-              <a:rPr kumimoji="0" lang="en-US" sz="3200" b="1" i="0" u="none" strike="noStrike" kern="1200" cap="none" spc="0" normalizeH="0" baseline="0" noProof="0" dirty="0" smtClean="0">
+              <a:rPr kumimoji="0" lang="en-US" sz="3200" b="1" i="0" u="none" strike="noStrike" kern="1200" cap="none" spc="0" normalizeH="0" baseline="0" noProof="0" dirty="0">
                 <a:ln>
                   <a:noFill/>
                 </a:ln>
@@ -14100,7 +13817,7 @@
               <a:defRPr/>
             </a:pPr>
             <a:r>
-              <a:rPr kumimoji="0" lang="en-US" sz="2800" b="1" i="0" u="none" strike="noStrike" kern="1200" cap="none" spc="0" normalizeH="0" baseline="0" noProof="0" dirty="0" smtClean="0">
+              <a:rPr kumimoji="0" lang="en-US" sz="2800" b="1" i="0" u="none" strike="noStrike" kern="1200" cap="none" spc="0" normalizeH="0" baseline="0" noProof="0" dirty="0">
                 <a:ln>
                   <a:noFill/>
                 </a:ln>
@@ -14132,13 +13849,6 @@
   <p:transition spd="slow">
     <p:fade/>
   </p:transition>
-  <p:timing>
-    <p:tnLst>
-      <p:par>
-        <p:cTn id="1" dur="indefinite" restart="never" nodeType="tmRoot"/>
-      </p:par>
-    </p:tnLst>
-  </p:timing>
 </p:sld>
 </file>
 
@@ -14224,7 +13934,7 @@
               <a:defRPr/>
             </a:pPr>
             <a:r>
-              <a:rPr kumimoji="0" lang="en-US" sz="3200" b="1" i="0" u="none" strike="noStrike" kern="1200" cap="none" spc="0" normalizeH="0" baseline="0" noProof="0" dirty="0" smtClean="0">
+              <a:rPr kumimoji="0" lang="en-US" sz="3200" b="1" i="0" u="none" strike="noStrike" kern="1200" cap="none" spc="0" normalizeH="0" baseline="0" noProof="0" dirty="0">
                 <a:ln>
                   <a:noFill/>
                 </a:ln>
@@ -14260,7 +13970,7 @@
               <a:defRPr/>
             </a:pPr>
             <a:r>
-              <a:rPr kumimoji="0" lang="en-US" sz="2800" b="1" i="0" u="none" strike="noStrike" kern="1200" cap="none" spc="0" normalizeH="0" baseline="0" noProof="0" dirty="0" smtClean="0">
+              <a:rPr kumimoji="0" lang="en-US" sz="2800" b="1" i="0" u="none" strike="noStrike" kern="1200" cap="none" spc="0" normalizeH="0" baseline="0" noProof="0" dirty="0">
                 <a:ln>
                   <a:noFill/>
                 </a:ln>
@@ -14277,7 +13987,7 @@
               <a:t>Files</a:t>
             </a:r>
             <a:r>
-              <a:rPr kumimoji="0" lang="en-US" sz="2800" b="1" i="0" u="none" strike="noStrike" kern="1200" cap="none" spc="0" normalizeH="0" noProof="0" dirty="0" smtClean="0">
+              <a:rPr kumimoji="0" lang="en-US" sz="2800" b="1" i="0" u="none" strike="noStrike" kern="1200" cap="none" spc="0" normalizeH="0" noProof="0" dirty="0">
                 <a:ln>
                   <a:noFill/>
                 </a:ln>
@@ -14293,7 +14003,7 @@
               </a:rPr>
               <a:t> system accessing</a:t>
             </a:r>
-            <a:endParaRPr kumimoji="0" lang="en-US" sz="2800" b="1" i="0" u="none" strike="noStrike" kern="1200" cap="none" spc="0" normalizeH="0" baseline="0" noProof="0" dirty="0" smtClean="0">
+            <a:endParaRPr kumimoji="0" lang="en-US" sz="2800" b="1" i="0" u="none" strike="noStrike" kern="1200" cap="none" spc="0" normalizeH="0" baseline="0" noProof="0" dirty="0">
               <a:ln>
                 <a:noFill/>
               </a:ln>
@@ -14323,13 +14033,6 @@
   <p:transition spd="slow">
     <p:fade/>
   </p:transition>
-  <p:timing>
-    <p:tnLst>
-      <p:par>
-        <p:cTn id="1" dur="indefinite" restart="never" nodeType="tmRoot"/>
-      </p:par>
-    </p:tnLst>
-  </p:timing>
 </p:sld>
 </file>
 
@@ -14371,144 +14074,133 @@
           </a:bodyPr>
           <a:lstStyle/>
           <a:p>
-            <a:r>
-              <a:rPr lang="en-US" sz="1600" dirty="0" smtClean="0"/>
-              <a:t/>
-            </a:r>
             <a:br>
-              <a:rPr lang="en-US" sz="1600" dirty="0" smtClean="0"/>
+              <a:rPr lang="en-US" sz="1600" dirty="0"/>
             </a:br>
             <a:r>
-              <a:rPr lang="en-US" sz="2400" dirty="0" smtClean="0">
+              <a:rPr lang="en-US" sz="2400" dirty="0">
                 <a:latin typeface="+mn-lt"/>
                 <a:cs typeface="+mn-cs"/>
               </a:rPr>
               <a:t>• An encryption algorithm makes data unreadable to any person </a:t>
             </a:r>
             <a:br>
-              <a:rPr lang="en-US" sz="2400" dirty="0" smtClean="0">
+              <a:rPr lang="en-US" sz="2400" dirty="0">
                 <a:latin typeface="+mn-lt"/>
                 <a:cs typeface="+mn-cs"/>
               </a:rPr>
             </a:br>
             <a:r>
-              <a:rPr lang="en-US" sz="2400" dirty="0" smtClean="0">
+              <a:rPr lang="en-US" sz="2400" dirty="0">
                 <a:latin typeface="+mn-lt"/>
                 <a:cs typeface="+mn-cs"/>
               </a:rPr>
               <a:t>or system until the associated decryption algorithm is applied. </a:t>
             </a:r>
             <a:br>
-              <a:rPr lang="en-US" sz="2400" dirty="0" smtClean="0">
+              <a:rPr lang="en-US" sz="2400" dirty="0">
                 <a:latin typeface="+mn-lt"/>
                 <a:cs typeface="+mn-cs"/>
               </a:rPr>
             </a:br>
             <a:r>
-              <a:rPr lang="en-US" sz="2400" dirty="0" smtClean="0">
+              <a:rPr lang="en-US" sz="2400" dirty="0">
                 <a:latin typeface="+mn-lt"/>
                 <a:cs typeface="+mn-cs"/>
               </a:rPr>
               <a:t>— Encryption does not hide data; it makes it unreadable </a:t>
             </a:r>
             <a:br>
-              <a:rPr lang="en-US" sz="2400" dirty="0" smtClean="0">
+              <a:rPr lang="en-US" sz="2400" dirty="0">
                 <a:latin typeface="+mn-lt"/>
                 <a:cs typeface="+mn-cs"/>
               </a:rPr>
             </a:br>
             <a:r>
-              <a:rPr lang="en-US" sz="2400" dirty="0" smtClean="0">
+              <a:rPr lang="en-US" sz="2400" dirty="0">
                 <a:latin typeface="+mn-lt"/>
                 <a:cs typeface="+mn-cs"/>
               </a:rPr>
               <a:t>— Encryption is not the same as compression </a:t>
             </a:r>
             <a:br>
-              <a:rPr lang="en-US" sz="2400" dirty="0" smtClean="0">
+              <a:rPr lang="en-US" sz="2400" dirty="0">
                 <a:latin typeface="+mn-lt"/>
                 <a:cs typeface="+mn-cs"/>
               </a:rPr>
             </a:br>
             <a:r>
-              <a:rPr lang="en-US" sz="2400" dirty="0" smtClean="0">
+              <a:rPr lang="en-US" sz="2400" dirty="0">
                 <a:latin typeface="+mn-lt"/>
                 <a:cs typeface="+mn-cs"/>
               </a:rPr>
               <a:t>• Types of encryption </a:t>
             </a:r>
             <a:br>
-              <a:rPr lang="en-US" sz="2400" dirty="0" smtClean="0">
+              <a:rPr lang="en-US" sz="2400" dirty="0">
                 <a:latin typeface="+mn-lt"/>
                 <a:cs typeface="+mn-cs"/>
               </a:rPr>
             </a:br>
             <a:r>
-              <a:rPr lang="en-US" sz="2400" dirty="0" smtClean="0">
+              <a:rPr lang="en-US" sz="2400" dirty="0">
                 <a:latin typeface="+mn-lt"/>
                 <a:cs typeface="+mn-cs"/>
               </a:rPr>
               <a:t>— File Encryption </a:t>
             </a:r>
             <a:br>
-              <a:rPr lang="en-US" sz="2400" dirty="0" smtClean="0">
+              <a:rPr lang="en-US" sz="2400" dirty="0">
                 <a:latin typeface="+mn-lt"/>
                 <a:cs typeface="+mn-cs"/>
               </a:rPr>
             </a:br>
             <a:r>
-              <a:rPr lang="en-US" sz="2400" dirty="0" smtClean="0">
+              <a:rPr lang="en-US" sz="2400" dirty="0">
                 <a:latin typeface="+mn-lt"/>
                 <a:cs typeface="+mn-cs"/>
               </a:rPr>
               <a:t>— Windows Data Protection </a:t>
             </a:r>
             <a:br>
-              <a:rPr lang="en-US" sz="2400" dirty="0" smtClean="0">
+              <a:rPr lang="en-US" sz="2400" dirty="0">
                 <a:latin typeface="+mn-lt"/>
                 <a:cs typeface="+mn-cs"/>
               </a:rPr>
             </a:br>
             <a:r>
-              <a:rPr lang="en-US" sz="2400" dirty="0" smtClean="0">
+              <a:rPr lang="en-US" sz="2400" dirty="0">
                 <a:latin typeface="+mn-lt"/>
                 <a:cs typeface="+mn-cs"/>
               </a:rPr>
               <a:t>— Hashing, used for signing and validating </a:t>
             </a:r>
             <a:br>
-              <a:rPr lang="en-US" sz="2400" dirty="0" smtClean="0">
+              <a:rPr lang="en-US" sz="2400" dirty="0">
                 <a:latin typeface="+mn-lt"/>
                 <a:cs typeface="+mn-cs"/>
               </a:rPr>
             </a:br>
             <a:r>
-              <a:rPr lang="en-US" sz="2400" dirty="0" smtClean="0">
+              <a:rPr lang="en-US" sz="2400" dirty="0">
                 <a:latin typeface="+mn-lt"/>
                 <a:cs typeface="+mn-cs"/>
               </a:rPr>
               <a:t>— Symmetric and Asymmetric </a:t>
             </a:r>
             <a:br>
-              <a:rPr lang="en-US" sz="2400" dirty="0" smtClean="0">
+              <a:rPr lang="en-US" sz="2400" dirty="0">
                 <a:latin typeface="+mn-lt"/>
                 <a:cs typeface="+mn-cs"/>
               </a:rPr>
             </a:br>
-            <a:r>
-              <a:rPr lang="en-US" sz="2400" dirty="0" smtClean="0">
+            <a:br>
+              <a:rPr lang="en-US" sz="2400" dirty="0">
                 <a:latin typeface="+mn-lt"/>
                 <a:cs typeface="+mn-cs"/>
               </a:rPr>
-              <a:t/>
-            </a:r>
-            <a:br>
-              <a:rPr lang="en-US" sz="2400" dirty="0" smtClean="0">
-                <a:latin typeface="+mn-lt"/>
-                <a:cs typeface="+mn-cs"/>
-              </a:rPr>
             </a:br>
-            <a:endParaRPr lang="en-US" sz="2400" dirty="0" smtClean="0">
+            <a:endParaRPr lang="en-US" sz="2400" dirty="0">
               <a:latin typeface="+mn-lt"/>
               <a:cs typeface="+mn-cs"/>
             </a:endParaRPr>
@@ -14538,7 +14230,7 @@
           <a:p>
             <a:pPr lvl="0" algn="r"/>
             <a:r>
-              <a:rPr lang="en-US" sz="3200" b="1" dirty="0" smtClean="0">
+              <a:rPr lang="en-US" sz="3200" b="1" dirty="0">
                 <a:solidFill>
                   <a:srgbClr val="C00000"/>
                 </a:solidFill>
@@ -14546,12 +14238,12 @@
               </a:rPr>
               <a:t>Encryption Functions</a:t>
             </a:r>
-            <a:endParaRPr lang="en-US" sz="3200" dirty="0" smtClean="0"/>
+            <a:endParaRPr lang="en-US" sz="3200" dirty="0"/>
           </a:p>
           <a:p>
             <a:pPr lvl="0" algn="r"/>
             <a:r>
-              <a:rPr lang="en-US" sz="2800" b="1" dirty="0" smtClean="0">
+              <a:rPr lang="en-US" sz="2800" b="1" dirty="0">
                 <a:solidFill>
                   <a:srgbClr val="C00000"/>
                 </a:solidFill>
@@ -14575,13 +14267,6 @@
   <p:transition spd="slow">
     <p:fade/>
   </p:transition>
-  <p:timing>
-    <p:tnLst>
-      <p:par>
-        <p:cTn id="1" dur="indefinite" restart="never" nodeType="tmRoot"/>
-      </p:par>
-    </p:tnLst>
-  </p:timing>
 </p:sld>
 </file>
 
@@ -14623,135 +14308,124 @@
           </a:bodyPr>
           <a:lstStyle/>
           <a:p>
-            <a:r>
-              <a:rPr lang="en-US" dirty="0" smtClean="0"/>
-              <a:t/>
-            </a:r>
             <a:br>
-              <a:rPr lang="en-US" dirty="0" smtClean="0"/>
+              <a:rPr lang="en-US" dirty="0"/>
             </a:br>
             <a:r>
-              <a:rPr lang="en-US" dirty="0" smtClean="0"/>
+              <a:rPr lang="en-US" dirty="0"/>
               <a:t>• </a:t>
             </a:r>
             <a:r>
-              <a:rPr lang="en-US" sz="2400" dirty="0" smtClean="0">
+              <a:rPr lang="en-US" sz="2400" dirty="0">
                 <a:latin typeface="+mn-lt"/>
                 <a:cs typeface="+mn-cs"/>
               </a:rPr>
               <a:t>File Encryption </a:t>
             </a:r>
             <a:br>
-              <a:rPr lang="en-US" sz="2400" dirty="0" smtClean="0">
+              <a:rPr lang="en-US" sz="2400" dirty="0">
                 <a:latin typeface="+mn-lt"/>
                 <a:cs typeface="+mn-cs"/>
               </a:rPr>
             </a:br>
             <a:r>
-              <a:rPr lang="en-US" sz="2400" dirty="0" smtClean="0">
+              <a:rPr lang="en-US" sz="2400" dirty="0">
                 <a:latin typeface="+mn-lt"/>
                 <a:cs typeface="+mn-cs"/>
               </a:rPr>
               <a:t>— Encrypts and decrypts files </a:t>
             </a:r>
             <a:br>
-              <a:rPr lang="en-US" sz="2400" dirty="0" smtClean="0">
+              <a:rPr lang="en-US" sz="2400" dirty="0">
                 <a:latin typeface="+mn-lt"/>
                 <a:cs typeface="+mn-cs"/>
               </a:rPr>
             </a:br>
             <a:r>
-              <a:rPr lang="en-US" sz="2400" dirty="0" smtClean="0">
+              <a:rPr lang="en-US" sz="2400" dirty="0">
                 <a:latin typeface="+mn-lt"/>
                 <a:cs typeface="+mn-cs"/>
               </a:rPr>
               <a:t>— Fast to encrypt/decrypt </a:t>
             </a:r>
             <a:br>
-              <a:rPr lang="en-US" sz="2400" dirty="0" smtClean="0">
+              <a:rPr lang="en-US" sz="2400" dirty="0">
                 <a:latin typeface="+mn-lt"/>
                 <a:cs typeface="+mn-cs"/>
               </a:rPr>
             </a:br>
             <a:r>
-              <a:rPr lang="en-US" sz="2400" dirty="0" smtClean="0">
+              <a:rPr lang="en-US" sz="2400" dirty="0">
                 <a:latin typeface="+mn-lt"/>
                 <a:cs typeface="+mn-cs"/>
               </a:rPr>
               <a:t>— Based on user credentials </a:t>
             </a:r>
             <a:br>
-              <a:rPr lang="en-US" sz="2400" dirty="0" smtClean="0">
+              <a:rPr lang="en-US" sz="2400" dirty="0">
                 <a:latin typeface="+mn-lt"/>
                 <a:cs typeface="+mn-cs"/>
               </a:rPr>
             </a:br>
             <a:r>
-              <a:rPr lang="en-US" sz="2400" dirty="0" smtClean="0">
+              <a:rPr lang="en-US" sz="2400" dirty="0">
                 <a:latin typeface="+mn-lt"/>
                 <a:cs typeface="+mn-cs"/>
               </a:rPr>
               <a:t>• Windows Data Protection </a:t>
             </a:r>
             <a:br>
-              <a:rPr lang="en-US" sz="2400" dirty="0" smtClean="0">
+              <a:rPr lang="en-US" sz="2400" dirty="0">
                 <a:latin typeface="+mn-lt"/>
                 <a:cs typeface="+mn-cs"/>
               </a:rPr>
             </a:br>
             <a:r>
-              <a:rPr lang="en-US" sz="2400" dirty="0" smtClean="0">
+              <a:rPr lang="en-US" sz="2400" dirty="0">
                 <a:latin typeface="+mn-lt"/>
                 <a:cs typeface="+mn-cs"/>
               </a:rPr>
               <a:t>— Encrypts and decrypts byte[] </a:t>
             </a:r>
             <a:br>
-              <a:rPr lang="en-US" sz="2400" dirty="0" smtClean="0">
+              <a:rPr lang="en-US" sz="2400" dirty="0">
                 <a:latin typeface="+mn-lt"/>
                 <a:cs typeface="+mn-cs"/>
               </a:rPr>
             </a:br>
             <a:r>
-              <a:rPr lang="en-US" sz="2400" dirty="0" smtClean="0">
+              <a:rPr lang="en-US" sz="2400" dirty="0">
                 <a:latin typeface="+mn-lt"/>
                 <a:cs typeface="+mn-cs"/>
               </a:rPr>
               <a:t>— Fast to encrypt/decrypt </a:t>
             </a:r>
             <a:br>
-              <a:rPr lang="en-US" sz="2400" dirty="0" smtClean="0">
+              <a:rPr lang="en-US" sz="2400" dirty="0">
                 <a:latin typeface="+mn-lt"/>
                 <a:cs typeface="+mn-cs"/>
               </a:rPr>
             </a:br>
             <a:r>
-              <a:rPr lang="en-US" sz="2400" dirty="0" smtClean="0">
+              <a:rPr lang="en-US" sz="2400" dirty="0">
                 <a:latin typeface="+mn-lt"/>
                 <a:cs typeface="+mn-cs"/>
               </a:rPr>
               <a:t>— Based on user credentials </a:t>
             </a:r>
             <a:br>
-              <a:rPr lang="en-US" sz="2400" dirty="0" smtClean="0">
+              <a:rPr lang="en-US" sz="2400" dirty="0">
                 <a:latin typeface="+mn-lt"/>
                 <a:cs typeface="+mn-cs"/>
               </a:rPr>
             </a:br>
-            <a:r>
-              <a:rPr lang="en-US" sz="2400" dirty="0" smtClean="0">
+            <a:br>
+              <a:rPr lang="en-US" sz="2400" dirty="0">
                 <a:latin typeface="+mn-lt"/>
                 <a:cs typeface="+mn-cs"/>
               </a:rPr>
-              <a:t/>
-            </a:r>
-            <a:br>
-              <a:rPr lang="en-US" sz="2400" dirty="0" smtClean="0">
-                <a:latin typeface="+mn-lt"/>
-                <a:cs typeface="+mn-cs"/>
-              </a:rPr>
             </a:br>
-            <a:endParaRPr lang="en-US" sz="2400" dirty="0" smtClean="0">
+            <a:endParaRPr lang="en-US" sz="2400" dirty="0">
               <a:latin typeface="+mn-lt"/>
               <a:cs typeface="+mn-cs"/>
             </a:endParaRPr>
@@ -14794,7 +14468,7 @@
           <a:p>
             <a:pPr lvl="0" algn="r"/>
             <a:r>
-              <a:rPr lang="en-US" sz="2800" b="1" dirty="0" smtClean="0">
+              <a:rPr lang="en-US" sz="2800" b="1" dirty="0">
                 <a:solidFill>
                   <a:srgbClr val="C00000"/>
                 </a:solidFill>
@@ -14818,13 +14492,6 @@
   <p:transition spd="slow">
     <p:fade/>
   </p:transition>
-  <p:timing>
-    <p:tnLst>
-      <p:par>
-        <p:cTn id="1" dur="indefinite" restart="never" nodeType="tmRoot"/>
-      </p:par>
-    </p:tnLst>
-  </p:timing>
 </p:sld>
 </file>
 
@@ -14881,7 +14548,7 @@
           <a:p>
             <a:pPr lvl="0" algn="r"/>
             <a:r>
-              <a:rPr lang="en-US" sz="2800" b="1" dirty="0" smtClean="0">
+              <a:rPr lang="en-US" sz="2800" b="1" dirty="0">
                 <a:solidFill>
                   <a:srgbClr val="C00000"/>
                 </a:solidFill>
@@ -14913,145 +14580,134 @@
           </a:bodyPr>
           <a:lstStyle/>
           <a:p>
-            <a:r>
-              <a:rPr lang="en-US" dirty="0" smtClean="0"/>
-              <a:t/>
-            </a:r>
             <a:br>
-              <a:rPr lang="en-US" dirty="0" smtClean="0"/>
+              <a:rPr lang="en-US" dirty="0"/>
             </a:br>
             <a:r>
-              <a:rPr lang="en-US" sz="2400" dirty="0" smtClean="0">
+              <a:rPr lang="en-US" sz="2400" dirty="0">
                 <a:latin typeface="+mn-lt"/>
                 <a:cs typeface="+mn-cs"/>
               </a:rPr>
               <a:t>• One-way encryption </a:t>
             </a:r>
             <a:br>
-              <a:rPr lang="en-US" sz="2400" dirty="0" smtClean="0">
+              <a:rPr lang="en-US" sz="2400" dirty="0">
                 <a:latin typeface="+mn-lt"/>
                 <a:cs typeface="+mn-cs"/>
               </a:rPr>
             </a:br>
             <a:r>
-              <a:rPr lang="en-US" sz="2400" dirty="0" smtClean="0">
+              <a:rPr lang="en-US" sz="2400" dirty="0">
                 <a:latin typeface="+mn-lt"/>
                 <a:cs typeface="+mn-cs"/>
               </a:rPr>
               <a:t>• Common algorithms: </a:t>
             </a:r>
             <a:br>
-              <a:rPr lang="en-US" sz="2400" dirty="0" smtClean="0">
+              <a:rPr lang="en-US" sz="2400" dirty="0">
                 <a:latin typeface="+mn-lt"/>
                 <a:cs typeface="+mn-cs"/>
               </a:rPr>
             </a:br>
             <a:r>
-              <a:rPr lang="en-US" sz="2400" dirty="0" smtClean="0">
+              <a:rPr lang="en-US" sz="2400" dirty="0">
                 <a:latin typeface="+mn-lt"/>
                 <a:cs typeface="+mn-cs"/>
               </a:rPr>
               <a:t>— MD5 (generates a 16 character hash than can be stored in a </a:t>
             </a:r>
             <a:r>
-              <a:rPr lang="en-US" sz="2400" dirty="0" err="1" smtClean="0">
+              <a:rPr lang="en-US" sz="2400" dirty="0" err="1">
                 <a:latin typeface="+mn-lt"/>
                 <a:cs typeface="+mn-cs"/>
               </a:rPr>
               <a:t>Guid</a:t>
             </a:r>
             <a:r>
-              <a:rPr lang="en-US" sz="2400" dirty="0" smtClean="0">
+              <a:rPr lang="en-US" sz="2400" dirty="0">
                 <a:latin typeface="+mn-lt"/>
                 <a:cs typeface="+mn-cs"/>
               </a:rPr>
               <a:t>) </a:t>
             </a:r>
             <a:br>
-              <a:rPr lang="en-US" sz="2400" dirty="0" smtClean="0">
+              <a:rPr lang="en-US" sz="2400" dirty="0">
                 <a:latin typeface="+mn-lt"/>
                 <a:cs typeface="+mn-cs"/>
               </a:rPr>
             </a:br>
             <a:r>
-              <a:rPr lang="en-US" sz="2400" dirty="0" smtClean="0">
+              <a:rPr lang="en-US" sz="2400" dirty="0">
                 <a:latin typeface="+mn-lt"/>
                 <a:cs typeface="+mn-cs"/>
               </a:rPr>
               <a:t>— SHA (SHA1, SHA256, SHA384, SHA512) </a:t>
             </a:r>
             <a:br>
-              <a:rPr lang="en-US" sz="2400" dirty="0" smtClean="0">
+              <a:rPr lang="en-US" sz="2400" dirty="0">
                 <a:latin typeface="+mn-lt"/>
                 <a:cs typeface="+mn-cs"/>
               </a:rPr>
             </a:br>
             <a:r>
-              <a:rPr lang="en-US" sz="2400" dirty="0" smtClean="0">
+              <a:rPr lang="en-US" sz="2400" dirty="0">
                 <a:latin typeface="+mn-lt"/>
                 <a:cs typeface="+mn-cs"/>
               </a:rPr>
               <a:t>• Fast (depending on chosen algorithm) </a:t>
             </a:r>
             <a:br>
-              <a:rPr lang="en-US" sz="2400" dirty="0" smtClean="0">
+              <a:rPr lang="en-US" sz="2400" dirty="0">
                 <a:latin typeface="+mn-lt"/>
                 <a:cs typeface="+mn-cs"/>
               </a:rPr>
             </a:br>
             <a:r>
-              <a:rPr lang="en-US" sz="2400" dirty="0" smtClean="0">
+              <a:rPr lang="en-US" sz="2400" dirty="0">
                 <a:latin typeface="+mn-lt"/>
                 <a:cs typeface="+mn-cs"/>
               </a:rPr>
               <a:t>• Used for storing passwords, comparing files, data </a:t>
             </a:r>
             <a:br>
-              <a:rPr lang="en-US" sz="2400" dirty="0" smtClean="0">
+              <a:rPr lang="en-US" sz="2400" dirty="0">
                 <a:latin typeface="+mn-lt"/>
                 <a:cs typeface="+mn-cs"/>
               </a:rPr>
             </a:br>
             <a:r>
-              <a:rPr lang="en-US" sz="2400" dirty="0" smtClean="0">
+              <a:rPr lang="en-US" sz="2400" dirty="0">
                 <a:latin typeface="+mn-lt"/>
                 <a:cs typeface="+mn-cs"/>
               </a:rPr>
               <a:t>corruption/tamper checking </a:t>
             </a:r>
             <a:br>
-              <a:rPr lang="en-US" sz="2400" dirty="0" smtClean="0">
+              <a:rPr lang="en-US" sz="2400" dirty="0">
                 <a:latin typeface="+mn-lt"/>
                 <a:cs typeface="+mn-cs"/>
               </a:rPr>
             </a:br>
             <a:r>
-              <a:rPr lang="en-US" sz="2400" dirty="0" smtClean="0">
+              <a:rPr lang="en-US" sz="2400" dirty="0">
                 <a:latin typeface="+mn-lt"/>
                 <a:cs typeface="+mn-cs"/>
               </a:rPr>
               <a:t>— Use SHA256 or greater for passwords or other sensitive data </a:t>
             </a:r>
             <a:br>
-              <a:rPr lang="en-US" sz="2400" dirty="0" smtClean="0">
+              <a:rPr lang="en-US" sz="2400" dirty="0">
                 <a:latin typeface="+mn-lt"/>
                 <a:cs typeface="+mn-cs"/>
               </a:rPr>
             </a:br>
-            <a:r>
-              <a:rPr lang="en-US" sz="2400" dirty="0" smtClean="0">
+            <a:br>
+              <a:rPr lang="en-US" sz="2400" dirty="0">
                 <a:latin typeface="+mn-lt"/>
                 <a:cs typeface="+mn-cs"/>
               </a:rPr>
-              <a:t/>
-            </a:r>
-            <a:br>
-              <a:rPr lang="en-US" sz="2400" dirty="0" smtClean="0">
-                <a:latin typeface="+mn-lt"/>
-                <a:cs typeface="+mn-cs"/>
-              </a:rPr>
             </a:br>
-            <a:endParaRPr lang="en-US" sz="2400" dirty="0" smtClean="0">
+            <a:endParaRPr lang="en-US" sz="2400" dirty="0">
               <a:latin typeface="+mn-lt"/>
               <a:cs typeface="+mn-cs"/>
             </a:endParaRPr>
@@ -15071,13 +14727,6 @@
   <p:transition spd="slow">
     <p:fade/>
   </p:transition>
-  <p:timing>
-    <p:tnLst>
-      <p:par>
-        <p:cTn id="1" dur="indefinite" restart="never" nodeType="tmRoot"/>
-      </p:par>
-    </p:tnLst>
-  </p:timing>
 </p:sld>
 </file>
 
@@ -15119,171 +14768,160 @@
           </a:bodyPr>
           <a:lstStyle/>
           <a:p>
-            <a:r>
-              <a:rPr lang="en-US" sz="2400" dirty="0" smtClean="0">
+            <a:br>
+              <a:rPr lang="en-US" sz="2400" dirty="0">
                 <a:latin typeface="+mn-lt"/>
                 <a:cs typeface="+mn-cs"/>
               </a:rPr>
-              <a:t/>
-            </a:r>
-            <a:br>
-              <a:rPr lang="en-US" sz="2400" dirty="0" smtClean="0">
+            </a:br>
+            <a:r>
+              <a:rPr lang="en-US" sz="2400" dirty="0">
                 <a:latin typeface="+mn-lt"/>
                 <a:cs typeface="+mn-cs"/>
               </a:rPr>
-            </a:br>
-            <a:r>
-              <a:rPr lang="en-US" sz="2400" dirty="0" smtClean="0">
+              <a:t>• One key is used for both encryption and decryption </a:t>
+            </a:r>
+            <a:br>
+              <a:rPr lang="en-US" sz="2400" dirty="0">
                 <a:latin typeface="+mn-lt"/>
                 <a:cs typeface="+mn-cs"/>
               </a:rPr>
-              <a:t>• One key is used for both encryption and decryption </a:t>
-            </a:r>
-            <a:br>
-              <a:rPr lang="en-US" sz="2400" dirty="0" smtClean="0">
+            </a:br>
+            <a:r>
+              <a:rPr lang="en-US" sz="2400" dirty="0">
                 <a:latin typeface="+mn-lt"/>
                 <a:cs typeface="+mn-cs"/>
               </a:rPr>
-            </a:br>
-            <a:r>
-              <a:rPr lang="en-US" sz="2400" dirty="0" smtClean="0">
+              <a:t>• Faster than asymmetric encryption </a:t>
+            </a:r>
+            <a:br>
+              <a:rPr lang="en-US" sz="2400" dirty="0">
                 <a:latin typeface="+mn-lt"/>
                 <a:cs typeface="+mn-cs"/>
               </a:rPr>
-              <a:t>• Faster than asymmetric encryption </a:t>
-            </a:r>
-            <a:br>
-              <a:rPr lang="en-US" sz="2400" dirty="0" smtClean="0">
+            </a:br>
+            <a:r>
+              <a:rPr lang="en-US" sz="2400" dirty="0">
                 <a:latin typeface="+mn-lt"/>
                 <a:cs typeface="+mn-cs"/>
               </a:rPr>
-            </a:br>
-            <a:r>
-              <a:rPr lang="en-US" sz="2400" dirty="0" smtClean="0">
+              <a:t>• Cryptography namespace includes five symmetric algorithms: </a:t>
+            </a:r>
+            <a:br>
+              <a:rPr lang="en-US" sz="2400" dirty="0">
                 <a:latin typeface="+mn-lt"/>
                 <a:cs typeface="+mn-cs"/>
               </a:rPr>
-              <a:t>• Cryptography namespace includes five symmetric algorithms: </a:t>
-            </a:r>
-            <a:br>
-              <a:rPr lang="en-US" sz="2400" dirty="0" smtClean="0">
+            </a:br>
+            <a:r>
+              <a:rPr lang="en-US" sz="2400" dirty="0">
                 <a:latin typeface="+mn-lt"/>
                 <a:cs typeface="+mn-cs"/>
               </a:rPr>
-            </a:br>
-            <a:r>
-              <a:rPr lang="en-US" sz="2400" dirty="0" smtClean="0">
+              <a:t>— </a:t>
+            </a:r>
+            <a:r>
+              <a:rPr lang="en-US" sz="2400" dirty="0" err="1">
                 <a:latin typeface="+mn-lt"/>
                 <a:cs typeface="+mn-cs"/>
               </a:rPr>
-              <a:t>— </a:t>
-            </a:r>
-            <a:r>
-              <a:rPr lang="en-US" sz="2400" dirty="0" err="1" smtClean="0">
+              <a:t>Aes</a:t>
+            </a:r>
+            <a:r>
+              <a:rPr lang="en-US" sz="2400" dirty="0">
                 <a:latin typeface="+mn-lt"/>
                 <a:cs typeface="+mn-cs"/>
               </a:rPr>
-              <a:t>Aes</a:t>
-            </a:r>
-            <a:r>
-              <a:rPr lang="en-US" sz="2400" dirty="0" smtClean="0">
+              <a:t> (recommended) </a:t>
+            </a:r>
+            <a:br>
+              <a:rPr lang="en-US" sz="2400" dirty="0">
                 <a:latin typeface="+mn-lt"/>
                 <a:cs typeface="+mn-cs"/>
               </a:rPr>
-              <a:t> (recommended) </a:t>
-            </a:r>
-            <a:br>
-              <a:rPr lang="en-US" sz="2400" dirty="0" smtClean="0">
+            </a:br>
+            <a:r>
+              <a:rPr lang="en-US" sz="2400" dirty="0">
                 <a:latin typeface="+mn-lt"/>
                 <a:cs typeface="+mn-cs"/>
               </a:rPr>
-            </a:br>
-            <a:r>
-              <a:rPr lang="en-US" sz="2400" dirty="0" smtClean="0">
+              <a:t>—DES </a:t>
+            </a:r>
+            <a:br>
+              <a:rPr lang="en-US" sz="2400" dirty="0">
                 <a:latin typeface="+mn-lt"/>
                 <a:cs typeface="+mn-cs"/>
               </a:rPr>
-              <a:t>—DES </a:t>
-            </a:r>
-            <a:br>
-              <a:rPr lang="en-US" sz="2400" dirty="0" smtClean="0">
+            </a:br>
+            <a:r>
+              <a:rPr lang="en-US" sz="2400" dirty="0">
                 <a:latin typeface="+mn-lt"/>
                 <a:cs typeface="+mn-cs"/>
               </a:rPr>
-            </a:br>
-            <a:r>
-              <a:rPr lang="en-US" sz="2400" dirty="0" smtClean="0">
+              <a:t>—RC2 </a:t>
+            </a:r>
+            <a:br>
+              <a:rPr lang="en-US" sz="2400" dirty="0">
                 <a:latin typeface="+mn-lt"/>
                 <a:cs typeface="+mn-cs"/>
               </a:rPr>
-              <a:t>—RC2 </a:t>
-            </a:r>
-            <a:br>
-              <a:rPr lang="en-US" sz="2400" dirty="0" smtClean="0">
+            </a:br>
+            <a:r>
+              <a:rPr lang="en-US" sz="2400" dirty="0">
                 <a:latin typeface="+mn-lt"/>
                 <a:cs typeface="+mn-cs"/>
               </a:rPr>
-            </a:br>
-            <a:r>
-              <a:rPr lang="en-US" sz="2400" dirty="0" smtClean="0">
+              <a:t>—</a:t>
+            </a:r>
+            <a:r>
+              <a:rPr lang="en-US" sz="2400" dirty="0" err="1">
                 <a:latin typeface="+mn-lt"/>
                 <a:cs typeface="+mn-cs"/>
               </a:rPr>
-              <a:t>—</a:t>
-            </a:r>
-            <a:r>
-              <a:rPr lang="en-US" sz="2400" dirty="0" err="1" smtClean="0">
+              <a:t>RndaeI</a:t>
+            </a:r>
+            <a:r>
+              <a:rPr lang="en-US" sz="2400" dirty="0">
                 <a:latin typeface="+mn-lt"/>
                 <a:cs typeface="+mn-cs"/>
               </a:rPr>
-              <a:t>RndaeI</a:t>
-            </a:r>
-            <a:r>
-              <a:rPr lang="en-US" sz="2400" dirty="0" smtClean="0">
+              <a:t> </a:t>
+            </a:r>
+            <a:br>
+              <a:rPr lang="en-US" sz="2400" dirty="0">
                 <a:latin typeface="+mn-lt"/>
                 <a:cs typeface="+mn-cs"/>
               </a:rPr>
-              <a:t> </a:t>
-            </a:r>
-            <a:br>
-              <a:rPr lang="en-US" sz="2400" dirty="0" smtClean="0">
+            </a:br>
+            <a:r>
+              <a:rPr lang="en-US" sz="2400" dirty="0">
                 <a:latin typeface="+mn-lt"/>
                 <a:cs typeface="+mn-cs"/>
               </a:rPr>
-            </a:br>
-            <a:r>
-              <a:rPr lang="en-US" sz="2400" dirty="0" smtClean="0">
+              <a:t>— </a:t>
+            </a:r>
+            <a:r>
+              <a:rPr lang="en-US" sz="2400" dirty="0" err="1">
                 <a:latin typeface="+mn-lt"/>
                 <a:cs typeface="+mn-cs"/>
               </a:rPr>
-              <a:t>— </a:t>
-            </a:r>
-            <a:r>
-              <a:rPr lang="en-US" sz="2400" dirty="0" err="1" smtClean="0">
+              <a:t>TripeDES</a:t>
+            </a:r>
+            <a:r>
+              <a:rPr lang="en-US" sz="2400" dirty="0">
                 <a:latin typeface="+mn-lt"/>
                 <a:cs typeface="+mn-cs"/>
               </a:rPr>
-              <a:t>TripeDES</a:t>
-            </a:r>
-            <a:r>
-              <a:rPr lang="en-US" sz="2400" dirty="0" smtClean="0">
+              <a:t> </a:t>
+            </a:r>
+            <a:br>
+              <a:rPr lang="en-US" sz="2400" dirty="0">
                 <a:latin typeface="+mn-lt"/>
                 <a:cs typeface="+mn-cs"/>
               </a:rPr>
-              <a:t> </a:t>
-            </a:r>
+            </a:br>
             <a:br>
-              <a:rPr lang="en-US" sz="2400" dirty="0" smtClean="0">
-                <a:latin typeface="+mn-lt"/>
-                <a:cs typeface="+mn-cs"/>
-              </a:rPr>
-            </a:br>
-            <a:r>
-              <a:rPr lang="en-US" dirty="0" smtClean="0"/>
-              <a:t/>
-            </a:r>
-            <a:br>
-              <a:rPr lang="en-US" dirty="0" smtClean="0"/>
+              <a:rPr lang="en-US" dirty="0"/>
             </a:br>
             <a:endParaRPr lang="en-US" dirty="0"/>
           </a:p>
@@ -15325,7 +14963,7 @@
           <a:p>
             <a:pPr lvl="0" algn="r"/>
             <a:r>
-              <a:rPr lang="en-US" sz="2800" b="1" dirty="0" smtClean="0">
+              <a:rPr lang="en-US" sz="2800" b="1" dirty="0">
                 <a:solidFill>
                   <a:srgbClr val="C00000"/>
                 </a:solidFill>
@@ -15349,13 +14987,6 @@
   <p:transition spd="slow">
     <p:fade/>
   </p:transition>
-  <p:timing>
-    <p:tnLst>
-      <p:par>
-        <p:cTn id="1" dur="indefinite" restart="never" nodeType="tmRoot"/>
-      </p:par>
-    </p:tnLst>
-  </p:timing>
 </p:sld>
 </file>
 
@@ -15448,7 +15079,7 @@
               <a:pPr/>
               <a:t>3</a:t>
             </a:fld>
-            <a:endParaRPr lang="en-US" smtClean="0"/>
+            <a:endParaRPr lang="en-US"/>
           </a:p>
         </p:txBody>
       </p:sp>
@@ -15469,20 +15100,20 @@
           <a:p>
             <a:pPr eaLnBrk="1" hangingPunct="1"/>
             <a:r>
-              <a:rPr lang="en-US" dirty="0" smtClean="0">
+              <a:rPr lang="en-US" dirty="0">
                 <a:latin typeface="Arial" charset="0"/>
                 <a:cs typeface="Arial" charset="0"/>
               </a:rPr>
               <a:t>Exception Handling</a:t>
             </a:r>
             <a:br>
-              <a:rPr lang="en-US" dirty="0" smtClean="0">
+              <a:rPr lang="en-US" dirty="0">
                 <a:latin typeface="Arial" charset="0"/>
                 <a:cs typeface="Arial" charset="0"/>
               </a:rPr>
             </a:br>
             <a:r>
-              <a:rPr lang="en-US" sz="2800" dirty="0" smtClean="0">
+              <a:rPr lang="en-US" sz="2800" dirty="0">
                 <a:latin typeface="Arial" charset="0"/>
                 <a:cs typeface="Arial" charset="0"/>
               </a:rPr>
@@ -15512,7 +15143,7 @@
               </a:lnSpc>
             </a:pPr>
             <a:r>
-              <a:rPr lang="en-US" dirty="0" smtClean="0"/>
+              <a:rPr lang="en-US" dirty="0"/>
               <a:t>Exceptions</a:t>
             </a:r>
           </a:p>
@@ -15523,7 +15154,7 @@
               </a:lnSpc>
             </a:pPr>
             <a:r>
-              <a:rPr lang="en-US" dirty="0" smtClean="0"/>
+              <a:rPr lang="en-US" dirty="0"/>
               <a:t>Indicate problems that occur during a program’s execution</a:t>
             </a:r>
           </a:p>
@@ -15534,7 +15165,7 @@
               </a:lnSpc>
             </a:pPr>
             <a:r>
-              <a:rPr lang="en-US" dirty="0" smtClean="0"/>
+              <a:rPr lang="en-US" dirty="0"/>
               <a:t>Occur infrequently</a:t>
             </a:r>
           </a:p>
@@ -15545,7 +15176,7 @@
               </a:lnSpc>
             </a:pPr>
             <a:r>
-              <a:rPr lang="en-US" dirty="0" smtClean="0"/>
+              <a:rPr lang="en-US" dirty="0"/>
               <a:t>Exception handling</a:t>
             </a:r>
           </a:p>
@@ -15556,7 +15187,7 @@
               </a:lnSpc>
             </a:pPr>
             <a:r>
-              <a:rPr lang="en-US" dirty="0" smtClean="0"/>
+              <a:rPr lang="en-US" dirty="0"/>
               <a:t>Can resolve exceptions</a:t>
             </a:r>
           </a:p>
@@ -15567,7 +15198,7 @@
               </a:lnSpc>
             </a:pPr>
             <a:r>
-              <a:rPr lang="en-US" dirty="0" smtClean="0"/>
+              <a:rPr lang="en-US" dirty="0"/>
               <a:t>Allow a program to continue executing or</a:t>
             </a:r>
           </a:p>
@@ -15578,7 +15209,7 @@
               </a:lnSpc>
             </a:pPr>
             <a:r>
-              <a:rPr lang="en-US" dirty="0" smtClean="0"/>
+              <a:rPr lang="en-US" dirty="0"/>
               <a:t>Notify the user of the problem and</a:t>
             </a:r>
           </a:p>
@@ -15589,7 +15220,7 @@
               </a:lnSpc>
             </a:pPr>
             <a:r>
-              <a:rPr lang="en-US" dirty="0" smtClean="0"/>
+              <a:rPr lang="en-US" dirty="0"/>
               <a:t>Terminate the program in a controlled manner</a:t>
             </a:r>
           </a:p>
@@ -15600,7 +15231,7 @@
               </a:lnSpc>
             </a:pPr>
             <a:r>
-              <a:rPr lang="en-US" dirty="0" smtClean="0"/>
+              <a:rPr lang="en-US" dirty="0"/>
               <a:t>Makes programs robust and fault-tolerant</a:t>
             </a:r>
           </a:p>
@@ -15611,13 +15242,6 @@
   <p:clrMapOvr>
     <a:masterClrMapping/>
   </p:clrMapOvr>
-  <p:timing>
-    <p:tnLst>
-      <p:par>
-        <p:cTn id="1" dur="indefinite" restart="never" nodeType="tmRoot"/>
-      </p:par>
-    </p:tnLst>
-  </p:timing>
 </p:sld>
 </file>
 
@@ -15659,146 +15283,135 @@
           </a:bodyPr>
           <a:lstStyle/>
           <a:p>
-            <a:r>
-              <a:rPr lang="en-US" dirty="0" smtClean="0"/>
-              <a:t/>
-            </a:r>
             <a:br>
-              <a:rPr lang="en-US" dirty="0" smtClean="0"/>
+              <a:rPr lang="en-US" dirty="0"/>
             </a:br>
             <a:r>
-              <a:rPr lang="en-US" sz="2400" dirty="0" smtClean="0">
+              <a:rPr lang="en-US" sz="2400" dirty="0">
                 <a:latin typeface="+mn-lt"/>
                 <a:cs typeface="+mn-cs"/>
               </a:rPr>
               <a:t>• One key is used for encryption and another key for decryption </a:t>
             </a:r>
             <a:br>
-              <a:rPr lang="en-US" sz="2400" dirty="0" smtClean="0">
+              <a:rPr lang="en-US" sz="2400" dirty="0">
                 <a:latin typeface="+mn-lt"/>
                 <a:cs typeface="+mn-cs"/>
               </a:rPr>
             </a:br>
             <a:r>
-              <a:rPr lang="en-US" sz="2400" dirty="0" smtClean="0">
+              <a:rPr lang="en-US" sz="2400" dirty="0">
                 <a:latin typeface="+mn-lt"/>
                 <a:cs typeface="+mn-cs"/>
               </a:rPr>
               <a:t>• Commonly used for digital signatures </a:t>
             </a:r>
             <a:br>
-              <a:rPr lang="en-US" sz="2400" dirty="0" smtClean="0">
+              <a:rPr lang="en-US" sz="2400" dirty="0">
                 <a:latin typeface="+mn-lt"/>
                 <a:cs typeface="+mn-cs"/>
               </a:rPr>
             </a:br>
             <a:r>
-              <a:rPr lang="en-US" sz="2400" dirty="0" smtClean="0">
+              <a:rPr lang="en-US" sz="2400" dirty="0">
                 <a:latin typeface="+mn-lt"/>
                 <a:cs typeface="+mn-cs"/>
               </a:rPr>
               <a:t>• Cryptography namespace includes four asymmetric algorithms: </a:t>
             </a:r>
             <a:br>
-              <a:rPr lang="en-US" sz="2400" dirty="0" smtClean="0">
+              <a:rPr lang="en-US" sz="2400" dirty="0">
                 <a:latin typeface="+mn-lt"/>
                 <a:cs typeface="+mn-cs"/>
               </a:rPr>
             </a:br>
             <a:r>
-              <a:rPr lang="en-US" sz="2400" dirty="0" smtClean="0">
+              <a:rPr lang="en-US" sz="2400" dirty="0">
                 <a:latin typeface="+mn-lt"/>
                 <a:cs typeface="+mn-cs"/>
               </a:rPr>
               <a:t>-DSA </a:t>
             </a:r>
             <a:br>
-              <a:rPr lang="en-US" sz="2400" dirty="0" smtClean="0">
+              <a:rPr lang="en-US" sz="2400" dirty="0">
                 <a:latin typeface="+mn-lt"/>
                 <a:cs typeface="+mn-cs"/>
               </a:rPr>
             </a:br>
             <a:r>
-              <a:rPr lang="en-US" sz="2400" dirty="0" smtClean="0">
+              <a:rPr lang="en-US" sz="2400" dirty="0">
                 <a:latin typeface="+mn-lt"/>
                 <a:cs typeface="+mn-cs"/>
               </a:rPr>
               <a:t>— </a:t>
             </a:r>
             <a:r>
-              <a:rPr lang="en-US" sz="2400" dirty="0" err="1" smtClean="0">
+              <a:rPr lang="en-US" sz="2400" dirty="0" err="1">
                 <a:latin typeface="+mn-lt"/>
                 <a:cs typeface="+mn-cs"/>
               </a:rPr>
               <a:t>ECDiffieHellman</a:t>
             </a:r>
             <a:r>
-              <a:rPr lang="en-US" sz="2400" dirty="0" smtClean="0">
+              <a:rPr lang="en-US" sz="2400" dirty="0">
                 <a:latin typeface="+mn-lt"/>
                 <a:cs typeface="+mn-cs"/>
               </a:rPr>
               <a:t> </a:t>
             </a:r>
             <a:br>
-              <a:rPr lang="en-US" sz="2400" dirty="0" smtClean="0">
+              <a:rPr lang="en-US" sz="2400" dirty="0">
                 <a:latin typeface="+mn-lt"/>
                 <a:cs typeface="+mn-cs"/>
               </a:rPr>
             </a:br>
             <a:r>
-              <a:rPr lang="en-US" sz="2400" dirty="0" smtClean="0">
+              <a:rPr lang="en-US" sz="2400" dirty="0">
                 <a:latin typeface="+mn-lt"/>
                 <a:cs typeface="+mn-cs"/>
               </a:rPr>
               <a:t>—</a:t>
             </a:r>
             <a:r>
-              <a:rPr lang="en-US" sz="2400" dirty="0" err="1" smtClean="0">
+              <a:rPr lang="en-US" sz="2400" dirty="0" err="1">
                 <a:latin typeface="+mn-lt"/>
                 <a:cs typeface="+mn-cs"/>
               </a:rPr>
               <a:t>ECDsa</a:t>
             </a:r>
             <a:r>
-              <a:rPr lang="en-US" sz="2400" dirty="0" smtClean="0">
+              <a:rPr lang="en-US" sz="2400" dirty="0">
                 <a:latin typeface="+mn-lt"/>
                 <a:cs typeface="+mn-cs"/>
               </a:rPr>
               <a:t> </a:t>
             </a:r>
             <a:br>
-              <a:rPr lang="en-US" sz="2400" dirty="0" smtClean="0">
+              <a:rPr lang="en-US" sz="2400" dirty="0">
                 <a:latin typeface="+mn-lt"/>
                 <a:cs typeface="+mn-cs"/>
               </a:rPr>
             </a:br>
             <a:r>
-              <a:rPr lang="en-US" sz="2400" dirty="0" smtClean="0">
+              <a:rPr lang="en-US" sz="2400" dirty="0">
                 <a:latin typeface="+mn-lt"/>
                 <a:cs typeface="+mn-cs"/>
               </a:rPr>
               <a:t>— RSA (most popular) </a:t>
             </a:r>
             <a:br>
-              <a:rPr lang="en-US" sz="2400" dirty="0" smtClean="0">
+              <a:rPr lang="en-US" sz="2400" dirty="0">
                 <a:latin typeface="+mn-lt"/>
                 <a:cs typeface="+mn-cs"/>
               </a:rPr>
             </a:br>
-            <a:r>
-              <a:rPr lang="en-US" sz="2400" dirty="0" smtClean="0">
+            <a:br>
+              <a:rPr lang="en-US" sz="2400" dirty="0">
                 <a:latin typeface="+mn-lt"/>
                 <a:cs typeface="+mn-cs"/>
               </a:rPr>
-              <a:t/>
-            </a:r>
-            <a:br>
-              <a:rPr lang="en-US" sz="2400" dirty="0" smtClean="0">
-                <a:latin typeface="+mn-lt"/>
-                <a:cs typeface="+mn-cs"/>
-              </a:rPr>
             </a:br>
-            <a:endParaRPr lang="en-US" sz="2400" dirty="0" smtClean="0">
+            <a:endParaRPr lang="en-US" sz="2400" dirty="0">
               <a:latin typeface="+mn-lt"/>
               <a:cs typeface="+mn-cs"/>
             </a:endParaRPr>
@@ -15841,7 +15454,7 @@
           <a:p>
             <a:pPr lvl="0" algn="r"/>
             <a:r>
-              <a:rPr lang="en-US" sz="2600" b="1" dirty="0" smtClean="0">
+              <a:rPr lang="en-US" sz="2600" b="1" dirty="0">
                 <a:solidFill>
                   <a:srgbClr val="C00000"/>
                 </a:solidFill>
@@ -15865,13 +15478,6 @@
   <p:transition spd="slow">
     <p:fade/>
   </p:transition>
-  <p:timing>
-    <p:tnLst>
-      <p:par>
-        <p:cTn id="1" dur="indefinite" restart="never" nodeType="tmRoot"/>
-      </p:par>
-    </p:tnLst>
-  </p:timing>
 </p:sld>
 </file>
 
@@ -15944,13 +15550,6 @@
     <a:masterClrMapping/>
   </p:clrMapOvr>
   <p:transition/>
-  <p:timing>
-    <p:tnLst>
-      <p:par>
-        <p:cTn id="1" dur="indefinite" restart="never" nodeType="tmRoot"/>
-      </p:par>
-    </p:tnLst>
-  </p:timing>
 </p:sld>
 </file>
 
@@ -16013,10 +15612,10 @@
               </a:rPr>
             </a:br>
             <a:r>
-              <a:rPr lang="en-US" sz="3100" dirty="0" smtClean="0"/>
+              <a:rPr lang="en-US" sz="3100" dirty="0"/>
               <a:t>General form of try-catch-finally</a:t>
             </a:r>
-            <a:endParaRPr lang="en-CA" sz="3100" dirty="0" smtClean="0"/>
+            <a:endParaRPr lang="en-CA" sz="3100" dirty="0"/>
           </a:p>
         </p:txBody>
       </p:sp>
@@ -16046,7 +15645,7 @@
               <a:defRPr/>
             </a:pPr>
             <a:r>
-              <a:rPr lang="en-US" sz="4500" dirty="0" smtClean="0"/>
+              <a:rPr lang="en-US" sz="4500" dirty="0"/>
               <a:t>If any exception occurs inside the try block, the control transfers to the appropriate catch block and later to the finally block. </a:t>
             </a:r>
           </a:p>
@@ -16060,7 +15659,7 @@
               <a:defRPr/>
             </a:pPr>
             <a:r>
-              <a:rPr lang="en-US" sz="4500" dirty="0" smtClean="0"/>
+              <a:rPr lang="en-US" sz="4500" dirty="0"/>
               <a:t>But in C#, both catch and finally blocks are optional. </a:t>
             </a:r>
           </a:p>
@@ -16074,7 +15673,7 @@
               <a:defRPr/>
             </a:pPr>
             <a:r>
-              <a:rPr lang="en-US" sz="4500" dirty="0" smtClean="0"/>
+              <a:rPr lang="en-US" sz="4500" dirty="0"/>
               <a:t>The try block can exist either with one or more catch blocks or a finally block or with both catch and finally blocks. </a:t>
             </a:r>
           </a:p>
@@ -16088,87 +15687,87 @@
               <a:defRPr/>
             </a:pPr>
             <a:r>
-              <a:rPr lang="en-US" sz="2900" dirty="0" smtClean="0"/>
-              <a:t>try</a:t>
+              <a:rPr lang="en-US" sz="2900" dirty="0"/>
+              <a:t>	try</a:t>
             </a:r>
             <a:br>
-              <a:rPr lang="en-US" sz="2900" dirty="0" smtClean="0"/>
+              <a:rPr lang="en-US" sz="2900" dirty="0"/>
             </a:br>
             <a:r>
-              <a:rPr lang="en-US" sz="2900" dirty="0" smtClean="0"/>
+              <a:rPr lang="en-US" sz="2900" dirty="0"/>
               <a:t>{</a:t>
             </a:r>
             <a:br>
-              <a:rPr lang="en-US" sz="2900" dirty="0" smtClean="0"/>
+              <a:rPr lang="en-US" sz="2900" dirty="0"/>
             </a:br>
             <a:r>
-              <a:rPr lang="en-US" sz="2900" dirty="0" smtClean="0"/>
+              <a:rPr lang="en-US" sz="2900" dirty="0"/>
               <a:t>// Statement which can cause an exception.</a:t>
             </a:r>
             <a:br>
-              <a:rPr lang="en-US" sz="2900" dirty="0" smtClean="0"/>
+              <a:rPr lang="en-US" sz="2900" dirty="0"/>
             </a:br>
             <a:r>
-              <a:rPr lang="en-US" sz="2900" dirty="0" smtClean="0"/>
+              <a:rPr lang="en-US" sz="2900" dirty="0"/>
               <a:t>}</a:t>
             </a:r>
             <a:br>
-              <a:rPr lang="en-US" sz="2900" dirty="0" smtClean="0"/>
+              <a:rPr lang="en-US" sz="2900" dirty="0"/>
             </a:br>
             <a:r>
-              <a:rPr lang="en-US" sz="2900" dirty="0" smtClean="0"/>
+              <a:rPr lang="en-US" sz="2900" dirty="0"/>
               <a:t>catch(Type x)</a:t>
             </a:r>
             <a:br>
-              <a:rPr lang="en-US" sz="2900" dirty="0" smtClean="0"/>
+              <a:rPr lang="en-US" sz="2900" dirty="0"/>
             </a:br>
             <a:r>
-              <a:rPr lang="en-US" sz="2900" dirty="0" smtClean="0"/>
+              <a:rPr lang="en-US" sz="2900" dirty="0"/>
               <a:t>{</a:t>
             </a:r>
             <a:br>
-              <a:rPr lang="en-US" sz="2900" dirty="0" smtClean="0"/>
+              <a:rPr lang="en-US" sz="2900" dirty="0"/>
             </a:br>
             <a:r>
-              <a:rPr lang="en-US" sz="2900" dirty="0" smtClean="0"/>
+              <a:rPr lang="en-US" sz="2900" dirty="0"/>
               <a:t>// Statements for handling the exception</a:t>
             </a:r>
             <a:br>
-              <a:rPr lang="en-US" sz="2900" dirty="0" smtClean="0"/>
+              <a:rPr lang="en-US" sz="2900" dirty="0"/>
             </a:br>
             <a:r>
-              <a:rPr lang="en-US" sz="2900" dirty="0" smtClean="0"/>
+              <a:rPr lang="en-US" sz="2900" dirty="0"/>
               <a:t>}</a:t>
             </a:r>
             <a:br>
-              <a:rPr lang="en-US" sz="2900" dirty="0" smtClean="0"/>
+              <a:rPr lang="en-US" sz="2900" dirty="0"/>
             </a:br>
             <a:r>
-              <a:rPr lang="en-US" sz="2900" dirty="0" smtClean="0"/>
+              <a:rPr lang="en-US" sz="2900" dirty="0"/>
               <a:t>finally</a:t>
             </a:r>
             <a:br>
-              <a:rPr lang="en-US" sz="2900" dirty="0" smtClean="0"/>
+              <a:rPr lang="en-US" sz="2900" dirty="0"/>
             </a:br>
             <a:r>
-              <a:rPr lang="en-US" sz="2900" dirty="0" smtClean="0"/>
+              <a:rPr lang="en-US" sz="2900" dirty="0"/>
               <a:t>{</a:t>
             </a:r>
             <a:br>
-              <a:rPr lang="en-US" sz="2900" dirty="0" smtClean="0"/>
+              <a:rPr lang="en-US" sz="2900" dirty="0"/>
             </a:br>
             <a:r>
-              <a:rPr lang="en-US" sz="2900" dirty="0" smtClean="0"/>
+              <a:rPr lang="en-US" sz="2900" dirty="0"/>
               <a:t>//Any cleanup code</a:t>
             </a:r>
             <a:br>
-              <a:rPr lang="en-US" sz="2900" dirty="0" smtClean="0"/>
+              <a:rPr lang="en-US" sz="2900" dirty="0"/>
             </a:br>
             <a:r>
-              <a:rPr lang="en-US" sz="2900" dirty="0" smtClean="0"/>
+              <a:rPr lang="en-US" sz="2900" dirty="0"/>
               <a:t>} </a:t>
             </a:r>
-            <a:endParaRPr lang="en-CA" sz="2900" dirty="0" smtClean="0"/>
+            <a:endParaRPr lang="en-CA" sz="2900" dirty="0"/>
           </a:p>
         </p:txBody>
       </p:sp>
@@ -16177,13 +15776,6 @@
   <p:clrMapOvr>
     <a:masterClrMapping/>
   </p:clrMapOvr>
-  <p:timing>
-    <p:tnLst>
-      <p:par>
-        <p:cTn id="1" dur="indefinite" restart="never" nodeType="tmRoot"/>
-      </p:par>
-    </p:tnLst>
-  </p:timing>
 </p:sld>
 </file>
 
@@ -16256,103 +15848,71 @@
               <a:t>class </a:t>
             </a:r>
             <a:r>
-              <a:rPr lang="en-US" sz="2400" dirty="0" err="1" smtClean="0"/>
+              <a:rPr lang="en-US" sz="2400" dirty="0" err="1"/>
               <a:t>MyClient</a:t>
             </a:r>
             <a:r>
-              <a:rPr lang="en-US" sz="2400" dirty="0" smtClean="0"/>
+              <a:rPr lang="en-US" sz="2400" dirty="0"/>
               <a:t> {</a:t>
-            </a:r>
-            <a:r>
-              <a:rPr lang="en-US" sz="2400" dirty="0"/>
-              <a:t/>
             </a:r>
             <a:br>
               <a:rPr lang="en-US" sz="2400" dirty="0"/>
             </a:br>
             <a:r>
-              <a:rPr lang="en-US" sz="2400" dirty="0" smtClean="0"/>
-              <a:t>  public </a:t>
-            </a:r>
-            <a:r>
               <a:rPr lang="en-US" sz="2400" dirty="0"/>
-              <a:t>static void Main</a:t>
-            </a:r>
-            <a:r>
-              <a:rPr lang="en-US" sz="2400" dirty="0" smtClean="0"/>
-              <a:t>() {</a:t>
-            </a:r>
-            <a:r>
-              <a:rPr lang="en-US" sz="2400" dirty="0"/>
-              <a:t/>
+              <a:t>  public static void Main() {</a:t>
             </a:r>
             <a:br>
               <a:rPr lang="en-US" sz="2400" dirty="0"/>
             </a:br>
             <a:r>
-              <a:rPr lang="en-US" sz="2400" dirty="0" smtClean="0"/>
+              <a:rPr lang="en-US" sz="2400" dirty="0"/>
               <a:t>    </a:t>
             </a:r>
             <a:r>
-              <a:rPr lang="en-US" sz="2400" dirty="0" err="1" smtClean="0"/>
+              <a:rPr lang="en-US" sz="2400" dirty="0" err="1"/>
               <a:t>int</a:t>
             </a:r>
             <a:r>
-              <a:rPr lang="en-US" sz="2400" dirty="0" smtClean="0"/>
-              <a:t> </a:t>
-            </a:r>
-            <a:r>
               <a:rPr lang="en-US" sz="2400" dirty="0"/>
-              <a:t>x = 0;</a:t>
+              <a:t> x = 0;</a:t>
             </a:r>
             <a:br>
               <a:rPr lang="en-US" sz="2400" dirty="0"/>
             </a:br>
             <a:r>
-              <a:rPr lang="en-US" sz="2400" dirty="0" smtClean="0"/>
+              <a:rPr lang="en-US" sz="2400" dirty="0"/>
               <a:t>    </a:t>
             </a:r>
             <a:r>
-              <a:rPr lang="en-US" sz="2400" dirty="0" err="1" smtClean="0"/>
+              <a:rPr lang="en-US" sz="2400" dirty="0" err="1"/>
               <a:t>int</a:t>
             </a:r>
             <a:r>
-              <a:rPr lang="en-US" sz="2400" dirty="0" smtClean="0"/>
-              <a:t> </a:t>
-            </a:r>
-            <a:r>
               <a:rPr lang="en-US" sz="2400" dirty="0"/>
-              <a:t>div = 100/x;</a:t>
+              <a:t> div = 100/x;</a:t>
             </a:r>
             <a:br>
               <a:rPr lang="en-US" sz="2400" dirty="0"/>
             </a:br>
             <a:r>
-              <a:rPr lang="en-US" sz="2400" dirty="0" smtClean="0"/>
+              <a:rPr lang="en-US" sz="2400" dirty="0"/>
               <a:t>    </a:t>
             </a:r>
             <a:r>
-              <a:rPr lang="en-US" sz="2400" dirty="0" err="1" smtClean="0"/>
+              <a:rPr lang="en-US" sz="2400" dirty="0" err="1"/>
               <a:t>Console.WriteLine</a:t>
             </a:r>
             <a:r>
-              <a:rPr lang="en-US" sz="2400" dirty="0" smtClean="0"/>
-              <a:t>(div</a:t>
-            </a:r>
-            <a:r>
               <a:rPr lang="en-US" sz="2400" dirty="0"/>
-              <a:t>);</a:t>
+              <a:t>(div);</a:t>
             </a:r>
             <a:br>
               <a:rPr lang="en-US" sz="2400" dirty="0"/>
             </a:br>
             <a:r>
-              <a:rPr lang="en-US" sz="2400" dirty="0" smtClean="0"/>
+              <a:rPr lang="en-US" sz="2400" dirty="0"/>
               <a:t>  }</a:t>
-            </a:r>
-            <a:r>
-              <a:rPr lang="en-US" sz="2400" dirty="0"/>
-              <a:t/>
             </a:r>
             <a:br>
               <a:rPr lang="en-US" sz="2400" dirty="0"/>
@@ -16396,7 +15956,7 @@
               </a:rPr>
             </a:br>
             <a:r>
-              <a:rPr lang="en-US" sz="2800" dirty="0" smtClean="0"/>
+              <a:rPr lang="en-US" sz="2800" dirty="0"/>
               <a:t>Samples 1/2</a:t>
             </a:r>
             <a:endParaRPr lang="en-GB" sz="2800" dirty="0"/>
@@ -16413,13 +15973,6 @@
   <p:clrMapOvr>
     <a:masterClrMapping/>
   </p:clrMapOvr>
-  <p:timing>
-    <p:tnLst>
-      <p:par>
-        <p:cTn id="1" dur="indefinite" restart="never" nodeType="tmRoot"/>
-      </p:par>
-    </p:tnLst>
-  </p:timing>
 </p:sld>
 </file>
 
@@ -16469,7 +16022,7 @@
               </a:rPr>
             </a:br>
             <a:r>
-              <a:rPr lang="en-US" sz="2800" dirty="0" smtClean="0"/>
+              <a:rPr lang="en-US" sz="2800" dirty="0"/>
               <a:t>Samples 2/2</a:t>
             </a:r>
             <a:endParaRPr lang="en-GB" sz="2800" dirty="0"/>
@@ -16520,8 +16073,20 @@
                 <a:tableStyleId>{5C22544A-7EE6-4342-B048-85BDC9FD1C3A}</a:tableStyleId>
               </a:tblPr>
               <a:tblGrid>
-                <a:gridCol w="4371474"/>
-                <a:gridCol w="3934326"/>
+                <a:gridCol w="4371474">
+                  <a:extLst>
+                    <a:ext uri="{9D8B030D-6E8A-4147-A177-3AD203B41FA5}">
+                      <a16:colId xmlns:a16="http://schemas.microsoft.com/office/drawing/2014/main" val="20000"/>
+                    </a:ext>
+                  </a:extLst>
+                </a:gridCol>
+                <a:gridCol w="3934326">
+                  <a:extLst>
+                    <a:ext uri="{9D8B030D-6E8A-4147-A177-3AD203B41FA5}">
+                      <a16:colId xmlns:a16="http://schemas.microsoft.com/office/drawing/2014/main" val="20001"/>
+                    </a:ext>
+                  </a:extLst>
+                </a:gridCol>
               </a:tblGrid>
               <a:tr h="370840">
                 <a:tc>
@@ -16530,7 +16095,7 @@
                     <a:lstStyle/>
                     <a:p>
                       <a:r>
-                        <a:rPr lang="en-US" sz="1800" dirty="0" smtClean="0"/>
+                        <a:rPr lang="en-US" sz="1800" dirty="0"/>
                         <a:t>With Exception Handling</a:t>
                       </a:r>
                       <a:endParaRPr lang="en-GB" sz="1800" dirty="0"/>
@@ -16544,7 +16109,7 @@
                     <a:lstStyle/>
                     <a:p>
                       <a:r>
-                        <a:rPr lang="en-US" sz="1800" dirty="0" smtClean="0"/>
+                        <a:rPr lang="en-US" sz="1800" dirty="0"/>
                         <a:t>Finally Block</a:t>
                       </a:r>
                       <a:endParaRPr lang="en-GB" sz="1800" dirty="0"/>
@@ -16552,6 +16117,11 @@
                   </a:txBody>
                   <a:tcPr/>
                 </a:tc>
+                <a:extLst>
+                  <a:ext uri="{0D108BD9-81ED-4DB2-BD59-A6C34878D82A}">
+                    <a16:rowId xmlns:a16="http://schemas.microsoft.com/office/drawing/2014/main" val="10000"/>
+                  </a:ext>
+                </a:extLst>
               </a:tr>
               <a:tr h="370840">
                 <a:tc>
@@ -16560,175 +16130,175 @@
                     <a:lstStyle/>
                     <a:p>
                       <a:r>
-                        <a:rPr lang="en-GB" sz="1800" dirty="0" smtClean="0"/>
+                        <a:rPr lang="en-GB" sz="1800" dirty="0"/>
                         <a:t>using System;</a:t>
                       </a:r>
                       <a:br>
-                        <a:rPr lang="en-GB" sz="1800" dirty="0" smtClean="0"/>
+                        <a:rPr lang="en-GB" sz="1800" dirty="0"/>
                       </a:br>
                       <a:r>
-                        <a:rPr lang="en-GB" sz="1800" dirty="0" smtClean="0"/>
+                        <a:rPr lang="en-GB" sz="1800" dirty="0"/>
                         <a:t>class </a:t>
                       </a:r>
                       <a:r>
-                        <a:rPr lang="en-GB" sz="1800" dirty="0" err="1" smtClean="0"/>
+                        <a:rPr lang="en-GB" sz="1800" dirty="0" err="1"/>
                         <a:t>MyClient</a:t>
                       </a:r>
                       <a:r>
-                        <a:rPr lang="en-GB" sz="1800" dirty="0" smtClean="0"/>
+                        <a:rPr lang="en-GB" sz="1800" dirty="0"/>
                         <a:t> {</a:t>
                       </a:r>
                       <a:br>
-                        <a:rPr lang="en-GB" sz="1800" dirty="0" smtClean="0"/>
+                        <a:rPr lang="en-GB" sz="1800" dirty="0"/>
                       </a:br>
                       <a:r>
-                        <a:rPr lang="en-GB" sz="1800" dirty="0" smtClean="0"/>
+                        <a:rPr lang="en-GB" sz="1800" dirty="0"/>
                         <a:t>public static void Main() {</a:t>
                       </a:r>
                       <a:br>
-                        <a:rPr lang="en-GB" sz="1800" dirty="0" smtClean="0"/>
+                        <a:rPr lang="en-GB" sz="1800" dirty="0"/>
                       </a:br>
                       <a:r>
-                        <a:rPr lang="en-GB" sz="1800" dirty="0" smtClean="0"/>
+                        <a:rPr lang="en-GB" sz="1800" dirty="0"/>
                         <a:t>  </a:t>
                       </a:r>
                       <a:r>
-                        <a:rPr lang="en-GB" sz="1800" dirty="0" err="1" smtClean="0"/>
+                        <a:rPr lang="en-GB" sz="1800" dirty="0" err="1"/>
                         <a:t>int</a:t>
                       </a:r>
                       <a:r>
-                        <a:rPr lang="en-GB" sz="1800" dirty="0" smtClean="0"/>
+                        <a:rPr lang="en-GB" sz="1800" dirty="0"/>
                         <a:t> x = 0;</a:t>
                       </a:r>
                       <a:br>
-                        <a:rPr lang="en-GB" sz="1800" dirty="0" smtClean="0"/>
+                        <a:rPr lang="en-GB" sz="1800" dirty="0"/>
                       </a:br>
                       <a:r>
-                        <a:rPr lang="en-GB" sz="1800" dirty="0" smtClean="0"/>
+                        <a:rPr lang="en-GB" sz="1800" dirty="0"/>
                         <a:t>  </a:t>
                       </a:r>
                       <a:r>
-                        <a:rPr lang="en-GB" sz="1800" dirty="0" err="1" smtClean="0"/>
+                        <a:rPr lang="en-GB" sz="1800" dirty="0" err="1"/>
                         <a:t>int</a:t>
                       </a:r>
                       <a:r>
-                        <a:rPr lang="en-GB" sz="1800" dirty="0" smtClean="0"/>
+                        <a:rPr lang="en-GB" sz="1800" dirty="0"/>
                         <a:t> div = 0;</a:t>
                       </a:r>
                       <a:br>
-                        <a:rPr lang="en-GB" sz="1800" dirty="0" smtClean="0"/>
+                        <a:rPr lang="en-GB" sz="1800" dirty="0"/>
                       </a:br>
                       <a:r>
-                        <a:rPr lang="en-GB" sz="1800" dirty="0" smtClean="0"/>
+                        <a:rPr lang="en-GB" sz="1800" dirty="0"/>
                         <a:t>  try {</a:t>
                       </a:r>
                       <a:br>
-                        <a:rPr lang="en-GB" sz="1800" dirty="0" smtClean="0"/>
+                        <a:rPr lang="en-GB" sz="1800" dirty="0"/>
                       </a:br>
                       <a:r>
-                        <a:rPr lang="en-GB" sz="1800" dirty="0" smtClean="0"/>
+                        <a:rPr lang="en-GB" sz="1800" dirty="0"/>
                         <a:t>    div = 100/x;</a:t>
                       </a:r>
                       <a:br>
-                        <a:rPr lang="en-GB" sz="1800" dirty="0" smtClean="0"/>
+                        <a:rPr lang="en-GB" sz="1800" dirty="0"/>
                       </a:br>
                       <a:r>
-                        <a:rPr lang="en-GB" sz="1800" dirty="0" smtClean="0"/>
+                        <a:rPr lang="en-GB" sz="1800" dirty="0"/>
                         <a:t>    </a:t>
                       </a:r>
                       <a:r>
-                        <a:rPr lang="en-GB" sz="1800" dirty="0" err="1" smtClean="0"/>
+                        <a:rPr lang="en-GB" sz="1800" dirty="0" err="1"/>
                         <a:t>Console.WriteLine</a:t>
                       </a:r>
                       <a:r>
-                        <a:rPr lang="en-GB" sz="1800" dirty="0" smtClean="0"/>
+                        <a:rPr lang="en-GB" sz="1800" dirty="0"/>
                         <a:t>(</a:t>
                       </a:r>
                     </a:p>
                     <a:p>
                       <a:r>
-                        <a:rPr lang="en-GB" sz="1800" dirty="0" smtClean="0"/>
+                        <a:rPr lang="en-GB" sz="1800" dirty="0"/>
                         <a:t>                 "This line in not executed");</a:t>
                       </a:r>
                       <a:br>
-                        <a:rPr lang="en-GB" sz="1800" dirty="0" smtClean="0"/>
+                        <a:rPr lang="en-GB" sz="1800" dirty="0"/>
                       </a:br>
                       <a:r>
-                        <a:rPr lang="en-GB" sz="1800" dirty="0" smtClean="0"/>
+                        <a:rPr lang="en-GB" sz="1800" dirty="0"/>
                         <a:t>  }</a:t>
                       </a:r>
                       <a:br>
-                        <a:rPr lang="en-GB" sz="1800" dirty="0" smtClean="0"/>
+                        <a:rPr lang="en-GB" sz="1800" dirty="0"/>
                       </a:br>
                       <a:r>
-                        <a:rPr lang="en-GB" sz="1800" dirty="0" smtClean="0"/>
+                        <a:rPr lang="en-GB" sz="1800" dirty="0"/>
                         <a:t>  catch(</a:t>
                       </a:r>
                       <a:r>
-                        <a:rPr lang="en-GB" sz="1800" dirty="0" err="1" smtClean="0"/>
+                        <a:rPr lang="en-GB" sz="1800" dirty="0" err="1"/>
                         <a:t>DivideByZeroException</a:t>
                       </a:r>
                       <a:r>
-                        <a:rPr lang="en-GB" sz="1800" dirty="0" smtClean="0"/>
+                        <a:rPr lang="en-GB" sz="1800" dirty="0"/>
                         <a:t> de) {</a:t>
                       </a:r>
                       <a:br>
-                        <a:rPr lang="en-GB" sz="1800" dirty="0" smtClean="0"/>
+                        <a:rPr lang="en-GB" sz="1800" dirty="0"/>
                       </a:br>
                       <a:r>
-                        <a:rPr lang="en-GB" sz="1800" dirty="0" smtClean="0"/>
+                        <a:rPr lang="en-GB" sz="1800" dirty="0"/>
                         <a:t>    </a:t>
                       </a:r>
                       <a:r>
-                        <a:rPr lang="en-GB" sz="1800" dirty="0" err="1" smtClean="0"/>
+                        <a:rPr lang="en-GB" sz="1800" dirty="0" err="1"/>
                         <a:t>Console.WriteLine</a:t>
                       </a:r>
                       <a:r>
-                        <a:rPr lang="en-GB" sz="1800" dirty="0" smtClean="0"/>
+                        <a:rPr lang="en-GB" sz="1800" dirty="0"/>
                         <a:t>("Exception </a:t>
                       </a:r>
                       <a:r>
-                        <a:rPr lang="en-GB" sz="1800" dirty="0" err="1" smtClean="0"/>
+                        <a:rPr lang="en-GB" sz="1800" dirty="0" err="1"/>
                         <a:t>occured</a:t>
                       </a:r>
                       <a:r>
-                        <a:rPr lang="en-GB" sz="1800" dirty="0" smtClean="0"/>
+                        <a:rPr lang="en-GB" sz="1800" dirty="0"/>
                         <a:t>");</a:t>
                       </a:r>
                       <a:br>
-                        <a:rPr lang="en-GB" sz="1800" dirty="0" smtClean="0"/>
+                        <a:rPr lang="en-GB" sz="1800" dirty="0"/>
                       </a:br>
                       <a:r>
-                        <a:rPr lang="en-GB" sz="1800" dirty="0" smtClean="0"/>
+                        <a:rPr lang="en-GB" sz="1800" dirty="0"/>
                         <a:t>  }</a:t>
                       </a:r>
                       <a:br>
-                        <a:rPr lang="en-GB" sz="1800" dirty="0" smtClean="0"/>
+                        <a:rPr lang="en-GB" sz="1800" dirty="0"/>
                       </a:br>
                       <a:r>
-                        <a:rPr lang="en-GB" sz="1800" dirty="0" smtClean="0"/>
+                        <a:rPr lang="en-GB" sz="1800" dirty="0"/>
                         <a:t>  </a:t>
                       </a:r>
                       <a:r>
-                        <a:rPr lang="en-GB" sz="1800" dirty="0" err="1" smtClean="0"/>
+                        <a:rPr lang="en-GB" sz="1800" dirty="0" err="1"/>
                         <a:t>Console.WriteLine</a:t>
                       </a:r>
                       <a:r>
-                        <a:rPr lang="en-GB" sz="1800" dirty="0" smtClean="0"/>
+                        <a:rPr lang="en-GB" sz="1800" dirty="0"/>
                         <a:t>("Result is {0}",div);</a:t>
                       </a:r>
                       <a:br>
-                        <a:rPr lang="en-GB" sz="1800" dirty="0" smtClean="0"/>
+                        <a:rPr lang="en-GB" sz="1800" dirty="0"/>
                       </a:br>
                       <a:r>
-                        <a:rPr lang="en-GB" sz="1800" dirty="0" smtClean="0"/>
+                        <a:rPr lang="en-GB" sz="1800" dirty="0"/>
                         <a:t>  }</a:t>
                       </a:r>
                       <a:br>
-                        <a:rPr lang="en-GB" sz="1800" dirty="0" smtClean="0"/>
+                        <a:rPr lang="en-GB" sz="1800" dirty="0"/>
                       </a:br>
                       <a:r>
-                        <a:rPr lang="en-GB" sz="1800" dirty="0" smtClean="0"/>
+                        <a:rPr lang="en-GB" sz="1800" dirty="0"/>
                         <a:t>} </a:t>
                       </a:r>
                     </a:p>
@@ -16744,205 +16314,209 @@
                     <a:lstStyle/>
                     <a:p>
                       <a:r>
-                        <a:rPr lang="en-GB" sz="1700" dirty="0" smtClean="0"/>
+                        <a:rPr lang="en-GB" sz="1700" dirty="0"/>
                         <a:t>using System;</a:t>
                       </a:r>
                       <a:br>
-                        <a:rPr lang="en-GB" sz="1700" dirty="0" smtClean="0"/>
+                        <a:rPr lang="en-GB" sz="1700" dirty="0"/>
                       </a:br>
                       <a:r>
-                        <a:rPr lang="en-GB" sz="1700" dirty="0" smtClean="0"/>
+                        <a:rPr lang="en-GB" sz="1700" dirty="0"/>
                         <a:t>class </a:t>
                       </a:r>
                       <a:r>
-                        <a:rPr lang="en-GB" sz="1700" dirty="0" err="1" smtClean="0"/>
+                        <a:rPr lang="en-GB" sz="1700" dirty="0" err="1"/>
                         <a:t>MyClient</a:t>
                       </a:r>
                       <a:r>
-                        <a:rPr lang="en-GB" sz="1700" dirty="0" smtClean="0"/>
+                        <a:rPr lang="en-GB" sz="1700" dirty="0"/>
                         <a:t> {</a:t>
                       </a:r>
                       <a:br>
-                        <a:rPr lang="en-GB" sz="1700" dirty="0" smtClean="0"/>
+                        <a:rPr lang="en-GB" sz="1700" dirty="0"/>
                       </a:br>
                       <a:r>
-                        <a:rPr lang="en-GB" sz="1700" dirty="0" smtClean="0"/>
+                        <a:rPr lang="en-GB" sz="1700" dirty="0"/>
                         <a:t>public static void Main() {</a:t>
                       </a:r>
                       <a:br>
-                        <a:rPr lang="en-GB" sz="1700" dirty="0" smtClean="0"/>
+                        <a:rPr lang="en-GB" sz="1700" dirty="0"/>
                       </a:br>
                       <a:r>
-                        <a:rPr lang="en-GB" sz="1700" dirty="0" smtClean="0"/>
+                        <a:rPr lang="en-GB" sz="1700" dirty="0"/>
                         <a:t>  </a:t>
                       </a:r>
                       <a:r>
-                        <a:rPr lang="en-GB" sz="1700" dirty="0" err="1" smtClean="0"/>
+                        <a:rPr lang="en-GB" sz="1700" dirty="0" err="1"/>
                         <a:t>int</a:t>
                       </a:r>
                       <a:r>
-                        <a:rPr lang="en-GB" sz="1700" dirty="0" smtClean="0"/>
+                        <a:rPr lang="en-GB" sz="1700" dirty="0"/>
                         <a:t> x = 0;</a:t>
                       </a:r>
                       <a:br>
-                        <a:rPr lang="en-GB" sz="1700" dirty="0" smtClean="0"/>
+                        <a:rPr lang="en-GB" sz="1700" dirty="0"/>
                       </a:br>
                       <a:r>
-                        <a:rPr lang="en-GB" sz="1700" dirty="0" smtClean="0"/>
+                        <a:rPr lang="en-GB" sz="1700" dirty="0"/>
                         <a:t>  </a:t>
                       </a:r>
                       <a:r>
-                        <a:rPr lang="en-GB" sz="1700" dirty="0" err="1" smtClean="0"/>
+                        <a:rPr lang="en-GB" sz="1700" dirty="0" err="1"/>
                         <a:t>int</a:t>
                       </a:r>
                       <a:r>
-                        <a:rPr lang="en-GB" sz="1700" dirty="0" smtClean="0"/>
+                        <a:rPr lang="en-GB" sz="1700" dirty="0"/>
                         <a:t> div = 0;</a:t>
                       </a:r>
                       <a:br>
-                        <a:rPr lang="en-GB" sz="1700" dirty="0" smtClean="0"/>
+                        <a:rPr lang="en-GB" sz="1700" dirty="0"/>
                       </a:br>
                       <a:r>
-                        <a:rPr lang="en-GB" sz="1700" dirty="0" smtClean="0"/>
+                        <a:rPr lang="en-GB" sz="1700" dirty="0"/>
                         <a:t>  try {</a:t>
                       </a:r>
                       <a:br>
-                        <a:rPr lang="en-GB" sz="1700" dirty="0" smtClean="0"/>
+                        <a:rPr lang="en-GB" sz="1700" dirty="0"/>
                       </a:br>
                       <a:r>
-                        <a:rPr lang="en-GB" sz="1700" dirty="0" smtClean="0"/>
+                        <a:rPr lang="en-GB" sz="1700" dirty="0"/>
                         <a:t>    div = 100/x;</a:t>
                       </a:r>
                       <a:br>
-                        <a:rPr lang="en-GB" sz="1700" dirty="0" smtClean="0"/>
+                        <a:rPr lang="en-GB" sz="1700" dirty="0"/>
                       </a:br>
                       <a:r>
-                        <a:rPr lang="en-GB" sz="1700" dirty="0" smtClean="0"/>
+                        <a:rPr lang="en-GB" sz="1700" dirty="0"/>
                         <a:t>    </a:t>
                       </a:r>
                       <a:r>
-                        <a:rPr lang="en-GB" sz="1700" dirty="0" err="1" smtClean="0"/>
+                        <a:rPr lang="en-GB" sz="1700" dirty="0" err="1"/>
                         <a:t>Console.WriteLine</a:t>
                       </a:r>
                       <a:r>
-                        <a:rPr lang="en-GB" sz="1700" dirty="0" smtClean="0"/>
+                        <a:rPr lang="en-GB" sz="1700" dirty="0"/>
                         <a:t>("Not executed line");</a:t>
                       </a:r>
                       <a:br>
-                        <a:rPr lang="en-GB" sz="1700" dirty="0" smtClean="0"/>
+                        <a:rPr lang="en-GB" sz="1700" dirty="0"/>
                       </a:br>
                       <a:r>
-                        <a:rPr lang="en-GB" sz="1700" dirty="0" smtClean="0"/>
+                        <a:rPr lang="en-GB" sz="1700" dirty="0"/>
                         <a:t>  }</a:t>
                       </a:r>
                       <a:br>
-                        <a:rPr lang="en-GB" sz="1700" dirty="0" smtClean="0"/>
+                        <a:rPr lang="en-GB" sz="1700" dirty="0"/>
                       </a:br>
                       <a:r>
-                        <a:rPr lang="en-GB" sz="1700" dirty="0" smtClean="0"/>
+                        <a:rPr lang="en-GB" sz="1700" dirty="0"/>
                         <a:t>  catch(</a:t>
                       </a:r>
                       <a:r>
-                        <a:rPr lang="en-GB" sz="1700" dirty="0" err="1" smtClean="0"/>
+                        <a:rPr lang="en-GB" sz="1700" dirty="0" err="1"/>
                         <a:t>DivideByZeroException</a:t>
                       </a:r>
                       <a:r>
-                        <a:rPr lang="en-GB" sz="1700" dirty="0" smtClean="0"/>
+                        <a:rPr lang="en-GB" sz="1700" dirty="0"/>
                         <a:t> de) {</a:t>
                       </a:r>
                       <a:br>
-                        <a:rPr lang="en-GB" sz="1700" dirty="0" smtClean="0"/>
+                        <a:rPr lang="en-GB" sz="1700" dirty="0"/>
                       </a:br>
                       <a:r>
-                        <a:rPr lang="en-GB" sz="1700" dirty="0" smtClean="0"/>
+                        <a:rPr lang="en-GB" sz="1700" dirty="0"/>
                         <a:t>   </a:t>
                       </a:r>
                       <a:r>
-                        <a:rPr lang="en-GB" sz="1700" dirty="0" err="1" smtClean="0"/>
+                        <a:rPr lang="en-GB" sz="1700" dirty="0" err="1"/>
                         <a:t>Console.WriteLine</a:t>
                       </a:r>
                       <a:r>
-                        <a:rPr lang="en-GB" sz="1700" dirty="0" smtClean="0"/>
+                        <a:rPr lang="en-GB" sz="1700" dirty="0"/>
                         <a:t>("Exception </a:t>
                       </a:r>
                       <a:r>
-                        <a:rPr lang="en-GB" sz="1700" dirty="0" err="1" smtClean="0"/>
+                        <a:rPr lang="en-GB" sz="1700" dirty="0" err="1"/>
                         <a:t>occured</a:t>
                       </a:r>
                       <a:r>
-                        <a:rPr lang="en-GB" sz="1700" dirty="0" smtClean="0"/>
+                        <a:rPr lang="en-GB" sz="1700" dirty="0"/>
                         <a:t>");</a:t>
                       </a:r>
                       <a:br>
-                        <a:rPr lang="en-GB" sz="1700" dirty="0" smtClean="0"/>
+                        <a:rPr lang="en-GB" sz="1700" dirty="0"/>
                       </a:br>
                       <a:r>
-                        <a:rPr lang="en-GB" sz="1700" dirty="0" smtClean="0"/>
+                        <a:rPr lang="en-GB" sz="1700" dirty="0"/>
                         <a:t>  }</a:t>
                       </a:r>
                       <a:br>
-                        <a:rPr lang="en-GB" sz="1700" dirty="0" smtClean="0"/>
+                        <a:rPr lang="en-GB" sz="1700" dirty="0"/>
                       </a:br>
                       <a:r>
-                        <a:rPr lang="en-GB" sz="1700" dirty="0" smtClean="0"/>
+                        <a:rPr lang="en-GB" sz="1700" dirty="0"/>
                         <a:t>  finally {</a:t>
                       </a:r>
                       <a:br>
-                        <a:rPr lang="en-GB" sz="1700" dirty="0" smtClean="0"/>
+                        <a:rPr lang="en-GB" sz="1700" dirty="0"/>
                       </a:br>
                       <a:r>
-                        <a:rPr lang="en-GB" sz="1700" dirty="0" smtClean="0"/>
+                        <a:rPr lang="en-GB" sz="1700" dirty="0"/>
                         <a:t>    </a:t>
                       </a:r>
                       <a:r>
-                        <a:rPr lang="en-GB" sz="1700" dirty="0" err="1" smtClean="0"/>
+                        <a:rPr lang="en-GB" sz="1700" dirty="0" err="1"/>
                         <a:t>Console.WriteLine</a:t>
                       </a:r>
                       <a:r>
-                        <a:rPr lang="en-GB" sz="1700" dirty="0" smtClean="0"/>
+                        <a:rPr lang="en-GB" sz="1700" dirty="0"/>
                         <a:t>("Finally Block");</a:t>
                       </a:r>
                       <a:br>
-                        <a:rPr lang="en-GB" sz="1700" dirty="0" smtClean="0"/>
+                        <a:rPr lang="en-GB" sz="1700" dirty="0"/>
                       </a:br>
                       <a:r>
-                        <a:rPr lang="en-GB" sz="1700" dirty="0" smtClean="0"/>
+                        <a:rPr lang="en-GB" sz="1700" dirty="0"/>
                         <a:t>  }</a:t>
                       </a:r>
                       <a:br>
-                        <a:rPr lang="en-GB" sz="1700" dirty="0" smtClean="0"/>
+                        <a:rPr lang="en-GB" sz="1700" dirty="0"/>
                       </a:br>
                       <a:r>
-                        <a:rPr lang="en-GB" sz="1700" dirty="0" smtClean="0"/>
+                        <a:rPr lang="en-GB" sz="1700" dirty="0"/>
                         <a:t>  </a:t>
                       </a:r>
                       <a:r>
-                        <a:rPr lang="en-GB" sz="1700" dirty="0" err="1" smtClean="0"/>
+                        <a:rPr lang="en-GB" sz="1700" dirty="0" err="1"/>
                         <a:t>Console.WriteLine</a:t>
                       </a:r>
                       <a:r>
-                        <a:rPr lang="en-GB" sz="1700" dirty="0" smtClean="0"/>
+                        <a:rPr lang="en-GB" sz="1700" dirty="0"/>
                         <a:t>("Result is {0}",div);</a:t>
                       </a:r>
                       <a:br>
-                        <a:rPr lang="en-GB" sz="1700" dirty="0" smtClean="0"/>
+                        <a:rPr lang="en-GB" sz="1700" dirty="0"/>
                       </a:br>
                       <a:r>
-                        <a:rPr lang="en-GB" sz="1700" dirty="0" smtClean="0"/>
+                        <a:rPr lang="en-GB" sz="1700" dirty="0"/>
                         <a:t>}</a:t>
                       </a:r>
                       <a:br>
-                        <a:rPr lang="en-GB" sz="1700" dirty="0" smtClean="0"/>
+                        <a:rPr lang="en-GB" sz="1700" dirty="0"/>
                       </a:br>
                       <a:r>
-                        <a:rPr lang="en-GB" sz="1700" dirty="0" smtClean="0"/>
+                        <a:rPr lang="en-GB" sz="1700" dirty="0"/>
                         <a:t>} </a:t>
                       </a:r>
-                      <a:endParaRPr lang="en-GB" sz="1700" dirty="0"/>
                     </a:p>
                   </a:txBody>
                   <a:tcPr/>
                 </a:tc>
+                <a:extLst>
+                  <a:ext uri="{0D108BD9-81ED-4DB2-BD59-A6C34878D82A}">
+                    <a16:rowId xmlns:a16="http://schemas.microsoft.com/office/drawing/2014/main" val="10001"/>
+                  </a:ext>
+                </a:extLst>
               </a:tr>
             </a:tbl>
           </a:graphicData>
@@ -16958,13 +16532,6 @@
   <p:clrMapOvr>
     <a:masterClrMapping/>
   </p:clrMapOvr>
-  <p:timing>
-    <p:tnLst>
-      <p:par>
-        <p:cTn id="1" dur="indefinite" restart="never" nodeType="tmRoot"/>
-      </p:par>
-    </p:tnLst>
-  </p:timing>
 </p:sld>
 </file>
 
@@ -17014,7 +16581,7 @@
               </a:rPr>
             </a:br>
             <a:r>
-              <a:rPr lang="en-US" sz="2800" dirty="0" smtClean="0"/>
+              <a:rPr lang="en-US" sz="2800" dirty="0"/>
               <a:t>Exception Handling Notes</a:t>
             </a:r>
             <a:endParaRPr lang="en-GB" sz="2800" dirty="0"/>
@@ -17042,28 +16609,20 @@
           <a:lstStyle/>
           <a:p>
             <a:r>
-              <a:rPr lang="en-US" sz="2800" dirty="0" smtClean="0"/>
+              <a:rPr lang="en-US" sz="2800" dirty="0"/>
               <a:t>Catch block can be optional</a:t>
             </a:r>
           </a:p>
           <a:p>
             <a:r>
-              <a:rPr lang="en-US" sz="2800" dirty="0" smtClean="0"/>
+              <a:rPr lang="en-US" sz="2800" dirty="0"/>
               <a:t>There can be multiple catch blocks</a:t>
             </a:r>
           </a:p>
           <a:p>
             <a:r>
-              <a:rPr lang="en-US" sz="2800" dirty="0" smtClean="0"/>
-              <a:t>We can handle </a:t>
-            </a:r>
-            <a:r>
               <a:rPr lang="en-US" sz="2800" dirty="0"/>
-              <a:t>all exceptions </a:t>
-            </a:r>
-            <a:r>
-              <a:rPr lang="en-US" sz="2800" dirty="0" smtClean="0"/>
-              <a:t>with the Exception object</a:t>
+              <a:t>We can handle all exceptions with the Exception object</a:t>
             </a:r>
           </a:p>
           <a:p>
@@ -17078,17 +16637,8 @@
             </a:pPr>
             <a:r>
               <a:rPr lang="en-US" sz="2800" dirty="0"/>
-              <a:t>In C#, it is possible to throw an </a:t>
-            </a:r>
-            <a:r>
-              <a:rPr lang="en-US" sz="2800" dirty="0" smtClean="0"/>
-              <a:t>exception </a:t>
-            </a:r>
-            <a:r>
-              <a:rPr lang="en-US" sz="2800" dirty="0"/>
-              <a:t>programmatically. </a:t>
-            </a:r>
-            <a:endParaRPr lang="en-US" sz="2800" dirty="0" smtClean="0"/>
+              <a:t>In C#, it is possible to throw an exception programmatically. </a:t>
+            </a:r>
           </a:p>
           <a:p>
             <a:endParaRPr lang="en-GB" sz="2800" dirty="0"/>
@@ -17289,7 +16839,7 @@
               <a:defRPr/>
             </a:pPr>
             <a:r>
-              <a:rPr lang="en-CA" sz="1800" dirty="0" smtClean="0"/>
+              <a:rPr lang="en-CA" sz="1800" dirty="0"/>
               <a:t>using System;</a:t>
             </a:r>
           </a:p>
@@ -17303,15 +16853,15 @@
               <a:defRPr/>
             </a:pPr>
             <a:r>
-              <a:rPr lang="en-CA" sz="1800" dirty="0" smtClean="0"/>
+              <a:rPr lang="en-CA" sz="1800" dirty="0"/>
               <a:t>class </a:t>
             </a:r>
             <a:r>
-              <a:rPr lang="en-CA" sz="1800" dirty="0" err="1" smtClean="0"/>
+              <a:rPr lang="en-CA" sz="1800" dirty="0" err="1"/>
               <a:t>MyClient</a:t>
             </a:r>
             <a:r>
-              <a:rPr lang="en-CA" sz="1800" dirty="0" smtClean="0"/>
+              <a:rPr lang="en-CA" sz="1800" dirty="0"/>
               <a:t> {</a:t>
             </a:r>
           </a:p>
@@ -17325,7 +16875,7 @@
               <a:defRPr/>
             </a:pPr>
             <a:r>
-              <a:rPr lang="en-CA" sz="1800" dirty="0" smtClean="0"/>
+              <a:rPr lang="en-CA" sz="1800" dirty="0"/>
               <a:t>public static void Main() {</a:t>
             </a:r>
           </a:p>
@@ -17339,15 +16889,15 @@
               <a:defRPr/>
             </a:pPr>
             <a:r>
-              <a:rPr lang="en-CA" sz="1800" dirty="0" smtClean="0"/>
+              <a:rPr lang="en-CA" sz="1800" dirty="0"/>
               <a:t>    </a:t>
             </a:r>
             <a:r>
-              <a:rPr lang="en-CA" sz="1800" dirty="0" err="1" smtClean="0"/>
+              <a:rPr lang="en-CA" sz="1800" dirty="0" err="1"/>
               <a:t>int</a:t>
             </a:r>
             <a:r>
-              <a:rPr lang="en-CA" sz="1800" dirty="0" smtClean="0"/>
+              <a:rPr lang="en-CA" sz="1800" dirty="0"/>
               <a:t> x = 0;</a:t>
             </a:r>
           </a:p>
@@ -17361,15 +16911,15 @@
               <a:defRPr/>
             </a:pPr>
             <a:r>
-              <a:rPr lang="en-CA" sz="1800" dirty="0" smtClean="0"/>
+              <a:rPr lang="en-CA" sz="1800" dirty="0"/>
               <a:t>    </a:t>
             </a:r>
             <a:r>
-              <a:rPr lang="en-CA" sz="1800" dirty="0" err="1" smtClean="0"/>
+              <a:rPr lang="en-CA" sz="1800" dirty="0" err="1"/>
               <a:t>int</a:t>
             </a:r>
             <a:r>
-              <a:rPr lang="en-CA" sz="1800" dirty="0" smtClean="0"/>
+              <a:rPr lang="en-CA" sz="1800" dirty="0"/>
               <a:t> div = 0;</a:t>
             </a:r>
           </a:p>
@@ -17382,7 +16932,7 @@
               <a:buNone/>
               <a:defRPr/>
             </a:pPr>
-            <a:endParaRPr lang="en-CA" sz="1800" dirty="0" smtClean="0"/>
+            <a:endParaRPr lang="en-CA" sz="1800" dirty="0"/>
           </a:p>
           <a:p>
             <a:pPr fontAlgn="auto">
@@ -17394,7 +16944,7 @@
               <a:defRPr/>
             </a:pPr>
             <a:r>
-              <a:rPr lang="en-CA" sz="1800" dirty="0" smtClean="0"/>
+              <a:rPr lang="en-CA" sz="1800" dirty="0"/>
               <a:t>try {</a:t>
             </a:r>
           </a:p>
@@ -17408,7 +16958,7 @@
               <a:defRPr/>
             </a:pPr>
             <a:r>
-              <a:rPr lang="en-CA" sz="1800" dirty="0" smtClean="0"/>
+              <a:rPr lang="en-CA" sz="1800" dirty="0"/>
               <a:t>    div = 100 / x;</a:t>
             </a:r>
           </a:p>
@@ -17422,15 +16972,15 @@
               <a:defRPr/>
             </a:pPr>
             <a:r>
-              <a:rPr lang="en-US" sz="1800" dirty="0" smtClean="0"/>
+              <a:rPr lang="en-US" sz="1800" dirty="0"/>
               <a:t>    throw new </a:t>
             </a:r>
             <a:r>
-              <a:rPr lang="en-US" sz="1800" dirty="0" err="1" smtClean="0"/>
+              <a:rPr lang="en-US" sz="1800" dirty="0" err="1"/>
               <a:t>DivideByZeroException</a:t>
             </a:r>
             <a:r>
-              <a:rPr lang="en-US" sz="1800" dirty="0" smtClean="0"/>
+              <a:rPr lang="en-US" sz="1800" dirty="0"/>
               <a:t>(</a:t>
             </a:r>
           </a:p>
@@ -17445,11 +16995,7 @@
             </a:pPr>
             <a:r>
               <a:rPr lang="en-US" sz="1800" dirty="0"/>
-              <a:t> </a:t>
-            </a:r>
-            <a:r>
-              <a:rPr lang="en-US" sz="1800" dirty="0" smtClean="0"/>
-              <a:t>                                        "Invalid Division");</a:t>
+              <a:t>                                         "Invalid Division");</a:t>
             </a:r>
           </a:p>
           <a:p>
@@ -17462,7 +17008,7 @@
               <a:defRPr/>
             </a:pPr>
             <a:r>
-              <a:rPr lang="en-CA" sz="1800" dirty="0" smtClean="0"/>
+              <a:rPr lang="en-CA" sz="1800" dirty="0"/>
               <a:t>}</a:t>
             </a:r>
           </a:p>
@@ -17476,15 +17022,15 @@
               <a:defRPr/>
             </a:pPr>
             <a:r>
-              <a:rPr lang="en-CA" sz="1800" dirty="0" smtClean="0"/>
+              <a:rPr lang="en-CA" sz="1800" dirty="0"/>
               <a:t>catch(</a:t>
             </a:r>
             <a:r>
-              <a:rPr lang="en-CA" sz="1800" dirty="0" err="1" smtClean="0"/>
+              <a:rPr lang="en-CA" sz="1800" dirty="0" err="1"/>
               <a:t>DivideByZeroException</a:t>
             </a:r>
             <a:r>
-              <a:rPr lang="en-CA" sz="1800" dirty="0" smtClean="0"/>
+              <a:rPr lang="en-CA" sz="1800" dirty="0"/>
               <a:t> e) {</a:t>
             </a:r>
           </a:p>
@@ -17498,15 +17044,15 @@
               <a:defRPr/>
             </a:pPr>
             <a:r>
-              <a:rPr lang="en-CA" sz="1800" dirty="0" smtClean="0"/>
+              <a:rPr lang="en-CA" sz="1800" dirty="0"/>
               <a:t>   </a:t>
             </a:r>
             <a:r>
-              <a:rPr lang="en-CA" sz="1800" dirty="0" err="1" smtClean="0"/>
+              <a:rPr lang="en-CA" sz="1800" dirty="0" err="1"/>
               <a:t>Console.WriteLine</a:t>
             </a:r>
             <a:r>
-              <a:rPr lang="en-CA" sz="1800" dirty="0" smtClean="0"/>
+              <a:rPr lang="en-CA" sz="1800" dirty="0"/>
               <a:t>(e);</a:t>
             </a:r>
           </a:p>
@@ -17520,7 +17066,7 @@
               <a:defRPr/>
             </a:pPr>
             <a:r>
-              <a:rPr lang="en-CA" sz="1800" dirty="0" smtClean="0"/>
+              <a:rPr lang="en-CA" sz="1800" dirty="0"/>
               <a:t>}</a:t>
             </a:r>
           </a:p>
@@ -17534,11 +17080,11 @@
               <a:defRPr/>
             </a:pPr>
             <a:r>
-              <a:rPr lang="en-CA" sz="1800" dirty="0" err="1" smtClean="0"/>
+              <a:rPr lang="en-CA" sz="1800" dirty="0" err="1"/>
               <a:t>Console.WriteLine</a:t>
             </a:r>
             <a:r>
-              <a:rPr lang="en-CA" sz="1800" dirty="0" smtClean="0"/>
+              <a:rPr lang="en-CA" sz="1800" dirty="0"/>
               <a:t>("LAST STATEMENT");</a:t>
             </a:r>
           </a:p>
@@ -17552,7 +17098,7 @@
               <a:defRPr/>
             </a:pPr>
             <a:r>
-              <a:rPr lang="en-CA" sz="1800" dirty="0" smtClean="0"/>
+              <a:rPr lang="en-CA" sz="1800" dirty="0"/>
               <a:t>}</a:t>
             </a:r>
           </a:p>
@@ -17566,7 +17112,7 @@
               <a:defRPr/>
             </a:pPr>
             <a:r>
-              <a:rPr lang="en-CA" sz="1800" dirty="0" smtClean="0"/>
+              <a:rPr lang="en-CA" sz="1800" dirty="0"/>
               <a:t>} </a:t>
             </a:r>
           </a:p>
@@ -17582,13 +17128,6 @@
   <p:clrMapOvr>
     <a:masterClrMapping/>
   </p:clrMapOvr>
-  <p:timing>
-    <p:tnLst>
-      <p:par>
-        <p:cTn id="1" dur="indefinite" restart="never" nodeType="tmRoot"/>
-      </p:par>
-    </p:tnLst>
-  </p:timing>
 </p:sld>
 </file>
 
@@ -17638,7 +17177,7 @@
               </a:rPr>
             </a:br>
             <a:r>
-              <a:rPr lang="en-CA" sz="2800" dirty="0" smtClean="0"/>
+              <a:rPr lang="en-CA" sz="2800" dirty="0"/>
               <a:t>User-defined Exceptions</a:t>
             </a:r>
           </a:p>
@@ -17669,7 +17208,7 @@
               <a:defRPr/>
             </a:pPr>
             <a:r>
-              <a:rPr lang="en-CA" sz="1100" dirty="0" smtClean="0"/>
+              <a:rPr lang="en-CA" sz="1100" dirty="0"/>
               <a:t>using System;</a:t>
             </a:r>
           </a:p>
@@ -17682,15 +17221,15 @@
               <a:defRPr/>
             </a:pPr>
             <a:r>
-              <a:rPr lang="en-CA" sz="1100" dirty="0" smtClean="0"/>
+              <a:rPr lang="en-CA" sz="1100" dirty="0"/>
               <a:t>class </a:t>
             </a:r>
             <a:r>
-              <a:rPr lang="en-CA" sz="1100" dirty="0" err="1" smtClean="0"/>
+              <a:rPr lang="en-CA" sz="1100" dirty="0" err="1"/>
               <a:t>MyException</a:t>
             </a:r>
             <a:r>
-              <a:rPr lang="en-CA" sz="1100" dirty="0" smtClean="0"/>
+              <a:rPr lang="en-CA" sz="1100" dirty="0"/>
               <a:t> : Exception</a:t>
             </a:r>
           </a:p>
@@ -17703,7 +17242,7 @@
               <a:defRPr/>
             </a:pPr>
             <a:r>
-              <a:rPr lang="en-CA" sz="1100" dirty="0" smtClean="0"/>
+              <a:rPr lang="en-CA" sz="1100" dirty="0"/>
               <a:t>{</a:t>
             </a:r>
           </a:p>
@@ -17716,23 +17255,23 @@
               <a:defRPr/>
             </a:pPr>
             <a:r>
-              <a:rPr lang="en-CA" sz="1100" dirty="0" smtClean="0"/>
+              <a:rPr lang="en-CA" sz="1100" dirty="0"/>
               <a:t>    public </a:t>
             </a:r>
             <a:r>
-              <a:rPr lang="en-CA" sz="1100" dirty="0" err="1" smtClean="0"/>
+              <a:rPr lang="en-CA" sz="1100" dirty="0" err="1"/>
               <a:t>MyException</a:t>
             </a:r>
             <a:r>
-              <a:rPr lang="en-CA" sz="1100" dirty="0" smtClean="0"/>
+              <a:rPr lang="en-CA" sz="1100" dirty="0"/>
               <a:t>(string </a:t>
             </a:r>
             <a:r>
-              <a:rPr lang="en-CA" sz="1100" dirty="0" err="1" smtClean="0"/>
+              <a:rPr lang="en-CA" sz="1100" dirty="0" err="1"/>
               <a:t>str</a:t>
             </a:r>
             <a:r>
-              <a:rPr lang="en-CA" sz="1100" dirty="0" smtClean="0"/>
+              <a:rPr lang="en-CA" sz="1100" dirty="0"/>
               <a:t>)</a:t>
             </a:r>
           </a:p>
@@ -17745,7 +17284,7 @@
               <a:defRPr/>
             </a:pPr>
             <a:r>
-              <a:rPr lang="en-CA" sz="1100" dirty="0" smtClean="0"/>
+              <a:rPr lang="en-CA" sz="1100" dirty="0"/>
               <a:t>    {</a:t>
             </a:r>
           </a:p>
@@ -17758,15 +17297,15 @@
               <a:defRPr/>
             </a:pPr>
             <a:r>
-              <a:rPr lang="en-CA" sz="1100" dirty="0" smtClean="0"/>
+              <a:rPr lang="en-CA" sz="1100" dirty="0"/>
               <a:t>        </a:t>
             </a:r>
             <a:r>
-              <a:rPr lang="en-CA" sz="1100" dirty="0" err="1" smtClean="0"/>
+              <a:rPr lang="en-CA" sz="1100" dirty="0" err="1"/>
               <a:t>Console.WriteLine</a:t>
             </a:r>
             <a:r>
-              <a:rPr lang="en-CA" sz="1100" dirty="0" smtClean="0"/>
+              <a:rPr lang="en-CA" sz="1100" dirty="0"/>
               <a:t>("User defined exception");</a:t>
             </a:r>
           </a:p>
@@ -17779,7 +17318,7 @@
               <a:defRPr/>
             </a:pPr>
             <a:r>
-              <a:rPr lang="en-CA" sz="1100" dirty="0" smtClean="0"/>
+              <a:rPr lang="en-CA" sz="1100" dirty="0"/>
               <a:t>    }</a:t>
             </a:r>
           </a:p>
@@ -17792,7 +17331,7 @@
               <a:defRPr/>
             </a:pPr>
             <a:r>
-              <a:rPr lang="en-CA" sz="1100" dirty="0" smtClean="0"/>
+              <a:rPr lang="en-CA" sz="1100" dirty="0"/>
               <a:t>}</a:t>
             </a:r>
           </a:p>
@@ -17805,14 +17344,14 @@
               <a:defRPr/>
             </a:pPr>
             <a:r>
-              <a:rPr lang="en-CA" sz="1100" dirty="0" smtClean="0"/>
+              <a:rPr lang="en-CA" sz="1100" dirty="0"/>
               <a:t>class </a:t>
             </a:r>
             <a:r>
-              <a:rPr lang="en-CA" sz="1100" dirty="0" err="1" smtClean="0"/>
+              <a:rPr lang="en-CA" sz="1100" dirty="0" err="1"/>
               <a:t>MyClient</a:t>
             </a:r>
-            <a:endParaRPr lang="en-CA" sz="1100" dirty="0" smtClean="0"/>
+            <a:endParaRPr lang="en-CA" sz="1100" dirty="0"/>
           </a:p>
           <a:p>
             <a:pPr fontAlgn="auto">
@@ -17823,7 +17362,7 @@
               <a:defRPr/>
             </a:pPr>
             <a:r>
-              <a:rPr lang="en-CA" sz="1100" dirty="0" smtClean="0"/>
+              <a:rPr lang="en-CA" sz="1100" dirty="0"/>
               <a:t>{</a:t>
             </a:r>
           </a:p>
@@ -17836,7 +17375,7 @@
               <a:defRPr/>
             </a:pPr>
             <a:r>
-              <a:rPr lang="en-CA" sz="1100" dirty="0" smtClean="0"/>
+              <a:rPr lang="en-CA" sz="1100" dirty="0"/>
               <a:t>    public static void Main()</a:t>
             </a:r>
           </a:p>
@@ -17849,7 +17388,7 @@
               <a:defRPr/>
             </a:pPr>
             <a:r>
-              <a:rPr lang="en-CA" sz="1100" dirty="0" smtClean="0"/>
+              <a:rPr lang="en-CA" sz="1100" dirty="0"/>
               <a:t>    {</a:t>
             </a:r>
           </a:p>
@@ -17862,15 +17401,15 @@
               <a:defRPr/>
             </a:pPr>
             <a:r>
-              <a:rPr lang="en-CA" sz="1100" dirty="0" smtClean="0"/>
+              <a:rPr lang="en-CA" sz="1100" dirty="0"/>
               <a:t>        </a:t>
             </a:r>
             <a:r>
-              <a:rPr lang="en-CA" sz="1100" dirty="0" err="1" smtClean="0"/>
+              <a:rPr lang="en-CA" sz="1100" dirty="0" err="1"/>
               <a:t>int</a:t>
             </a:r>
             <a:r>
-              <a:rPr lang="en-CA" sz="1100" dirty="0" smtClean="0"/>
+              <a:rPr lang="en-CA" sz="1100" dirty="0"/>
               <a:t> x = 0;</a:t>
             </a:r>
           </a:p>
@@ -17883,15 +17422,15 @@
               <a:defRPr/>
             </a:pPr>
             <a:r>
-              <a:rPr lang="en-CA" sz="1100" dirty="0" smtClean="0"/>
+              <a:rPr lang="en-CA" sz="1100" dirty="0"/>
               <a:t>        </a:t>
             </a:r>
             <a:r>
-              <a:rPr lang="en-CA" sz="1100" dirty="0" err="1" smtClean="0"/>
+              <a:rPr lang="en-CA" sz="1100" dirty="0" err="1"/>
               <a:t>int</a:t>
             </a:r>
             <a:r>
-              <a:rPr lang="en-CA" sz="1100" dirty="0" smtClean="0"/>
+              <a:rPr lang="en-CA" sz="1100" dirty="0"/>
               <a:t> div = 0;</a:t>
             </a:r>
           </a:p>
@@ -17903,7 +17442,7 @@
               <a:buNone/>
               <a:defRPr/>
             </a:pPr>
-            <a:endParaRPr lang="en-CA" sz="1100" dirty="0" smtClean="0"/>
+            <a:endParaRPr lang="en-CA" sz="1100" dirty="0"/>
           </a:p>
           <a:p>
             <a:pPr fontAlgn="auto">
@@ -17914,7 +17453,7 @@
               <a:defRPr/>
             </a:pPr>
             <a:r>
-              <a:rPr lang="en-CA" sz="1100" dirty="0" smtClean="0"/>
+              <a:rPr lang="en-CA" sz="1100" dirty="0"/>
               <a:t>        try</a:t>
             </a:r>
           </a:p>
@@ -17927,7 +17466,7 @@
               <a:defRPr/>
             </a:pPr>
             <a:r>
-              <a:rPr lang="en-CA" sz="1100" dirty="0" smtClean="0"/>
+              <a:rPr lang="en-CA" sz="1100" dirty="0"/>
               <a:t>        {</a:t>
             </a:r>
           </a:p>
@@ -17940,7 +17479,7 @@
               <a:defRPr/>
             </a:pPr>
             <a:r>
-              <a:rPr lang="en-CA" sz="1100" dirty="0" smtClean="0"/>
+              <a:rPr lang="en-CA" sz="1100" dirty="0"/>
               <a:t>            div = 100 / x;</a:t>
             </a:r>
           </a:p>
@@ -17953,23 +17492,23 @@
               <a:defRPr/>
             </a:pPr>
             <a:r>
-              <a:rPr lang="en-CA" sz="1100" dirty="0" smtClean="0"/>
+              <a:rPr lang="en-CA" sz="1100" dirty="0"/>
               <a:t>            throw new </a:t>
             </a:r>
             <a:r>
-              <a:rPr lang="en-CA" sz="1100" dirty="0" err="1" smtClean="0"/>
+              <a:rPr lang="en-CA" sz="1100" dirty="0" err="1"/>
               <a:t>MyException</a:t>
             </a:r>
             <a:r>
-              <a:rPr lang="en-CA" sz="1100" dirty="0" smtClean="0"/>
+              <a:rPr lang="en-CA" sz="1100" dirty="0"/>
               <a:t>("</a:t>
             </a:r>
             <a:r>
-              <a:rPr lang="en-CA" sz="1100" dirty="0" err="1" smtClean="0"/>
+              <a:rPr lang="en-CA" sz="1100" dirty="0" err="1"/>
               <a:t>rajesh</a:t>
             </a:r>
             <a:r>
-              <a:rPr lang="en-CA" sz="1100" dirty="0" smtClean="0"/>
+              <a:rPr lang="en-CA" sz="1100" dirty="0"/>
               <a:t>");</a:t>
             </a:r>
           </a:p>
@@ -17982,7 +17521,7 @@
               <a:defRPr/>
             </a:pPr>
             <a:r>
-              <a:rPr lang="en-CA" sz="1100" dirty="0" smtClean="0"/>
+              <a:rPr lang="en-CA" sz="1100" dirty="0"/>
               <a:t>        }</a:t>
             </a:r>
           </a:p>
@@ -17995,7 +17534,7 @@
               <a:defRPr/>
             </a:pPr>
             <a:r>
-              <a:rPr lang="en-CA" sz="1100" dirty="0" smtClean="0"/>
+              <a:rPr lang="en-CA" sz="1100" dirty="0"/>
               <a:t>        catch (Exception e)</a:t>
             </a:r>
           </a:p>
@@ -18008,7 +17547,7 @@
               <a:defRPr/>
             </a:pPr>
             <a:r>
-              <a:rPr lang="en-CA" sz="1100" dirty="0" smtClean="0"/>
+              <a:rPr lang="en-CA" sz="1100" dirty="0"/>
               <a:t>        {</a:t>
             </a:r>
           </a:p>
@@ -18021,23 +17560,23 @@
               <a:defRPr/>
             </a:pPr>
             <a:r>
-              <a:rPr lang="en-US" sz="1100" dirty="0" smtClean="0"/>
+              <a:rPr lang="en-US" sz="1100" dirty="0"/>
               <a:t>          </a:t>
             </a:r>
             <a:r>
-              <a:rPr lang="en-US" sz="1100" dirty="0" err="1" smtClean="0"/>
+              <a:rPr lang="en-US" sz="1100" dirty="0" err="1"/>
               <a:t>Console.WriteLine</a:t>
             </a:r>
             <a:r>
-              <a:rPr lang="en-US" sz="1100" dirty="0" smtClean="0"/>
+              <a:rPr lang="en-US" sz="1100" dirty="0"/>
               <a:t>("Exception caught here" + </a:t>
             </a:r>
             <a:r>
-              <a:rPr lang="en-US" sz="1100" dirty="0" err="1" smtClean="0"/>
+              <a:rPr lang="en-US" sz="1100" dirty="0" err="1"/>
               <a:t>e.ToString</a:t>
             </a:r>
             <a:r>
-              <a:rPr lang="en-US" sz="1100" dirty="0" smtClean="0"/>
+              <a:rPr lang="en-US" sz="1100" dirty="0"/>
               <a:t>());</a:t>
             </a:r>
           </a:p>
@@ -18050,7 +17589,7 @@
               <a:defRPr/>
             </a:pPr>
             <a:r>
-              <a:rPr lang="en-CA" sz="1100" dirty="0" smtClean="0"/>
+              <a:rPr lang="en-CA" sz="1100" dirty="0"/>
               <a:t>        }</a:t>
             </a:r>
           </a:p>
@@ -18063,15 +17602,15 @@
               <a:defRPr/>
             </a:pPr>
             <a:r>
-              <a:rPr lang="en-CA" sz="1100" dirty="0" smtClean="0"/>
+              <a:rPr lang="en-CA" sz="1100" dirty="0"/>
               <a:t>        </a:t>
             </a:r>
             <a:r>
-              <a:rPr lang="en-CA" sz="1100" dirty="0" err="1" smtClean="0"/>
+              <a:rPr lang="en-CA" sz="1100" dirty="0" err="1"/>
               <a:t>Console.WriteLine</a:t>
             </a:r>
             <a:r>
-              <a:rPr lang="en-CA" sz="1100" dirty="0" smtClean="0"/>
+              <a:rPr lang="en-CA" sz="1100" dirty="0"/>
               <a:t>("LAST STATEMENT");</a:t>
             </a:r>
           </a:p>
@@ -18084,7 +17623,7 @@
               <a:defRPr/>
             </a:pPr>
             <a:r>
-              <a:rPr lang="en-CA" sz="1100" dirty="0" smtClean="0"/>
+              <a:rPr lang="en-CA" sz="1100" dirty="0"/>
               <a:t>    }</a:t>
             </a:r>
           </a:p>
@@ -18097,7 +17636,7 @@
               <a:defRPr/>
             </a:pPr>
             <a:r>
-              <a:rPr lang="en-CA" sz="1100" dirty="0" smtClean="0"/>
+              <a:rPr lang="en-CA" sz="1100" dirty="0"/>
               <a:t>}</a:t>
             </a:r>
           </a:p>
@@ -18258,13 +17797,6 @@
   <p:clrMapOvr>
     <a:masterClrMapping/>
   </p:clrMapOvr>
-  <p:timing>
-    <p:tnLst>
-      <p:par>
-        <p:cTn id="1" dur="indefinite" restart="never" nodeType="tmRoot"/>
-      </p:par>
-    </p:tnLst>
-  </p:timing>
 </p:sld>
 </file>
 
@@ -18314,7 +17846,7 @@
               </a:rPr>
             </a:br>
             <a:r>
-              <a:rPr lang="en-CA" sz="2800" dirty="0" smtClean="0"/>
+              <a:rPr lang="en-CA" sz="2800" dirty="0"/>
               <a:t>Exception Handling Guidelines 1/6</a:t>
             </a:r>
           </a:p>
@@ -18346,7 +17878,7 @@
               <a:defRPr/>
             </a:pPr>
             <a:r>
-              <a:rPr lang="en-US" dirty="0" smtClean="0"/>
+              <a:rPr lang="en-US" dirty="0"/>
               <a:t>Exceptions should be used to communicate exceptional conditions. </a:t>
             </a:r>
           </a:p>
@@ -18360,7 +17892,7 @@
               <a:defRPr/>
             </a:pPr>
             <a:r>
-              <a:rPr lang="en-US" dirty="0" smtClean="0"/>
+              <a:rPr lang="en-US" dirty="0"/>
               <a:t>Don't use them to communicate events that are expected, such as reaching the end of a file. </a:t>
             </a:r>
           </a:p>
@@ -18374,7 +17906,7 @@
               <a:defRPr/>
             </a:pPr>
             <a:r>
-              <a:rPr lang="en-US" dirty="0" smtClean="0"/>
+              <a:rPr lang="en-US" dirty="0"/>
               <a:t>If there's a good predefined exception in the System namespace that describes the exception condition (one that will make sense to the users of the class) use that one rather than defining a new exception class, and put specific information in the message. </a:t>
             </a:r>
           </a:p>
@@ -18385,13 +17917,6 @@
   <p:clrMapOvr>
     <a:masterClrMapping/>
   </p:clrMapOvr>
-  <p:timing>
-    <p:tnLst>
-      <p:par>
-        <p:cTn id="1" dur="indefinite" restart="never" nodeType="tmRoot"/>
-      </p:par>
-    </p:tnLst>
-  </p:timing>
 </p:sld>
 </file>
 
